--- a/课程PPT/12.JS闭包.pptx
+++ b/课程PPT/12.JS闭包.pptx
@@ -5,23 +5,24 @@
     <p:sldMasterId id="2147483648" r:id="rId1"/>
   </p:sldMasterIdLst>
   <p:notesMasterIdLst>
-    <p:notesMasterId r:id="rId16"/>
+    <p:notesMasterId r:id="rId6"/>
   </p:notesMasterIdLst>
   <p:sldIdLst>
-    <p:sldId id="1208" r:id="rId2"/>
-    <p:sldId id="1227" r:id="rId3"/>
-    <p:sldId id="1228" r:id="rId4"/>
-    <p:sldId id="1229" r:id="rId5"/>
-    <p:sldId id="1454" r:id="rId6"/>
-    <p:sldId id="1476" r:id="rId7"/>
-    <p:sldId id="1455" r:id="rId8"/>
-    <p:sldId id="1457" r:id="rId9"/>
-    <p:sldId id="1230" r:id="rId10"/>
-    <p:sldId id="1232" r:id="rId11"/>
-    <p:sldId id="1478" r:id="rId12"/>
-    <p:sldId id="1456" r:id="rId13"/>
-    <p:sldId id="1233" r:id="rId14"/>
-    <p:sldId id="1484" r:id="rId15"/>
+    <p:sldId id="1208" r:id="rId3"/>
+    <p:sldId id="1227" r:id="rId4"/>
+    <p:sldId id="1228" r:id="rId5"/>
+    <p:sldId id="1485" r:id="rId7"/>
+    <p:sldId id="1229" r:id="rId8"/>
+    <p:sldId id="1454" r:id="rId9"/>
+    <p:sldId id="1476" r:id="rId10"/>
+    <p:sldId id="1455" r:id="rId11"/>
+    <p:sldId id="1457" r:id="rId12"/>
+    <p:sldId id="1230" r:id="rId13"/>
+    <p:sldId id="1232" r:id="rId14"/>
+    <p:sldId id="1478" r:id="rId15"/>
+    <p:sldId id="1456" r:id="rId16"/>
+    <p:sldId id="1233" r:id="rId17"/>
+    <p:sldId id="1484" r:id="rId18"/>
   </p:sldIdLst>
   <p:sldSz cx="12192000" cy="6858000"/>
   <p:notesSz cx="6797675" cy="9928225"/>
@@ -340,6 +341,7 @@
               <a:rPr lang="zh-CN" altLang="zh-CN" noProof="0" smtClean="0"/>
               <a:t>                                                   </a:t>
             </a:r>
+            <a:endParaRPr lang="zh-CN" altLang="zh-CN" noProof="0" smtClean="0"/>
           </a:p>
           <a:p>
             <a:pPr lvl="1"/>
@@ -347,6 +349,7 @@
               <a:rPr lang="zh-CN" altLang="zh-CN" noProof="0" smtClean="0"/>
               <a:t>               </a:t>
             </a:r>
+            <a:endParaRPr lang="zh-CN" altLang="zh-CN" noProof="0" smtClean="0"/>
           </a:p>
           <a:p>
             <a:pPr lvl="2"/>
@@ -354,6 +357,7 @@
               <a:rPr lang="zh-CN" altLang="zh-CN" noProof="0" smtClean="0"/>
               <a:t>                </a:t>
             </a:r>
+            <a:endParaRPr lang="zh-CN" altLang="zh-CN" noProof="0" smtClean="0"/>
           </a:p>
           <a:p>
             <a:pPr lvl="3"/>
@@ -361,6 +365,7 @@
               <a:rPr lang="zh-CN" altLang="zh-CN" noProof="0" smtClean="0"/>
               <a:t>                </a:t>
             </a:r>
+            <a:endParaRPr lang="zh-CN" altLang="zh-CN" noProof="0" smtClean="0"/>
           </a:p>
           <a:p>
             <a:pPr lvl="4"/>
@@ -368,6 +373,7 @@
               <a:rPr lang="zh-CN" altLang="zh-CN" noProof="0" smtClean="0"/>
               <a:t>                </a:t>
             </a:r>
+            <a:endParaRPr lang="zh-CN" altLang="zh-CN" noProof="0" smtClean="0"/>
           </a:p>
         </p:txBody>
       </p:sp>
@@ -450,18 +456,12 @@
           <a:p>
             <a:fld id="{D9AFD278-84AA-4CAA-9049-809825956FE0}" type="slidenum">
               <a:rPr lang="en-US" altLang="zh-CN"/>
-              <a:t>‹#›</a:t>
             </a:fld>
             <a:endParaRPr lang="zh-CN" altLang="zh-CN"/>
           </a:p>
         </p:txBody>
       </p:sp>
     </p:spTree>
-    <p:extLst>
-      <p:ext uri="{BB962C8B-B14F-4D97-AF65-F5344CB8AC3E}">
-        <p14:creationId xmlns:p14="http://schemas.microsoft.com/office/powerpoint/2010/main" val="859315540"/>
-      </p:ext>
-    </p:extLst>
   </p:cSld>
   <p:clrMap bg1="lt1" tx1="dk1" bg2="lt2" tx2="dk2" accent1="accent1" accent2="accent2" accent3="accent3" accent4="accent4" accent5="accent5" accent6="accent6" hlink="hlink" folHlink="folHlink"/>
   <p:notesStyle>
@@ -654,9 +654,64 @@
           <a:p>
             <a:fld id="{D9AFD278-84AA-4CAA-9049-809825956FE0}" type="slidenum">
               <a:rPr lang="en-US" altLang="zh-CN" smtClean="0"/>
-              <a:t>3</a:t>
             </a:fld>
             <a:endParaRPr lang="zh-CN" altLang="zh-CN"/>
+          </a:p>
+        </p:txBody>
+      </p:sp>
+    </p:spTree>
+  </p:cSld>
+  <p:clrMapOvr>
+    <a:masterClrMapping/>
+  </p:clrMapOvr>
+</p:notes>
+</file>
+
+<file path=ppt/notesSlides/notesSlide10.xml><?xml version="1.0" encoding="utf-8"?>
+<p:notes xmlns:a="http://schemas.openxmlformats.org/drawingml/2006/main" xmlns:r="http://schemas.openxmlformats.org/officeDocument/2006/relationships" xmlns:p="http://schemas.openxmlformats.org/presentationml/2006/main">
+  <p:cSld>
+    <p:spTree>
+      <p:nvGrpSpPr>
+        <p:cNvPr id="1" name=""/>
+        <p:cNvGrpSpPr/>
+        <p:nvPr/>
+      </p:nvGrpSpPr>
+      <p:grpSpPr>
+        <a:xfrm>
+          <a:off x="0" y="0"/>
+          <a:ext cx="0" cy="0"/>
+          <a:chOff x="0" y="0"/>
+          <a:chExt cx="0" cy="0"/>
+        </a:xfrm>
+      </p:grpSpPr>
+      <p:sp>
+        <p:nvSpPr>
+          <p:cNvPr id="2" name="幻灯片图像占位符 1"/>
+          <p:cNvSpPr>
+            <a:spLocks noGrp="1" noRot="1" noChangeAspect="1"/>
+          </p:cNvSpPr>
+          <p:nvPr>
+            <p:ph type="sldImg" idx="2"/>
+          </p:nvPr>
+        </p:nvSpPr>
+        <p:spPr/>
+      </p:sp>
+      <p:sp>
+        <p:nvSpPr>
+          <p:cNvPr id="3" name="文本占位符 2"/>
+          <p:cNvSpPr>
+            <a:spLocks noGrp="1"/>
+          </p:cNvSpPr>
+          <p:nvPr>
+            <p:ph type="body" idx="3"/>
+          </p:nvPr>
+        </p:nvSpPr>
+        <p:spPr/>
+        <p:txBody>
+          <a:bodyPr/>
+          <a:lstStyle/>
+          <a:p>
+            <a:endParaRPr lang="zh-CN" altLang="en-US" dirty="0"/>
           </a:p>
         </p:txBody>
       </p:sp>
@@ -733,7 +788,6 @@
           <a:p>
             <a:fld id="{D9AFD278-84AA-4CAA-9049-809825956FE0}" type="slidenum">
               <a:rPr lang="en-US" altLang="zh-CN" smtClean="0"/>
-              <a:t>5</a:t>
             </a:fld>
             <a:endParaRPr lang="zh-CN" altLang="zh-CN"/>
           </a:p>
@@ -812,7 +866,6 @@
           <a:p>
             <a:fld id="{D9AFD278-84AA-4CAA-9049-809825956FE0}" type="slidenum">
               <a:rPr lang="en-US" altLang="zh-CN" smtClean="0"/>
-              <a:t>6</a:t>
             </a:fld>
             <a:endParaRPr lang="zh-CN" altLang="zh-CN"/>
           </a:p>
@@ -891,7 +944,6 @@
           <a:p>
             <a:fld id="{D9AFD278-84AA-4CAA-9049-809825956FE0}" type="slidenum">
               <a:rPr lang="en-US" altLang="zh-CN" smtClean="0"/>
-              <a:t>7</a:t>
             </a:fld>
             <a:endParaRPr lang="zh-CN" altLang="zh-CN"/>
           </a:p>
@@ -970,7 +1022,6 @@
           <a:p>
             <a:fld id="{D9AFD278-84AA-4CAA-9049-809825956FE0}" type="slidenum">
               <a:rPr lang="en-US" altLang="zh-CN" smtClean="0"/>
-              <a:t>8</a:t>
             </a:fld>
             <a:endParaRPr lang="zh-CN" altLang="zh-CN"/>
           </a:p>
@@ -1008,19 +1059,19 @@
             <a:spLocks noGrp="1" noRot="1" noChangeAspect="1"/>
           </p:cNvSpPr>
           <p:nvPr>
-            <p:ph type="sldImg" idx="2"/>
+            <p:ph type="sldImg"/>
           </p:nvPr>
         </p:nvSpPr>
         <p:spPr/>
       </p:sp>
       <p:sp>
         <p:nvSpPr>
-          <p:cNvPr id="3" name="文本占位符 2"/>
+          <p:cNvPr id="3" name="备注占位符 2"/>
           <p:cNvSpPr>
             <a:spLocks noGrp="1"/>
           </p:cNvSpPr>
           <p:nvPr>
-            <p:ph type="body" idx="3"/>
+            <p:ph type="body" idx="1"/>
           </p:nvPr>
         </p:nvSpPr>
         <p:spPr/>
@@ -1029,6 +1080,28 @@
           <a:lstStyle/>
           <a:p>
             <a:endParaRPr lang="zh-CN" altLang="en-US" dirty="0"/>
+          </a:p>
+        </p:txBody>
+      </p:sp>
+      <p:sp>
+        <p:nvSpPr>
+          <p:cNvPr id="4" name="灯片编号占位符 3"/>
+          <p:cNvSpPr>
+            <a:spLocks noGrp="1"/>
+          </p:cNvSpPr>
+          <p:nvPr>
+            <p:ph type="sldNum" sz="quarter" idx="10"/>
+          </p:nvPr>
+        </p:nvSpPr>
+        <p:spPr/>
+        <p:txBody>
+          <a:bodyPr/>
+          <a:lstStyle/>
+          <a:p>
+            <a:fld id="{D9AFD278-84AA-4CAA-9049-809825956FE0}" type="slidenum">
+              <a:rPr lang="en-US" altLang="zh-CN" smtClean="0"/>
+            </a:fld>
+            <a:endParaRPr lang="zh-CN" altLang="zh-CN"/>
           </a:p>
         </p:txBody>
       </p:sp>
@@ -1278,6 +1351,7 @@
               <a:rPr lang="zh-CN" altLang="en-US" dirty="0" smtClean="0"/>
               <a:t>单击此处编辑母版文本样式</a:t>
             </a:r>
+            <a:endParaRPr lang="zh-CN" altLang="en-US" dirty="0" smtClean="0"/>
           </a:p>
           <a:p>
             <a:pPr lvl="1"/>
@@ -1285,6 +1359,7 @@
               <a:rPr lang="zh-CN" altLang="en-US" dirty="0" smtClean="0"/>
               <a:t>第二级</a:t>
             </a:r>
+            <a:endParaRPr lang="zh-CN" altLang="en-US" dirty="0" smtClean="0"/>
           </a:p>
           <a:p>
             <a:pPr lvl="2"/>
@@ -1292,6 +1367,7 @@
               <a:rPr lang="zh-CN" altLang="en-US" dirty="0" smtClean="0"/>
               <a:t>第三级</a:t>
             </a:r>
+            <a:endParaRPr lang="zh-CN" altLang="en-US" dirty="0" smtClean="0"/>
           </a:p>
           <a:p>
             <a:pPr lvl="3"/>
@@ -1299,6 +1375,7 @@
               <a:rPr lang="zh-CN" altLang="en-US" dirty="0" smtClean="0"/>
               <a:t>第四级</a:t>
             </a:r>
+            <a:endParaRPr lang="zh-CN" altLang="en-US" dirty="0" smtClean="0"/>
           </a:p>
         </p:txBody>
       </p:sp>
@@ -1360,6 +1437,7 @@
               <a:rPr lang="zh-CN" altLang="en-US" dirty="0" smtClean="0"/>
               <a:t>单击此处编辑母版文本样式</a:t>
             </a:r>
+            <a:endParaRPr lang="zh-CN" altLang="en-US" dirty="0" smtClean="0"/>
           </a:p>
         </p:txBody>
       </p:sp>
@@ -1416,7 +1494,6 @@
           <a:p>
             <a:fld id="{2030C94F-1E7C-47E3-9C60-176A530B03BF}" type="slidenum">
               <a:rPr lang="en-US" altLang="zh-CN"/>
-              <a:t>‹#›</a:t>
             </a:fld>
             <a:endParaRPr lang="zh-CN" altLang="zh-CN" sz="3200" b="0"/>
           </a:p>
@@ -1507,6 +1584,7 @@
               <a:rPr lang="zh-CN" altLang="en-US" dirty="0" smtClean="0"/>
               <a:t>单击此处编辑母版文本样式</a:t>
             </a:r>
+            <a:endParaRPr lang="zh-CN" altLang="en-US" dirty="0" smtClean="0"/>
           </a:p>
           <a:p>
             <a:pPr lvl="1"/>
@@ -1514,6 +1592,7 @@
               <a:rPr lang="zh-CN" altLang="en-US" dirty="0" smtClean="0"/>
               <a:t>第二级</a:t>
             </a:r>
+            <a:endParaRPr lang="zh-CN" altLang="en-US" dirty="0" smtClean="0"/>
           </a:p>
           <a:p>
             <a:pPr lvl="2"/>
@@ -1521,6 +1600,7 @@
               <a:rPr lang="zh-CN" altLang="en-US" dirty="0" smtClean="0"/>
               <a:t>第三级</a:t>
             </a:r>
+            <a:endParaRPr lang="zh-CN" altLang="en-US" dirty="0" smtClean="0"/>
           </a:p>
           <a:p>
             <a:pPr lvl="3"/>
@@ -1528,6 +1608,7 @@
               <a:rPr lang="zh-CN" altLang="en-US" dirty="0" smtClean="0"/>
               <a:t>第四级</a:t>
             </a:r>
+            <a:endParaRPr lang="zh-CN" altLang="en-US" dirty="0" smtClean="0"/>
           </a:p>
         </p:txBody>
       </p:sp>
@@ -1585,6 +1666,7 @@
               <a:rPr lang="zh-CN" altLang="en-US" dirty="0" smtClean="0"/>
               <a:t>单击此处编辑母版文本样式</a:t>
             </a:r>
+            <a:endParaRPr lang="zh-CN" altLang="en-US" dirty="0" smtClean="0"/>
           </a:p>
         </p:txBody>
       </p:sp>
@@ -1666,6 +1748,7 @@
               <a:rPr lang="zh-CN" altLang="en-US" dirty="0" smtClean="0"/>
               <a:t>单击此处编辑母版文本样式</a:t>
             </a:r>
+            <a:endParaRPr lang="zh-CN" altLang="en-US" dirty="0" smtClean="0"/>
           </a:p>
           <a:p>
             <a:pPr lvl="1"/>
@@ -1673,6 +1756,7 @@
               <a:rPr lang="zh-CN" altLang="en-US" dirty="0" smtClean="0"/>
               <a:t>第二级</a:t>
             </a:r>
+            <a:endParaRPr lang="zh-CN" altLang="en-US" dirty="0" smtClean="0"/>
           </a:p>
           <a:p>
             <a:pPr lvl="2"/>
@@ -1680,6 +1764,7 @@
               <a:rPr lang="zh-CN" altLang="en-US" dirty="0" smtClean="0"/>
               <a:t>第三级</a:t>
             </a:r>
+            <a:endParaRPr lang="zh-CN" altLang="en-US" dirty="0" smtClean="0"/>
           </a:p>
           <a:p>
             <a:pPr lvl="3"/>
@@ -1687,6 +1772,7 @@
               <a:rPr lang="zh-CN" altLang="en-US" dirty="0" smtClean="0"/>
               <a:t>第四级</a:t>
             </a:r>
+            <a:endParaRPr lang="zh-CN" altLang="en-US" dirty="0" smtClean="0"/>
           </a:p>
         </p:txBody>
       </p:sp>
@@ -1744,6 +1830,7 @@
               <a:rPr lang="zh-CN" altLang="en-US" dirty="0" smtClean="0"/>
               <a:t>单击此处编辑母版文本样式</a:t>
             </a:r>
+            <a:endParaRPr lang="zh-CN" altLang="en-US" dirty="0" smtClean="0"/>
           </a:p>
         </p:txBody>
       </p:sp>
@@ -1825,6 +1912,7 @@
               <a:rPr lang="zh-CN" altLang="en-US" dirty="0" smtClean="0"/>
               <a:t>单击此处编辑母版文本样式</a:t>
             </a:r>
+            <a:endParaRPr lang="zh-CN" altLang="en-US" dirty="0" smtClean="0"/>
           </a:p>
           <a:p>
             <a:pPr lvl="1"/>
@@ -1832,6 +1920,7 @@
               <a:rPr lang="zh-CN" altLang="en-US" dirty="0" smtClean="0"/>
               <a:t>第二级</a:t>
             </a:r>
+            <a:endParaRPr lang="zh-CN" altLang="en-US" dirty="0" smtClean="0"/>
           </a:p>
           <a:p>
             <a:pPr lvl="2"/>
@@ -1839,6 +1928,7 @@
               <a:rPr lang="zh-CN" altLang="en-US" dirty="0" smtClean="0"/>
               <a:t>第三级</a:t>
             </a:r>
+            <a:endParaRPr lang="zh-CN" altLang="en-US" dirty="0" smtClean="0"/>
           </a:p>
           <a:p>
             <a:pPr lvl="3"/>
@@ -1846,6 +1936,7 @@
               <a:rPr lang="zh-CN" altLang="en-US" dirty="0" smtClean="0"/>
               <a:t>第四级</a:t>
             </a:r>
+            <a:endParaRPr lang="zh-CN" altLang="en-US" dirty="0" smtClean="0"/>
           </a:p>
         </p:txBody>
       </p:sp>
@@ -1903,6 +1994,7 @@
               <a:rPr lang="zh-CN" altLang="en-US" dirty="0" smtClean="0"/>
               <a:t>单击此处编辑母版文本样式</a:t>
             </a:r>
+            <a:endParaRPr lang="zh-CN" altLang="en-US" dirty="0" smtClean="0"/>
           </a:p>
         </p:txBody>
       </p:sp>
@@ -1984,6 +2076,7 @@
               <a:rPr lang="zh-CN" altLang="en-US" dirty="0" smtClean="0"/>
               <a:t>单击此处编辑母版文本样式</a:t>
             </a:r>
+            <a:endParaRPr lang="zh-CN" altLang="en-US" dirty="0" smtClean="0"/>
           </a:p>
           <a:p>
             <a:pPr lvl="1"/>
@@ -1991,6 +2084,7 @@
               <a:rPr lang="zh-CN" altLang="en-US" dirty="0" smtClean="0"/>
               <a:t>第二级</a:t>
             </a:r>
+            <a:endParaRPr lang="zh-CN" altLang="en-US" dirty="0" smtClean="0"/>
           </a:p>
           <a:p>
             <a:pPr lvl="2"/>
@@ -1998,6 +2092,7 @@
               <a:rPr lang="zh-CN" altLang="en-US" dirty="0" smtClean="0"/>
               <a:t>第三级</a:t>
             </a:r>
+            <a:endParaRPr lang="zh-CN" altLang="en-US" dirty="0" smtClean="0"/>
           </a:p>
           <a:p>
             <a:pPr lvl="3"/>
@@ -2005,6 +2100,7 @@
               <a:rPr lang="zh-CN" altLang="en-US" dirty="0" smtClean="0"/>
               <a:t>第四级</a:t>
             </a:r>
+            <a:endParaRPr lang="zh-CN" altLang="en-US" dirty="0" smtClean="0"/>
           </a:p>
         </p:txBody>
       </p:sp>
@@ -2062,6 +2158,7 @@
               <a:rPr lang="zh-CN" altLang="en-US" dirty="0" smtClean="0"/>
               <a:t>单击此处编辑母版文本样式</a:t>
             </a:r>
+            <a:endParaRPr lang="zh-CN" altLang="en-US" dirty="0" smtClean="0"/>
           </a:p>
         </p:txBody>
       </p:sp>
@@ -2143,6 +2240,7 @@
               <a:rPr lang="zh-CN" altLang="en-US" dirty="0" smtClean="0"/>
               <a:t>单击此处编辑母版文本样式</a:t>
             </a:r>
+            <a:endParaRPr lang="zh-CN" altLang="en-US" dirty="0" smtClean="0"/>
           </a:p>
           <a:p>
             <a:pPr lvl="1"/>
@@ -2150,6 +2248,7 @@
               <a:rPr lang="zh-CN" altLang="en-US" dirty="0" smtClean="0"/>
               <a:t>第二级</a:t>
             </a:r>
+            <a:endParaRPr lang="zh-CN" altLang="en-US" dirty="0" smtClean="0"/>
           </a:p>
           <a:p>
             <a:pPr lvl="2"/>
@@ -2157,6 +2256,7 @@
               <a:rPr lang="zh-CN" altLang="en-US" dirty="0" smtClean="0"/>
               <a:t>第三级</a:t>
             </a:r>
+            <a:endParaRPr lang="zh-CN" altLang="en-US" dirty="0" smtClean="0"/>
           </a:p>
           <a:p>
             <a:pPr lvl="3"/>
@@ -2164,6 +2264,7 @@
               <a:rPr lang="zh-CN" altLang="en-US" dirty="0" smtClean="0"/>
               <a:t>第四级</a:t>
             </a:r>
+            <a:endParaRPr lang="zh-CN" altLang="en-US" dirty="0" smtClean="0"/>
           </a:p>
         </p:txBody>
       </p:sp>
@@ -2221,6 +2322,7 @@
               <a:rPr lang="zh-CN" altLang="en-US" dirty="0" smtClean="0"/>
               <a:t>单击此处编辑母版文本样式</a:t>
             </a:r>
+            <a:endParaRPr lang="zh-CN" altLang="en-US" dirty="0" smtClean="0"/>
           </a:p>
         </p:txBody>
       </p:sp>
@@ -2302,6 +2404,7 @@
               <a:rPr lang="zh-CN" altLang="en-US" dirty="0" smtClean="0"/>
               <a:t>单击此处编辑母版文本样式</a:t>
             </a:r>
+            <a:endParaRPr lang="zh-CN" altLang="en-US" dirty="0" smtClean="0"/>
           </a:p>
           <a:p>
             <a:pPr lvl="1"/>
@@ -2309,6 +2412,7 @@
               <a:rPr lang="zh-CN" altLang="en-US" dirty="0" smtClean="0"/>
               <a:t>第二级</a:t>
             </a:r>
+            <a:endParaRPr lang="zh-CN" altLang="en-US" dirty="0" smtClean="0"/>
           </a:p>
           <a:p>
             <a:pPr lvl="2"/>
@@ -2316,6 +2420,7 @@
               <a:rPr lang="zh-CN" altLang="en-US" dirty="0" smtClean="0"/>
               <a:t>第三级</a:t>
             </a:r>
+            <a:endParaRPr lang="zh-CN" altLang="en-US" dirty="0" smtClean="0"/>
           </a:p>
           <a:p>
             <a:pPr lvl="3"/>
@@ -2323,6 +2428,7 @@
               <a:rPr lang="zh-CN" altLang="en-US" dirty="0" smtClean="0"/>
               <a:t>第四级</a:t>
             </a:r>
+            <a:endParaRPr lang="zh-CN" altLang="en-US" dirty="0" smtClean="0"/>
           </a:p>
         </p:txBody>
       </p:sp>
@@ -2380,6 +2486,7 @@
               <a:rPr lang="zh-CN" altLang="en-US" dirty="0" smtClean="0"/>
               <a:t>单击此处编辑母版文本样式</a:t>
             </a:r>
+            <a:endParaRPr lang="zh-CN" altLang="en-US" dirty="0" smtClean="0"/>
           </a:p>
         </p:txBody>
       </p:sp>
@@ -2473,6 +2580,7 @@
               <a:rPr lang="zh-CN" altLang="en-US" dirty="0" smtClean="0"/>
               <a:t>单击此处编辑母版文本样式</a:t>
             </a:r>
+            <a:endParaRPr lang="zh-CN" altLang="en-US" dirty="0" smtClean="0"/>
           </a:p>
           <a:p>
             <a:pPr lvl="1"/>
@@ -2480,6 +2588,7 @@
               <a:rPr lang="zh-CN" altLang="en-US" dirty="0" smtClean="0"/>
               <a:t>第二级</a:t>
             </a:r>
+            <a:endParaRPr lang="zh-CN" altLang="en-US" dirty="0" smtClean="0"/>
           </a:p>
           <a:p>
             <a:pPr lvl="2"/>
@@ -2487,6 +2596,7 @@
               <a:rPr lang="zh-CN" altLang="en-US" dirty="0" smtClean="0"/>
               <a:t>第三级</a:t>
             </a:r>
+            <a:endParaRPr lang="zh-CN" altLang="en-US" dirty="0" smtClean="0"/>
           </a:p>
           <a:p>
             <a:pPr lvl="3"/>
@@ -2494,6 +2604,7 @@
               <a:rPr lang="zh-CN" altLang="en-US" dirty="0" smtClean="0"/>
               <a:t>第四级</a:t>
             </a:r>
+            <a:endParaRPr lang="zh-CN" altLang="en-US" dirty="0" smtClean="0"/>
           </a:p>
         </p:txBody>
       </p:sp>
@@ -2555,6 +2666,7 @@
               <a:rPr lang="zh-CN" altLang="en-US" dirty="0" smtClean="0"/>
               <a:t>单击此处编辑母版文本样式</a:t>
             </a:r>
+            <a:endParaRPr lang="zh-CN" altLang="en-US" dirty="0" smtClean="0"/>
           </a:p>
         </p:txBody>
       </p:sp>
@@ -2579,7 +2691,7 @@
     <p:bg bwMode="auto">
       <p:bgPr>
         <a:blipFill dpi="0" rotWithShape="0">
-          <a:blip r:embed="rId11"/>
+          <a:blip r:embed="rId10"/>
           <a:srcRect/>
           <a:stretch>
             <a:fillRect/>
@@ -2638,7 +2750,6 @@
           <a:p>
             <a:fld id="{43A45880-9E2A-43E4-955C-AEB11E14255E}" type="slidenum">
               <a:rPr lang="en-US" altLang="zh-CN"/>
-              <a:t>‹#›</a:t>
             </a:fld>
             <a:endParaRPr lang="zh-CN" altLang="zh-CN"/>
           </a:p>
@@ -2653,7 +2764,7 @@
           <p:nvPr/>
         </p:nvPicPr>
         <p:blipFill>
-          <a:blip r:embed="rId12">
+          <a:blip r:embed="rId11">
             <a:extLst>
               <a:ext uri="{28A0092B-C50C-407E-A947-70E740481C1C}">
                 <a14:useLocalDpi xmlns:a14="http://schemas.microsoft.com/office/drawing/2010/main" val="0"/>
@@ -2707,7 +2818,7 @@
           <p:nvPr/>
         </p:nvPicPr>
         <p:blipFill>
-          <a:blip r:embed="rId13">
+          <a:blip r:embed="rId12">
             <a:extLst>
               <a:ext uri="{28A0092B-C50C-407E-A947-70E740481C1C}">
                 <a14:useLocalDpi xmlns:a14="http://schemas.microsoft.com/office/drawing/2010/main" val="0"/>
@@ -3220,7 +3331,7 @@
           <p:nvPr/>
         </p:nvPicPr>
         <p:blipFill>
-          <a:blip r:embed="rId2">
+          <a:blip r:embed="rId1">
             <a:extLst>
               <a:ext uri="{28A0092B-C50C-407E-A947-70E740481C1C}">
                 <a14:useLocalDpi xmlns:a14="http://schemas.microsoft.com/office/drawing/2010/main" val="0"/>
@@ -3498,6 +3609,10 @@
               </a:rPr>
               <a:t>闭包（closure）</a:t>
             </a:r>
+            <a:endParaRPr lang="zh-CN" altLang="en-US">
+              <a:latin typeface="+mj-ea"/>
+              <a:ea typeface="+mj-ea"/>
+            </a:endParaRPr>
           </a:p>
         </p:txBody>
       </p:sp>
@@ -3510,7 +3625,7 @@
           <p:nvPr/>
         </p:nvPicPr>
         <p:blipFill>
-          <a:blip r:embed="rId3">
+          <a:blip r:embed="rId2">
             <a:extLst>
               <a:ext uri="{28A0092B-C50C-407E-A947-70E740481C1C}">
                 <a14:useLocalDpi xmlns:a14="http://schemas.microsoft.com/office/drawing/2010/main" val="0"/>
@@ -3590,6 +3705,504 @@
       </p:grpSpPr>
       <p:sp>
         <p:nvSpPr>
+          <p:cNvPr id="5123" name="AutoShape 6"/>
+          <p:cNvSpPr>
+            <a:spLocks noChangeArrowheads="1"/>
+          </p:cNvSpPr>
+          <p:nvPr/>
+        </p:nvSpPr>
+        <p:spPr bwMode="auto">
+          <a:xfrm>
+            <a:off x="2566988" y="1339851"/>
+            <a:ext cx="6711950" cy="4214813"/>
+          </a:xfrm>
+          <a:prstGeom prst="roundRect">
+            <a:avLst>
+              <a:gd name="adj" fmla="val 16667"/>
+            </a:avLst>
+          </a:prstGeom>
+          <a:noFill/>
+          <a:ln w="28575">
+            <a:solidFill>
+              <a:srgbClr val="C0C0C0"/>
+            </a:solidFill>
+            <a:prstDash val="sysDot"/>
+            <a:round/>
+          </a:ln>
+          <a:extLst>
+            <a:ext uri="{909E8E84-426E-40DD-AFC4-6F175D3DCCD1}">
+              <a14:hiddenFill xmlns:a14="http://schemas.microsoft.com/office/drawing/2010/main">
+                <a:solidFill>
+                  <a:srgbClr val="FFFFFF"/>
+                </a:solidFill>
+              </a14:hiddenFill>
+            </a:ext>
+          </a:extLst>
+        </p:spPr>
+        <p:txBody>
+          <a:bodyPr wrap="none" anchor="ctr"/>
+          <a:lstStyle>
+            <a:lvl1pPr marL="457200" indent="-457200">
+              <a:defRPr sz="3200">
+                <a:solidFill>
+                  <a:schemeClr val="tx1"/>
+                </a:solidFill>
+                <a:latin typeface="Arial" panose="020B0604020202020204" pitchFamily="34" charset="0"/>
+                <a:ea typeface="微软雅黑" panose="020B0503020204020204" pitchFamily="34" charset="-122"/>
+              </a:defRPr>
+            </a:lvl1pPr>
+            <a:lvl2pPr marL="742950" indent="-285750">
+              <a:defRPr sz="3200">
+                <a:solidFill>
+                  <a:schemeClr val="tx1"/>
+                </a:solidFill>
+                <a:latin typeface="Arial" panose="020B0604020202020204" pitchFamily="34" charset="0"/>
+                <a:ea typeface="微软雅黑" panose="020B0503020204020204" pitchFamily="34" charset="-122"/>
+              </a:defRPr>
+            </a:lvl2pPr>
+            <a:lvl3pPr marL="1143000" indent="-228600">
+              <a:defRPr sz="3200">
+                <a:solidFill>
+                  <a:schemeClr val="tx1"/>
+                </a:solidFill>
+                <a:latin typeface="Arial" panose="020B0604020202020204" pitchFamily="34" charset="0"/>
+                <a:ea typeface="微软雅黑" panose="020B0503020204020204" pitchFamily="34" charset="-122"/>
+              </a:defRPr>
+            </a:lvl3pPr>
+            <a:lvl4pPr marL="1600200" indent="-228600">
+              <a:defRPr sz="3200">
+                <a:solidFill>
+                  <a:schemeClr val="tx1"/>
+                </a:solidFill>
+                <a:latin typeface="Arial" panose="020B0604020202020204" pitchFamily="34" charset="0"/>
+                <a:ea typeface="微软雅黑" panose="020B0503020204020204" pitchFamily="34" charset="-122"/>
+              </a:defRPr>
+            </a:lvl4pPr>
+            <a:lvl5pPr marL="2057400" indent="-228600">
+              <a:defRPr sz="3200">
+                <a:solidFill>
+                  <a:schemeClr val="tx1"/>
+                </a:solidFill>
+                <a:latin typeface="Arial" panose="020B0604020202020204" pitchFamily="34" charset="0"/>
+                <a:ea typeface="微软雅黑" panose="020B0503020204020204" pitchFamily="34" charset="-122"/>
+              </a:defRPr>
+            </a:lvl5pPr>
+            <a:lvl6pPr marL="2514600" indent="-228600" eaLnBrk="0" fontAlgn="base" hangingPunct="0">
+              <a:spcBef>
+                <a:spcPct val="0"/>
+              </a:spcBef>
+              <a:spcAft>
+                <a:spcPct val="0"/>
+              </a:spcAft>
+              <a:defRPr sz="3200">
+                <a:solidFill>
+                  <a:schemeClr val="tx1"/>
+                </a:solidFill>
+                <a:latin typeface="Arial" panose="020B0604020202020204" pitchFamily="34" charset="0"/>
+                <a:ea typeface="微软雅黑" panose="020B0503020204020204" pitchFamily="34" charset="-122"/>
+              </a:defRPr>
+            </a:lvl6pPr>
+            <a:lvl7pPr marL="2971800" indent="-228600" eaLnBrk="0" fontAlgn="base" hangingPunct="0">
+              <a:spcBef>
+                <a:spcPct val="0"/>
+              </a:spcBef>
+              <a:spcAft>
+                <a:spcPct val="0"/>
+              </a:spcAft>
+              <a:defRPr sz="3200">
+                <a:solidFill>
+                  <a:schemeClr val="tx1"/>
+                </a:solidFill>
+                <a:latin typeface="Arial" panose="020B0604020202020204" pitchFamily="34" charset="0"/>
+                <a:ea typeface="微软雅黑" panose="020B0503020204020204" pitchFamily="34" charset="-122"/>
+              </a:defRPr>
+            </a:lvl7pPr>
+            <a:lvl8pPr marL="3429000" indent="-228600" eaLnBrk="0" fontAlgn="base" hangingPunct="0">
+              <a:spcBef>
+                <a:spcPct val="0"/>
+              </a:spcBef>
+              <a:spcAft>
+                <a:spcPct val="0"/>
+              </a:spcAft>
+              <a:defRPr sz="3200">
+                <a:solidFill>
+                  <a:schemeClr val="tx1"/>
+                </a:solidFill>
+                <a:latin typeface="Arial" panose="020B0604020202020204" pitchFamily="34" charset="0"/>
+                <a:ea typeface="微软雅黑" panose="020B0503020204020204" pitchFamily="34" charset="-122"/>
+              </a:defRPr>
+            </a:lvl8pPr>
+            <a:lvl9pPr marL="3886200" indent="-228600" eaLnBrk="0" fontAlgn="base" hangingPunct="0">
+              <a:spcBef>
+                <a:spcPct val="0"/>
+              </a:spcBef>
+              <a:spcAft>
+                <a:spcPct val="0"/>
+              </a:spcAft>
+              <a:defRPr sz="3200">
+                <a:solidFill>
+                  <a:schemeClr val="tx1"/>
+                </a:solidFill>
+                <a:latin typeface="Arial" panose="020B0604020202020204" pitchFamily="34" charset="0"/>
+                <a:ea typeface="微软雅黑" panose="020B0503020204020204" pitchFamily="34" charset="-122"/>
+              </a:defRPr>
+            </a:lvl9pPr>
+          </a:lstStyle>
+          <a:p>
+            <a:pPr algn="l">
+              <a:lnSpc>
+                <a:spcPct val="150000"/>
+              </a:lnSpc>
+              <a:spcBef>
+                <a:spcPts val="1200"/>
+              </a:spcBef>
+              <a:spcAft>
+                <a:spcPts val="1200"/>
+              </a:spcAft>
+              <a:buClr>
+                <a:srgbClr val="92D050"/>
+              </a:buClr>
+              <a:buFont typeface="Wingdings" panose="05000000000000000000" pitchFamily="2" charset="2"/>
+              <a:buChar char="Ø"/>
+            </a:pPr>
+            <a:r>
+              <a:rPr lang="zh-CN" altLang="en-US" sz="2800" b="1">
+                <a:solidFill>
+                  <a:schemeClr val="tx1"/>
+                </a:solidFill>
+              </a:rPr>
+              <a:t>闭包的概念</a:t>
+            </a:r>
+            <a:endParaRPr lang="zh-CN" altLang="en-US" sz="2800" b="1">
+              <a:solidFill>
+                <a:schemeClr val="tx1"/>
+              </a:solidFill>
+            </a:endParaRPr>
+          </a:p>
+          <a:p>
+            <a:pPr algn="l">
+              <a:lnSpc>
+                <a:spcPct val="150000"/>
+              </a:lnSpc>
+              <a:spcBef>
+                <a:spcPts val="1200"/>
+              </a:spcBef>
+              <a:spcAft>
+                <a:spcPts val="1200"/>
+              </a:spcAft>
+              <a:buClr>
+                <a:srgbClr val="92D050"/>
+              </a:buClr>
+              <a:buFont typeface="Wingdings" panose="05000000000000000000" pitchFamily="2" charset="2"/>
+              <a:buChar char="Ø"/>
+            </a:pPr>
+            <a:r>
+              <a:rPr lang="zh-CN" altLang="en-US" sz="2800" b="1">
+                <a:solidFill>
+                  <a:schemeClr val="tx1"/>
+                </a:solidFill>
+                <a:sym typeface="+mn-ea"/>
+              </a:rPr>
+              <a:t>闭包的常见形式</a:t>
+            </a:r>
+            <a:endParaRPr lang="zh-CN" altLang="en-US" sz="2800" b="1">
+              <a:solidFill>
+                <a:schemeClr val="tx1"/>
+              </a:solidFill>
+              <a:sym typeface="+mn-ea"/>
+            </a:endParaRPr>
+          </a:p>
+          <a:p>
+            <a:pPr algn="l">
+              <a:lnSpc>
+                <a:spcPct val="150000"/>
+              </a:lnSpc>
+              <a:spcBef>
+                <a:spcPts val="1200"/>
+              </a:spcBef>
+              <a:spcAft>
+                <a:spcPts val="1200"/>
+              </a:spcAft>
+              <a:buClr>
+                <a:srgbClr val="92D050"/>
+              </a:buClr>
+              <a:buFont typeface="Wingdings" panose="05000000000000000000" pitchFamily="2" charset="2"/>
+              <a:buChar char="Ø"/>
+            </a:pPr>
+            <a:r>
+              <a:rPr lang="zh-CN" altLang="en-US" sz="2800" b="1">
+                <a:solidFill>
+                  <a:srgbClr val="FF0000"/>
+                </a:solidFill>
+              </a:rPr>
+              <a:t>闭包的作用及常用场景</a:t>
+            </a:r>
+            <a:endParaRPr lang="zh-CN" altLang="en-US" sz="2800" b="1">
+              <a:solidFill>
+                <a:srgbClr val="FF0000"/>
+              </a:solidFill>
+            </a:endParaRPr>
+          </a:p>
+        </p:txBody>
+      </p:sp>
+      <p:sp>
+        <p:nvSpPr>
+          <p:cNvPr id="4" name="内容占位符 3"/>
+          <p:cNvSpPr txBox="1"/>
+          <p:nvPr/>
+        </p:nvSpPr>
+        <p:spPr>
+          <a:xfrm>
+            <a:off x="981657" y="236943"/>
+            <a:ext cx="8191557" cy="490476"/>
+          </a:xfrm>
+          <a:prstGeom prst="rect">
+            <a:avLst/>
+          </a:prstGeom>
+        </p:spPr>
+        <p:txBody>
+          <a:bodyPr/>
+          <a:lstStyle>
+            <a:lvl1pPr marL="167005" indent="-167005" algn="l" defTabSz="0" rtl="0" eaLnBrk="0" fontAlgn="base" hangingPunct="0">
+              <a:spcBef>
+                <a:spcPct val="0"/>
+              </a:spcBef>
+              <a:spcAft>
+                <a:spcPct val="15000"/>
+              </a:spcAft>
+              <a:buClr>
+                <a:schemeClr val="tx2"/>
+              </a:buClr>
+              <a:buFont typeface="Arial" panose="020B0604020202020204" pitchFamily="34" charset="0"/>
+              <a:buChar char="•"/>
+              <a:defRPr kumimoji="1" sz="1600">
+                <a:solidFill>
+                  <a:srgbClr val="006F53"/>
+                </a:solidFill>
+                <a:latin typeface="微软雅黑" panose="020B0503020204020204" pitchFamily="34" charset="-122"/>
+                <a:ea typeface="微软雅黑" panose="020B0503020204020204" pitchFamily="34" charset="-122"/>
+                <a:cs typeface="微软雅黑" panose="020B0503020204020204" pitchFamily="34" charset="-122"/>
+              </a:defRPr>
+            </a:lvl1pPr>
+            <a:lvl2pPr marL="398780" indent="-230505" algn="l" defTabSz="0" rtl="0" eaLnBrk="0" fontAlgn="base" hangingPunct="0">
+              <a:spcBef>
+                <a:spcPct val="0"/>
+              </a:spcBef>
+              <a:spcAft>
+                <a:spcPct val="15000"/>
+              </a:spcAft>
+              <a:buClr>
+                <a:schemeClr val="tx2"/>
+              </a:buClr>
+              <a:buFont typeface="Arial" panose="020B0604020202020204" pitchFamily="34" charset="0"/>
+              <a:buChar char="–"/>
+              <a:defRPr kumimoji="1" sz="2800">
+                <a:solidFill>
+                  <a:schemeClr val="bg2"/>
+                </a:solidFill>
+                <a:latin typeface="微软雅黑" panose="020B0503020204020204" pitchFamily="34" charset="-122"/>
+                <a:ea typeface="微软雅黑" panose="020B0503020204020204" pitchFamily="34" charset="-122"/>
+                <a:cs typeface="微软雅黑" panose="020B0503020204020204" pitchFamily="34" charset="-122"/>
+              </a:defRPr>
+            </a:lvl2pPr>
+            <a:lvl3pPr marL="400050" indent="182880" algn="l" defTabSz="0" rtl="0" eaLnBrk="0" fontAlgn="base" hangingPunct="0">
+              <a:spcBef>
+                <a:spcPct val="0"/>
+              </a:spcBef>
+              <a:spcAft>
+                <a:spcPct val="15000"/>
+              </a:spcAft>
+              <a:buClr>
+                <a:schemeClr val="tx2"/>
+              </a:buClr>
+              <a:buFont typeface="Arial" panose="020B0604020202020204" pitchFamily="34" charset="0"/>
+              <a:buChar char="•"/>
+              <a:defRPr kumimoji="1" sz="1600">
+                <a:solidFill>
+                  <a:schemeClr val="bg2"/>
+                </a:solidFill>
+                <a:latin typeface="微软雅黑" panose="020B0503020204020204" pitchFamily="34" charset="-122"/>
+                <a:ea typeface="微软雅黑" panose="020B0503020204020204" pitchFamily="34" charset="-122"/>
+                <a:cs typeface="微软雅黑" panose="020B0503020204020204" pitchFamily="34" charset="-122"/>
+              </a:defRPr>
+            </a:lvl3pPr>
+            <a:lvl4pPr marL="825500" indent="-241300" algn="l" defTabSz="0" rtl="0" eaLnBrk="0" fontAlgn="base" hangingPunct="0">
+              <a:spcBef>
+                <a:spcPct val="0"/>
+              </a:spcBef>
+              <a:spcAft>
+                <a:spcPct val="15000"/>
+              </a:spcAft>
+              <a:buClr>
+                <a:schemeClr val="tx2"/>
+              </a:buClr>
+              <a:buFont typeface="Arial" panose="020B0604020202020204" pitchFamily="34" charset="0"/>
+              <a:buChar char="–"/>
+              <a:defRPr kumimoji="1" sz="1600">
+                <a:solidFill>
+                  <a:schemeClr val="bg2"/>
+                </a:solidFill>
+                <a:latin typeface="微软雅黑" panose="020B0503020204020204" pitchFamily="34" charset="-122"/>
+                <a:ea typeface="微软雅黑" panose="020B0503020204020204" pitchFamily="34" charset="-122"/>
+                <a:cs typeface="微软雅黑" panose="020B0503020204020204" pitchFamily="34" charset="-122"/>
+              </a:defRPr>
+            </a:lvl4pPr>
+            <a:lvl5pPr marL="2057400" indent="-228600" algn="l" defTabSz="0" rtl="0" eaLnBrk="0" fontAlgn="base" hangingPunct="0">
+              <a:spcBef>
+                <a:spcPct val="0"/>
+              </a:spcBef>
+              <a:spcAft>
+                <a:spcPct val="25000"/>
+              </a:spcAft>
+              <a:buClr>
+                <a:schemeClr val="tx2"/>
+              </a:buClr>
+              <a:buFont typeface="Arial" panose="020B0604020202020204" pitchFamily="34" charset="0"/>
+              <a:buChar char="–"/>
+              <a:defRPr kumimoji="1" sz="2000">
+                <a:solidFill>
+                  <a:schemeClr val="tx1"/>
+                </a:solidFill>
+                <a:latin typeface="+mn-lt"/>
+                <a:ea typeface="微软雅黑" panose="020B0503020204020204" pitchFamily="34" charset="-122"/>
+                <a:cs typeface="微软雅黑" panose="020B0503020204020204" pitchFamily="34" charset="-122"/>
+              </a:defRPr>
+            </a:lvl5pPr>
+            <a:lvl6pPr marL="2514600" indent="-228600" algn="l" defTabSz="0" rtl="0" eaLnBrk="0" fontAlgn="base" hangingPunct="0">
+              <a:spcBef>
+                <a:spcPct val="0"/>
+              </a:spcBef>
+              <a:spcAft>
+                <a:spcPct val="25000"/>
+              </a:spcAft>
+              <a:buClr>
+                <a:schemeClr val="tx2"/>
+              </a:buClr>
+              <a:buFont typeface="Arial" panose="020B0604020202020204" pitchFamily="34" charset="0"/>
+              <a:buChar char="–"/>
+              <a:defRPr>
+                <a:solidFill>
+                  <a:schemeClr val="tx1"/>
+                </a:solidFill>
+                <a:latin typeface="+mn-lt"/>
+              </a:defRPr>
+            </a:lvl6pPr>
+            <a:lvl7pPr marL="2971800" indent="-228600" algn="l" defTabSz="0" rtl="0" eaLnBrk="0" fontAlgn="base" hangingPunct="0">
+              <a:spcBef>
+                <a:spcPct val="0"/>
+              </a:spcBef>
+              <a:spcAft>
+                <a:spcPct val="25000"/>
+              </a:spcAft>
+              <a:buClr>
+                <a:schemeClr val="tx2"/>
+              </a:buClr>
+              <a:buFont typeface="Arial" panose="020B0604020202020204" pitchFamily="34" charset="0"/>
+              <a:buChar char="–"/>
+              <a:defRPr>
+                <a:solidFill>
+                  <a:schemeClr val="tx1"/>
+                </a:solidFill>
+                <a:latin typeface="+mn-lt"/>
+              </a:defRPr>
+            </a:lvl7pPr>
+            <a:lvl8pPr marL="3429000" indent="-228600" algn="l" defTabSz="0" rtl="0" eaLnBrk="0" fontAlgn="base" hangingPunct="0">
+              <a:spcBef>
+                <a:spcPct val="0"/>
+              </a:spcBef>
+              <a:spcAft>
+                <a:spcPct val="25000"/>
+              </a:spcAft>
+              <a:buClr>
+                <a:schemeClr val="tx2"/>
+              </a:buClr>
+              <a:buFont typeface="Arial" panose="020B0604020202020204" pitchFamily="34" charset="0"/>
+              <a:buChar char="–"/>
+              <a:defRPr>
+                <a:solidFill>
+                  <a:schemeClr val="tx1"/>
+                </a:solidFill>
+                <a:latin typeface="+mn-lt"/>
+              </a:defRPr>
+            </a:lvl8pPr>
+            <a:lvl9pPr marL="3886200" indent="-228600" algn="l" defTabSz="0" rtl="0" eaLnBrk="0" fontAlgn="base" hangingPunct="0">
+              <a:spcBef>
+                <a:spcPct val="0"/>
+              </a:spcBef>
+              <a:spcAft>
+                <a:spcPct val="25000"/>
+              </a:spcAft>
+              <a:buClr>
+                <a:schemeClr val="tx2"/>
+              </a:buClr>
+              <a:buFont typeface="Arial" panose="020B0604020202020204" pitchFamily="34" charset="0"/>
+              <a:buChar char="–"/>
+              <a:defRPr>
+                <a:solidFill>
+                  <a:schemeClr val="tx1"/>
+                </a:solidFill>
+                <a:latin typeface="+mn-lt"/>
+              </a:defRPr>
+            </a:lvl9pPr>
+          </a:lstStyle>
+          <a:p>
+            <a:pPr marL="0" indent="0">
+              <a:buNone/>
+            </a:pPr>
+            <a:r>
+              <a:rPr lang="zh-CN" altLang="en-US" sz="3200" dirty="0" smtClean="0">
+                <a:solidFill>
+                  <a:srgbClr val="C00000"/>
+                </a:solidFill>
+                <a:cs typeface="+mn-cs"/>
+                <a:sym typeface="+mn-ea"/>
+              </a:rPr>
+              <a:t>内容提纲</a:t>
+            </a:r>
+            <a:endParaRPr lang="en-US" altLang="zh-CN" sz="3200" kern="0" dirty="0" smtClean="0">
+              <a:solidFill>
+                <a:srgbClr val="C00000"/>
+              </a:solidFill>
+              <a:cs typeface="+mn-cs"/>
+              <a:sym typeface="+mn-ea"/>
+            </a:endParaRPr>
+          </a:p>
+        </p:txBody>
+      </p:sp>
+    </p:spTree>
+  </p:cSld>
+  <p:clrMapOvr>
+    <a:masterClrMapping/>
+  </p:clrMapOvr>
+  <p:timing>
+    <p:tnLst>
+      <p:par>
+        <p:cTn id="1" dur="indefinite" restart="never" nodeType="tmRoot"/>
+      </p:par>
+    </p:tnLst>
+  </p:timing>
+</p:sld>
+</file>
+
+<file path=ppt/slides/slide11.xml><?xml version="1.0" encoding="utf-8"?>
+<p:sld xmlns:a="http://schemas.openxmlformats.org/drawingml/2006/main" xmlns:r="http://schemas.openxmlformats.org/officeDocument/2006/relationships" xmlns:p="http://schemas.openxmlformats.org/presentationml/2006/main">
+  <p:cSld>
+    <p:spTree>
+      <p:nvGrpSpPr>
+        <p:cNvPr id="1" name=""/>
+        <p:cNvGrpSpPr/>
+        <p:nvPr/>
+      </p:nvGrpSpPr>
+      <p:grpSpPr>
+        <a:xfrm>
+          <a:off x="0" y="0"/>
+          <a:ext cx="0" cy="0"/>
+          <a:chOff x="0" y="0"/>
+          <a:chExt cx="0" cy="0"/>
+        </a:xfrm>
+      </p:grpSpPr>
+      <p:sp>
+        <p:nvSpPr>
           <p:cNvPr id="2" name="内容占位符 1"/>
           <p:cNvSpPr>
             <a:spLocks noGrp="1"/>
@@ -3713,7 +4326,7 @@
           <p:nvPr/>
         </p:nvPicPr>
         <p:blipFill>
-          <a:blip r:embed="rId3"/>
+          <a:blip r:embed="rId1"/>
           <a:stretch>
             <a:fillRect/>
           </a:stretch>
@@ -3831,6 +4444,13 @@
               </a:rPr>
               <a:t>n</a:t>
             </a:r>
+            <a:endParaRPr lang="en-US" altLang="zh-CN" sz="2200">
+              <a:solidFill>
+                <a:schemeClr val="tx1"/>
+              </a:solidFill>
+              <a:latin typeface="+mn-ea"/>
+              <a:ea typeface="+mn-ea"/>
+            </a:endParaRPr>
           </a:p>
           <a:p>
             <a:pPr algn="l"/>
@@ -3894,6 +4514,13 @@
               </a:rPr>
               <a:t>调用后并不直接释放</a:t>
             </a:r>
+            <a:endParaRPr lang="zh-CN" altLang="en-US" sz="2200">
+              <a:solidFill>
+                <a:srgbClr val="FF0000"/>
+              </a:solidFill>
+              <a:latin typeface="+mn-ea"/>
+              <a:ea typeface="+mn-ea"/>
+            </a:endParaRPr>
           </a:p>
         </p:txBody>
       </p:sp>
@@ -3950,6 +4577,13 @@
               </a:rPr>
               <a:t>参见相关实例</a:t>
             </a:r>
+            <a:endParaRPr lang="zh-CN" altLang="en-US" sz="2200">
+              <a:solidFill>
+                <a:srgbClr val="FF0000"/>
+              </a:solidFill>
+              <a:latin typeface="+mn-ea"/>
+              <a:ea typeface="+mn-ea"/>
+            </a:endParaRPr>
           </a:p>
         </p:txBody>
       </p:sp>
@@ -4459,7 +5093,7 @@
 </p:sld>
 </file>
 
-<file path=ppt/slides/slide11.xml><?xml version="1.0" encoding="utf-8"?>
+<file path=ppt/slides/slide12.xml><?xml version="1.0" encoding="utf-8"?>
 <p:sld xmlns:a="http://schemas.openxmlformats.org/drawingml/2006/main" xmlns:r="http://schemas.openxmlformats.org/officeDocument/2006/relationships" xmlns:p="http://schemas.openxmlformats.org/presentationml/2006/main">
   <p:cSld>
     <p:spTree>
@@ -4562,7 +5196,7 @@
           <p:nvPr/>
         </p:nvPicPr>
         <p:blipFill>
-          <a:blip r:embed="rId3"/>
+          <a:blip r:embed="rId1"/>
           <a:stretch>
             <a:fillRect/>
           </a:stretch>
@@ -4630,6 +5264,13 @@
               </a:rPr>
               <a:t>闭包应用案例</a:t>
             </a:r>
+            <a:endParaRPr lang="zh-CN" altLang="en-US" sz="2200">
+              <a:solidFill>
+                <a:srgbClr val="FF0000"/>
+              </a:solidFill>
+              <a:latin typeface="+mn-ea"/>
+              <a:ea typeface="+mn-ea"/>
+            </a:endParaRPr>
           </a:p>
           <a:p>
             <a:pPr algn="l"/>
@@ -4673,6 +5314,13 @@
               </a:rPr>
               <a:t>操作综合实例</a:t>
             </a:r>
+            <a:endParaRPr lang="zh-CN" altLang="en-US" sz="2200">
+              <a:solidFill>
+                <a:srgbClr val="FF0000"/>
+              </a:solidFill>
+              <a:latin typeface="+mn-ea"/>
+              <a:ea typeface="+mn-ea"/>
+            </a:endParaRPr>
           </a:p>
         </p:txBody>
       </p:sp>
@@ -4685,7 +5333,7 @@
           <p:nvPr/>
         </p:nvPicPr>
         <p:blipFill>
-          <a:blip r:embed="rId4"/>
+          <a:blip r:embed="rId2"/>
           <a:stretch>
             <a:fillRect/>
           </a:stretch>
@@ -4753,6 +5401,13 @@
               </a:rPr>
               <a:t>常驻内存，始终存在</a:t>
             </a:r>
+            <a:endParaRPr lang="zh-CN" altLang="en-US" sz="2200">
+              <a:solidFill>
+                <a:schemeClr val="tx1"/>
+              </a:solidFill>
+              <a:latin typeface="+mn-ea"/>
+              <a:ea typeface="+mn-ea"/>
+            </a:endParaRPr>
           </a:p>
         </p:txBody>
       </p:sp>
@@ -4839,6 +5494,13 @@
               </a:rPr>
               <a:t>objID</a:t>
             </a:r>
+            <a:endParaRPr lang="en-US" altLang="zh-CN" sz="2200">
+              <a:solidFill>
+                <a:schemeClr val="tx1"/>
+              </a:solidFill>
+              <a:latin typeface="+mn-ea"/>
+              <a:ea typeface="+mn-ea"/>
+            </a:endParaRPr>
           </a:p>
         </p:txBody>
       </p:sp>
@@ -5295,7 +5957,7 @@
 </p:sld>
 </file>
 
-<file path=ppt/slides/slide12.xml><?xml version="1.0" encoding="utf-8"?>
+<file path=ppt/slides/slide13.xml><?xml version="1.0" encoding="utf-8"?>
 <p:sld xmlns:a="http://schemas.openxmlformats.org/drawingml/2006/main" xmlns:r="http://schemas.openxmlformats.org/officeDocument/2006/relationships" xmlns:p="http://schemas.openxmlformats.org/presentationml/2006/main">
   <p:cSld>
     <p:spTree>
@@ -5346,6 +6008,12 @@
               </a:rPr>
               <a:t>由于闭包会使得函数中的变量都被保存在内存中，内存消耗很大，所以不能滥用闭包</a:t>
             </a:r>
+            <a:endParaRPr lang="zh-CN" altLang="en-US" sz="3200" dirty="0">
+              <a:solidFill>
+                <a:schemeClr val="tx1"/>
+              </a:solidFill>
+              <a:sym typeface="+mn-ea"/>
+            </a:endParaRPr>
           </a:p>
           <a:p>
             <a:pPr>
@@ -5362,6 +6030,12 @@
               </a:rPr>
               <a:t>使用闭包时要注意不经意的变量共享问题，可以通过立即执行表达式来解决</a:t>
             </a:r>
+            <a:endParaRPr lang="zh-CN" altLang="en-US" sz="3200" dirty="0">
+              <a:solidFill>
+                <a:schemeClr val="tx1"/>
+              </a:solidFill>
+              <a:sym typeface="+mn-ea"/>
+            </a:endParaRPr>
           </a:p>
           <a:p>
             <a:pPr>
@@ -5642,7 +6316,7 @@
 </p:sld>
 </file>
 
-<file path=ppt/slides/slide13.xml><?xml version="1.0" encoding="utf-8"?>
+<file path=ppt/slides/slide14.xml><?xml version="1.0" encoding="utf-8"?>
 <p:sld xmlns:a="http://schemas.openxmlformats.org/drawingml/2006/main" xmlns:r="http://schemas.openxmlformats.org/officeDocument/2006/relationships" xmlns:p="http://schemas.openxmlformats.org/presentationml/2006/main">
   <p:cSld>
     <p:spTree>
@@ -5668,7 +6342,7 @@
           <p:nvPr/>
         </p:nvPicPr>
         <p:blipFill>
-          <a:blip r:embed="rId2">
+          <a:blip r:embed="rId1">
             <a:extLst>
               <a:ext uri="{28A0092B-C50C-407E-A947-70E740481C1C}">
                 <a14:useLocalDpi xmlns:a14="http://schemas.microsoft.com/office/drawing/2010/main" val="0"/>
@@ -5786,7 +6460,7 @@
           <p:nvPr/>
         </p:nvPicPr>
         <p:blipFill>
-          <a:blip r:embed="rId3">
+          <a:blip r:embed="rId2">
             <a:extLst>
               <a:ext uri="{28A0092B-C50C-407E-A947-70E740481C1C}">
                 <a14:useLocalDpi xmlns:a14="http://schemas.microsoft.com/office/drawing/2010/main" val="0"/>
@@ -5846,7 +6520,7 @@
 </p:sld>
 </file>
 
-<file path=ppt/slides/slide14.xml><?xml version="1.0" encoding="utf-8"?>
+<file path=ppt/slides/slide15.xml><?xml version="1.0" encoding="utf-8"?>
 <p:sld xmlns:a="http://schemas.openxmlformats.org/drawingml/2006/main" xmlns:r="http://schemas.openxmlformats.org/officeDocument/2006/relationships" xmlns:p="http://schemas.openxmlformats.org/presentationml/2006/main">
   <p:cSld>
     <p:spTree>
@@ -5942,6 +6616,12 @@
               </a:rPr>
               <a:t>初级训练营</a:t>
             </a:r>
+            <a:endParaRPr lang="zh-CN" altLang="en-US" sz="3200" dirty="0">
+              <a:solidFill>
+                <a:srgbClr val="FF0000"/>
+              </a:solidFill>
+              <a:sym typeface="+mn-ea"/>
+            </a:endParaRPr>
           </a:p>
           <a:p>
             <a:pPr>
@@ -6037,6 +6717,7 @@
               <a:rPr lang="zh-CN" altLang="en-US" dirty="0"/>
               <a:t>作业</a:t>
             </a:r>
+            <a:endParaRPr lang="zh-CN" altLang="en-US" dirty="0"/>
           </a:p>
         </p:txBody>
       </p:sp>
@@ -6242,6 +6923,11 @@
               </a:rPr>
               <a:t>闭包的概念</a:t>
             </a:r>
+            <a:endParaRPr lang="zh-CN" altLang="en-US" sz="2800" b="1">
+              <a:solidFill>
+                <a:schemeClr val="accent3"/>
+              </a:solidFill>
+            </a:endParaRPr>
           </a:p>
           <a:p>
             <a:pPr algn="l">
@@ -6269,6 +6955,12 @@
               </a:rPr>
               <a:t>闭包的常见形式</a:t>
             </a:r>
+            <a:endParaRPr lang="zh-CN" altLang="en-US" sz="2800" b="1">
+              <a:solidFill>
+                <a:schemeClr val="tx1"/>
+              </a:solidFill>
+              <a:sym typeface="+mn-ea"/>
+            </a:endParaRPr>
           </a:p>
           <a:p>
             <a:pPr algn="l">
@@ -6291,6 +6983,7 @@
               <a:rPr lang="zh-CN" altLang="en-US" sz="2800" b="1"/>
               <a:t>闭包的作用及常用场景</a:t>
             </a:r>
+            <a:endParaRPr lang="zh-CN" altLang="en-US" sz="2800" b="1"/>
           </a:p>
         </p:txBody>
       </p:sp>
@@ -6658,6 +7351,12 @@
               </a:rPr>
               <a:t>实体</a:t>
             </a:r>
+            <a:endParaRPr kumimoji="0" lang="zh-CN" altLang="en-US" sz="3200" dirty="0" smtClean="0">
+              <a:solidFill>
+                <a:srgbClr val="FF0000"/>
+              </a:solidFill>
+              <a:sym typeface="+mn-ea"/>
+            </a:endParaRPr>
           </a:p>
           <a:p>
             <a:pPr>
@@ -6833,7 +7532,7 @@
         <p:spPr>
           <a:xfrm>
             <a:off x="5891530" y="2382520"/>
-            <a:ext cx="4751705" cy="3815080"/>
+            <a:ext cx="4751705" cy="3476625"/>
           </a:xfrm>
           <a:prstGeom prst="rect">
             <a:avLst/>
@@ -6895,7 +7594,7 @@
                 <a:latin typeface="+mn-ea"/>
                 <a:ea typeface="+mn-ea"/>
               </a:rPr>
-              <a:t>相关词法上下文中的自由变量</a:t>
+              <a:t>相关词法上下文中的变量</a:t>
             </a:r>
             <a:r>
               <a:rPr lang="en-US" altLang="zh-CN" sz="2200">
@@ -6917,6 +7616,13 @@
               </a:rPr>
               <a:t>，构成了一个闭包</a:t>
             </a:r>
+            <a:endParaRPr lang="zh-CN" altLang="en-US" sz="2200">
+              <a:solidFill>
+                <a:schemeClr val="tx1"/>
+              </a:solidFill>
+              <a:latin typeface="+mn-ea"/>
+              <a:ea typeface="+mn-ea"/>
+            </a:endParaRPr>
           </a:p>
           <a:p>
             <a:pPr algn="l"/>
@@ -6980,6 +7686,13 @@
               </a:rPr>
               <a:t>（藕断丝连）</a:t>
             </a:r>
+            <a:endParaRPr lang="zh-CN" altLang="en-US" sz="2200">
+              <a:solidFill>
+                <a:schemeClr val="tx1"/>
+              </a:solidFill>
+              <a:latin typeface="+mn-ea"/>
+              <a:ea typeface="+mn-ea"/>
+            </a:endParaRPr>
           </a:p>
           <a:p>
             <a:pPr algn="l"/>
@@ -6994,35 +7707,52 @@
           <a:p>
             <a:pPr algn="l"/>
             <a:r>
-              <a:rPr lang="zh-CN" altLang="en-US" sz="2200">
+              <a:rPr lang="en-US" altLang="zh-CN" sz="2200">
                 <a:solidFill>
                   <a:schemeClr val="tx1"/>
                 </a:solidFill>
                 <a:latin typeface="+mn-ea"/>
                 <a:ea typeface="+mn-ea"/>
               </a:rPr>
-              <a:t>思考：</a:t>
-            </a:r>
-            <a:r>
-              <a:rPr lang="en-US" altLang="zh-CN" sz="2200">
+              <a:t>a</a:t>
+            </a:r>
+            <a:r>
+              <a:rPr lang="zh-CN" altLang="en-US" sz="2200">
                 <a:solidFill>
                   <a:schemeClr val="tx1"/>
                 </a:solidFill>
                 <a:latin typeface="+mn-ea"/>
                 <a:ea typeface="+mn-ea"/>
               </a:rPr>
-              <a:t>foo</a:t>
-            </a:r>
-            <a:r>
-              <a:rPr lang="zh-CN" altLang="en-US" sz="2200">
+              <a:t>和</a:t>
+            </a:r>
+            <a:r>
+              <a:rPr lang="en-US" altLang="zh-CN" sz="2200">
                 <a:solidFill>
                   <a:schemeClr val="tx1"/>
                 </a:solidFill>
                 <a:latin typeface="+mn-ea"/>
                 <a:ea typeface="+mn-ea"/>
               </a:rPr>
-              <a:t>和它相关作用域的变量是否形成闭包？</a:t>
-            </a:r>
+              <a:t>b</a:t>
+            </a:r>
+            <a:r>
+              <a:rPr lang="zh-CN" altLang="en-US" sz="2200">
+                <a:solidFill>
+                  <a:schemeClr val="tx1"/>
+                </a:solidFill>
+                <a:latin typeface="+mn-ea"/>
+                <a:ea typeface="+mn-ea"/>
+              </a:rPr>
+              <a:t>对应的是否为同一个闭包？</a:t>
+            </a:r>
+            <a:endParaRPr lang="zh-CN" altLang="en-US" sz="2200">
+              <a:solidFill>
+                <a:schemeClr val="tx1"/>
+              </a:solidFill>
+              <a:latin typeface="+mn-ea"/>
+              <a:ea typeface="+mn-ea"/>
+            </a:endParaRPr>
           </a:p>
           <a:p>
             <a:pPr algn="l"/>
@@ -7044,40 +7774,27 @@
                 <a:latin typeface="+mn-ea"/>
                 <a:ea typeface="+mn-ea"/>
               </a:rPr>
-              <a:t>更详细描述：参见</a:t>
-            </a:r>
-          </a:p>
-          <a:p>
-            <a:pPr algn="l"/>
-            <a:r>
-              <a:rPr lang="zh-CN" altLang="en-US" sz="2200">
+              <a:t>思考：</a:t>
+            </a:r>
+            <a:r>
+              <a:rPr lang="en-US" altLang="zh-CN" sz="2200">
                 <a:solidFill>
                   <a:schemeClr val="tx1"/>
                 </a:solidFill>
                 <a:latin typeface="+mn-ea"/>
                 <a:ea typeface="+mn-ea"/>
               </a:rPr>
-              <a:t>深入理解</a:t>
-            </a:r>
-            <a:r>
-              <a:rPr lang="en-US" altLang="zh-CN" sz="2200">
+              <a:t>foo</a:t>
+            </a:r>
+            <a:r>
+              <a:rPr lang="zh-CN" altLang="en-US" sz="2200">
                 <a:solidFill>
                   <a:schemeClr val="tx1"/>
                 </a:solidFill>
                 <a:latin typeface="+mn-ea"/>
                 <a:ea typeface="+mn-ea"/>
               </a:rPr>
-              <a:t>JS 16.10</a:t>
-            </a:r>
-            <a:r>
-              <a:rPr lang="zh-CN" altLang="en-US" sz="2200">
-                <a:solidFill>
-                  <a:schemeClr val="tx1"/>
-                </a:solidFill>
-                <a:latin typeface="+mn-ea"/>
-                <a:ea typeface="+mn-ea"/>
-              </a:rPr>
-              <a:t>章节</a:t>
+              <a:t>和它相关作用域的变量是否形成闭包？</a:t>
             </a:r>
             <a:endParaRPr lang="en-US" altLang="zh-CN" sz="2200">
               <a:solidFill>
@@ -7130,7 +7847,7 @@
                 <a:latin typeface="+mn-ea"/>
                 <a:ea typeface="+mn-ea"/>
               </a:rPr>
-              <a:t>demo11 </a:t>
+              <a:t>demo11</a:t>
             </a:r>
             <a:r>
               <a:rPr lang="zh-CN" altLang="en-US" sz="2200">
@@ -7140,8 +7857,25 @@
                 <a:latin typeface="+mn-ea"/>
                 <a:ea typeface="+mn-ea"/>
               </a:rPr>
-              <a:t>理解闭包的概念</a:t>
-            </a:r>
+              <a:t>中的 </a:t>
+            </a:r>
+            <a:r>
+              <a:rPr lang="zh-CN" altLang="en-US" sz="2200">
+                <a:solidFill>
+                  <a:srgbClr val="FF0000"/>
+                </a:solidFill>
+                <a:latin typeface="+mn-ea"/>
+                <a:ea typeface="+mn-ea"/>
+              </a:rPr>
+              <a:t>例一、例二</a:t>
+            </a:r>
+            <a:endParaRPr lang="zh-CN" altLang="en-US" sz="2200">
+              <a:solidFill>
+                <a:srgbClr val="FF0000"/>
+              </a:solidFill>
+              <a:latin typeface="+mn-ea"/>
+              <a:ea typeface="+mn-ea"/>
+            </a:endParaRPr>
           </a:p>
         </p:txBody>
       </p:sp>
@@ -7154,7 +7888,7 @@
           <p:nvPr/>
         </p:nvPicPr>
         <p:blipFill>
-          <a:blip r:embed="rId3"/>
+          <a:blip r:embed="rId1"/>
           <a:stretch>
             <a:fillRect/>
           </a:stretch>
@@ -7682,6 +8416,596 @@
       </p:grpSpPr>
       <p:sp>
         <p:nvSpPr>
+          <p:cNvPr id="11266" name="内容占位符 1"/>
+          <p:cNvSpPr>
+            <a:spLocks noGrp="1"/>
+          </p:cNvSpPr>
+          <p:nvPr>
+            <p:ph sz="quarter" idx="10"/>
+          </p:nvPr>
+        </p:nvSpPr>
+        <p:spPr bwMode="auto">
+          <a:xfrm>
+            <a:off x="947420" y="868680"/>
+            <a:ext cx="9945370" cy="5207000"/>
+          </a:xfrm>
+          <a:noFill/>
+          <a:extLst>
+            <a:ext uri="{909E8E84-426E-40DD-AFC4-6F175D3DCCD1}">
+              <a14:hiddenFill xmlns:a14="http://schemas.microsoft.com/office/drawing/2010/main">
+                <a:solidFill>
+                  <a:srgbClr val="FFFFFF"/>
+                </a:solidFill>
+              </a14:hiddenFill>
+            </a:ext>
+            <a:ext uri="{91240B29-F687-4F45-9708-019B960494DF}">
+              <a14:hiddenLine xmlns:a14="http://schemas.microsoft.com/office/drawing/2010/main" w="9525">
+                <a:solidFill>
+                  <a:srgbClr val="000000"/>
+                </a:solidFill>
+                <a:miter lim="800000"/>
+                <a:headEnd/>
+                <a:tailEnd/>
+              </a14:hiddenLine>
+            </a:ext>
+          </a:extLst>
+        </p:spPr>
+        <p:txBody>
+          <a:bodyPr vert="horz" wrap="square" lIns="91440" tIns="45720" rIns="91440" bIns="45720" numCol="1" anchor="t" anchorCtr="0" compatLnSpc="1"/>
+          <a:lstStyle/>
+          <a:p>
+            <a:pPr>
+              <a:lnSpc>
+                <a:spcPct val="130000"/>
+              </a:lnSpc>
+            </a:pPr>
+            <a:r>
+              <a:rPr kumimoji="0" lang="zh-CN" altLang="en-US" sz="2400" dirty="0" smtClean="0">
+                <a:solidFill>
+                  <a:schemeClr val="tx1"/>
+                </a:solidFill>
+                <a:sym typeface="+mn-ea"/>
+              </a:rPr>
+              <a:t>若一个函数离开了它被创建时的作用域，它还是会与这个作用域已经其外表的作用域的变量相关联</a:t>
+            </a:r>
+            <a:endParaRPr kumimoji="0" lang="zh-CN" altLang="en-US" sz="2400" dirty="0" smtClean="0">
+              <a:solidFill>
+                <a:schemeClr val="tx1"/>
+              </a:solidFill>
+              <a:sym typeface="+mn-ea"/>
+            </a:endParaRPr>
+          </a:p>
+          <a:p>
+            <a:pPr>
+              <a:lnSpc>
+                <a:spcPct val="130000"/>
+              </a:lnSpc>
+            </a:pPr>
+            <a:r>
+              <a:rPr kumimoji="0" lang="zh-CN" altLang="en-US" sz="2400" dirty="0">
+                <a:solidFill>
+                  <a:schemeClr val="tx1"/>
+                </a:solidFill>
+                <a:sym typeface="+mn-ea"/>
+              </a:rPr>
+              <a:t>闭包是一个函数外加上该函数创建时所建立的作用域</a:t>
+            </a:r>
+            <a:endParaRPr kumimoji="0" lang="zh-CN" altLang="en-US" sz="2400" dirty="0" smtClean="0">
+              <a:solidFill>
+                <a:schemeClr val="tx1"/>
+              </a:solidFill>
+              <a:sym typeface="+mn-ea"/>
+            </a:endParaRPr>
+          </a:p>
+          <a:p>
+            <a:pPr>
+              <a:lnSpc>
+                <a:spcPct val="130000"/>
+              </a:lnSpc>
+            </a:pPr>
+            <a:endParaRPr kumimoji="0" lang="zh-CN" altLang="en-US" sz="3200" dirty="0" smtClean="0">
+              <a:solidFill>
+                <a:schemeClr val="tx1"/>
+              </a:solidFill>
+            </a:endParaRPr>
+          </a:p>
+          <a:p>
+            <a:pPr eaLnBrk="1" hangingPunct="1">
+              <a:lnSpc>
+                <a:spcPct val="150000"/>
+              </a:lnSpc>
+            </a:pPr>
+            <a:endParaRPr kumimoji="0" lang="en-US" altLang="zh-CN" sz="3600" dirty="0" smtClean="0">
+              <a:solidFill>
+                <a:schemeClr val="tx1"/>
+              </a:solidFill>
+            </a:endParaRPr>
+          </a:p>
+          <a:p>
+            <a:pPr eaLnBrk="1" hangingPunct="1">
+              <a:lnSpc>
+                <a:spcPct val="150000"/>
+              </a:lnSpc>
+            </a:pPr>
+            <a:endParaRPr kumimoji="0" lang="zh-CN" altLang="en-US" dirty="0" smtClean="0">
+              <a:solidFill>
+                <a:schemeClr val="tx1"/>
+              </a:solidFill>
+            </a:endParaRPr>
+          </a:p>
+        </p:txBody>
+      </p:sp>
+      <p:sp>
+        <p:nvSpPr>
+          <p:cNvPr id="2" name="内容占位符 1"/>
+          <p:cNvSpPr>
+            <a:spLocks noGrp="1"/>
+          </p:cNvSpPr>
+          <p:nvPr>
+            <p:ph sz="quarter" idx="11"/>
+          </p:nvPr>
+        </p:nvSpPr>
+        <p:spPr>
+          <a:xfrm>
+            <a:off x="947204" y="308698"/>
+            <a:ext cx="8191557" cy="490476"/>
+          </a:xfrm>
+        </p:spPr>
+        <p:txBody>
+          <a:bodyPr/>
+          <a:lstStyle/>
+          <a:p>
+            <a:r>
+              <a:rPr kumimoji="0" lang="zh-CN" altLang="en-US" dirty="0">
+                <a:sym typeface="+mn-ea"/>
+              </a:rPr>
+              <a:t>闭包（</a:t>
+            </a:r>
+            <a:r>
+              <a:rPr kumimoji="0" lang="en-US" altLang="zh-CN" dirty="0">
+                <a:sym typeface="+mn-ea"/>
+              </a:rPr>
+              <a:t>closure</a:t>
+            </a:r>
+            <a:r>
+              <a:rPr kumimoji="0" lang="zh-CN" altLang="en-US" dirty="0">
+                <a:sym typeface="+mn-ea"/>
+              </a:rPr>
+              <a:t>）的概念</a:t>
+            </a:r>
+            <a:endParaRPr kumimoji="0" lang="zh-CN" altLang="en-US" dirty="0"/>
+          </a:p>
+        </p:txBody>
+      </p:sp>
+      <p:sp>
+        <p:nvSpPr>
+          <p:cNvPr id="5" name="文本框 4"/>
+          <p:cNvSpPr txBox="1"/>
+          <p:nvPr/>
+        </p:nvSpPr>
+        <p:spPr>
+          <a:xfrm>
+            <a:off x="5676265" y="6257290"/>
+            <a:ext cx="4966335" cy="429895"/>
+          </a:xfrm>
+          <a:prstGeom prst="rect">
+            <a:avLst/>
+          </a:prstGeom>
+          <a:noFill/>
+        </p:spPr>
+        <p:txBody>
+          <a:bodyPr wrap="square" rtlCol="0">
+            <a:spAutoFit/>
+          </a:bodyPr>
+          <a:lstStyle/>
+          <a:p>
+            <a:pPr algn="l"/>
+            <a:r>
+              <a:rPr lang="zh-CN" altLang="en-US" sz="2200">
+                <a:solidFill>
+                  <a:srgbClr val="FF0000"/>
+                </a:solidFill>
+                <a:latin typeface="+mn-ea"/>
+                <a:ea typeface="+mn-ea"/>
+                <a:sym typeface="+mn-ea"/>
+              </a:rPr>
+              <a:t>参见实例</a:t>
+            </a:r>
+            <a:r>
+              <a:rPr lang="en-US" altLang="zh-CN" sz="2200">
+                <a:solidFill>
+                  <a:srgbClr val="FF0000"/>
+                </a:solidFill>
+                <a:latin typeface="+mn-ea"/>
+                <a:ea typeface="+mn-ea"/>
+                <a:sym typeface="+mn-ea"/>
+              </a:rPr>
+              <a:t>demo11</a:t>
+            </a:r>
+            <a:r>
+              <a:rPr lang="zh-CN" altLang="en-US" sz="2200">
+                <a:solidFill>
+                  <a:srgbClr val="FF0000"/>
+                </a:solidFill>
+                <a:latin typeface="+mn-ea"/>
+                <a:ea typeface="+mn-ea"/>
+                <a:sym typeface="+mn-ea"/>
+              </a:rPr>
+              <a:t>中的 例三、例四</a:t>
+            </a:r>
+            <a:endParaRPr lang="zh-CN" altLang="en-US" sz="2200">
+              <a:solidFill>
+                <a:srgbClr val="FF0000"/>
+              </a:solidFill>
+              <a:latin typeface="+mn-ea"/>
+              <a:ea typeface="+mn-ea"/>
+            </a:endParaRPr>
+          </a:p>
+        </p:txBody>
+      </p:sp>
+      <p:pic>
+        <p:nvPicPr>
+          <p:cNvPr id="4" name="图片 3"/>
+          <p:cNvPicPr>
+            <a:picLocks noChangeAspect="1"/>
+          </p:cNvPicPr>
+          <p:nvPr/>
+        </p:nvPicPr>
+        <p:blipFill>
+          <a:blip r:embed="rId1"/>
+          <a:stretch>
+            <a:fillRect/>
+          </a:stretch>
+        </p:blipFill>
+        <p:spPr>
+          <a:xfrm>
+            <a:off x="1120775" y="2480310"/>
+            <a:ext cx="5067935" cy="3496945"/>
+          </a:xfrm>
+          <a:prstGeom prst="rect">
+            <a:avLst/>
+          </a:prstGeom>
+        </p:spPr>
+      </p:pic>
+    </p:spTree>
+  </p:cSld>
+  <p:clrMapOvr>
+    <a:masterClrMapping/>
+  </p:clrMapOvr>
+  <p:timing>
+    <p:tnLst>
+      <p:par>
+        <p:cTn id="1" dur="indefinite" restart="never" nodeType="tmRoot">
+          <p:childTnLst>
+            <p:seq concurrent="1" nextAc="seek">
+              <p:cTn id="2" dur="indefinite" nodeType="mainSeq">
+                <p:childTnLst>
+                  <p:par>
+                    <p:cTn id="3" fill="hold">
+                      <p:stCondLst>
+                        <p:cond delay="indefinite"/>
+                      </p:stCondLst>
+                      <p:childTnLst>
+                        <p:par>
+                          <p:cTn id="4" fill="hold">
+                            <p:stCondLst>
+                              <p:cond delay="0"/>
+                            </p:stCondLst>
+                            <p:childTnLst>
+                              <p:par>
+                                <p:cTn id="5" presetID="2" presetClass="entr" presetSubtype="4" fill="hold" nodeType="clickEffect">
+                                  <p:stCondLst>
+                                    <p:cond delay="0"/>
+                                  </p:stCondLst>
+                                  <p:childTnLst>
+                                    <p:set>
+                                      <p:cBhvr>
+                                        <p:cTn id="6" dur="1" fill="hold">
+                                          <p:stCondLst>
+                                            <p:cond delay="0"/>
+                                          </p:stCondLst>
+                                        </p:cTn>
+                                        <p:tgtEl>
+                                          <p:spTgt spid="11266">
+                                            <p:txEl>
+                                              <p:pRg st="0" end="0"/>
+                                            </p:txEl>
+                                          </p:spTgt>
+                                        </p:tgtEl>
+                                        <p:attrNameLst>
+                                          <p:attrName>style.visibility</p:attrName>
+                                        </p:attrNameLst>
+                                      </p:cBhvr>
+                                      <p:to>
+                                        <p:strVal val="visible"/>
+                                      </p:to>
+                                    </p:set>
+                                    <p:anim calcmode="lin" valueType="num">
+                                      <p:cBhvr additive="base">
+                                        <p:cTn id="7" dur="500" fill="hold"/>
+                                        <p:tgtEl>
+                                          <p:spTgt spid="11266">
+                                            <p:txEl>
+                                              <p:pRg st="0" end="0"/>
+                                            </p:txEl>
+                                          </p:spTgt>
+                                        </p:tgtEl>
+                                        <p:attrNameLst>
+                                          <p:attrName>ppt_x</p:attrName>
+                                        </p:attrNameLst>
+                                      </p:cBhvr>
+                                      <p:tavLst>
+                                        <p:tav tm="0">
+                                          <p:val>
+                                            <p:strVal val="#ppt_x"/>
+                                          </p:val>
+                                        </p:tav>
+                                        <p:tav tm="100000">
+                                          <p:val>
+                                            <p:strVal val="#ppt_x"/>
+                                          </p:val>
+                                        </p:tav>
+                                      </p:tavLst>
+                                    </p:anim>
+                                    <p:anim calcmode="lin" valueType="num">
+                                      <p:cBhvr additive="base">
+                                        <p:cTn id="8" dur="500" fill="hold"/>
+                                        <p:tgtEl>
+                                          <p:spTgt spid="11266">
+                                            <p:txEl>
+                                              <p:pRg st="0" end="0"/>
+                                            </p:txEl>
+                                          </p:spTgt>
+                                        </p:tgtEl>
+                                        <p:attrNameLst>
+                                          <p:attrName>ppt_y</p:attrName>
+                                        </p:attrNameLst>
+                                      </p:cBhvr>
+                                      <p:tavLst>
+                                        <p:tav tm="0">
+                                          <p:val>
+                                            <p:strVal val="1+#ppt_h/2"/>
+                                          </p:val>
+                                        </p:tav>
+                                        <p:tav tm="100000">
+                                          <p:val>
+                                            <p:strVal val="#ppt_y"/>
+                                          </p:val>
+                                        </p:tav>
+                                      </p:tavLst>
+                                    </p:anim>
+                                  </p:childTnLst>
+                                </p:cTn>
+                              </p:par>
+                              <p:par>
+                                <p:cTn id="9" presetID="2" presetClass="entr" presetSubtype="4" fill="hold" nodeType="withEffect">
+                                  <p:stCondLst>
+                                    <p:cond delay="0"/>
+                                  </p:stCondLst>
+                                  <p:childTnLst>
+                                    <p:set>
+                                      <p:cBhvr>
+                                        <p:cTn id="10" dur="1" fill="hold">
+                                          <p:stCondLst>
+                                            <p:cond delay="0"/>
+                                          </p:stCondLst>
+                                        </p:cTn>
+                                        <p:tgtEl>
+                                          <p:spTgt spid="11266">
+                                            <p:txEl>
+                                              <p:pRg st="1" end="1"/>
+                                            </p:txEl>
+                                          </p:spTgt>
+                                        </p:tgtEl>
+                                        <p:attrNameLst>
+                                          <p:attrName>style.visibility</p:attrName>
+                                        </p:attrNameLst>
+                                      </p:cBhvr>
+                                      <p:to>
+                                        <p:strVal val="visible"/>
+                                      </p:to>
+                                    </p:set>
+                                    <p:anim calcmode="lin" valueType="num">
+                                      <p:cBhvr additive="base">
+                                        <p:cTn id="11" dur="500" fill="hold"/>
+                                        <p:tgtEl>
+                                          <p:spTgt spid="11266">
+                                            <p:txEl>
+                                              <p:pRg st="1" end="1"/>
+                                            </p:txEl>
+                                          </p:spTgt>
+                                        </p:tgtEl>
+                                        <p:attrNameLst>
+                                          <p:attrName>ppt_x</p:attrName>
+                                        </p:attrNameLst>
+                                      </p:cBhvr>
+                                      <p:tavLst>
+                                        <p:tav tm="0">
+                                          <p:val>
+                                            <p:strVal val="#ppt_x"/>
+                                          </p:val>
+                                        </p:tav>
+                                        <p:tav tm="100000">
+                                          <p:val>
+                                            <p:strVal val="#ppt_x"/>
+                                          </p:val>
+                                        </p:tav>
+                                      </p:tavLst>
+                                    </p:anim>
+                                    <p:anim calcmode="lin" valueType="num">
+                                      <p:cBhvr additive="base">
+                                        <p:cTn id="12" dur="500" fill="hold"/>
+                                        <p:tgtEl>
+                                          <p:spTgt spid="11266">
+                                            <p:txEl>
+                                              <p:pRg st="1" end="1"/>
+                                            </p:txEl>
+                                          </p:spTgt>
+                                        </p:tgtEl>
+                                        <p:attrNameLst>
+                                          <p:attrName>ppt_y</p:attrName>
+                                        </p:attrNameLst>
+                                      </p:cBhvr>
+                                      <p:tavLst>
+                                        <p:tav tm="0">
+                                          <p:val>
+                                            <p:strVal val="1+#ppt_h/2"/>
+                                          </p:val>
+                                        </p:tav>
+                                        <p:tav tm="100000">
+                                          <p:val>
+                                            <p:strVal val="#ppt_y"/>
+                                          </p:val>
+                                        </p:tav>
+                                      </p:tavLst>
+                                    </p:anim>
+                                  </p:childTnLst>
+                                </p:cTn>
+                              </p:par>
+                            </p:childTnLst>
+                          </p:cTn>
+                        </p:par>
+                      </p:childTnLst>
+                    </p:cTn>
+                  </p:par>
+                  <p:par>
+                    <p:cTn id="13" fill="hold">
+                      <p:stCondLst>
+                        <p:cond delay="indefinite"/>
+                      </p:stCondLst>
+                      <p:childTnLst>
+                        <p:par>
+                          <p:cTn id="14" fill="hold">
+                            <p:stCondLst>
+                              <p:cond delay="0"/>
+                            </p:stCondLst>
+                            <p:childTnLst>
+                              <p:par>
+                                <p:cTn id="15" presetID="2" presetClass="entr" presetSubtype="4" fill="hold" grpId="0" nodeType="clickEffect">
+                                  <p:stCondLst>
+                                    <p:cond delay="0"/>
+                                  </p:stCondLst>
+                                  <p:childTnLst>
+                                    <p:set>
+                                      <p:cBhvr>
+                                        <p:cTn id="16" dur="1" fill="hold">
+                                          <p:stCondLst>
+                                            <p:cond delay="0"/>
+                                          </p:stCondLst>
+                                        </p:cTn>
+                                        <p:tgtEl>
+                                          <p:spTgt spid="5"/>
+                                        </p:tgtEl>
+                                        <p:attrNameLst>
+                                          <p:attrName>style.visibility</p:attrName>
+                                        </p:attrNameLst>
+                                      </p:cBhvr>
+                                      <p:to>
+                                        <p:strVal val="visible"/>
+                                      </p:to>
+                                    </p:set>
+                                    <p:anim calcmode="lin" valueType="num">
+                                      <p:cBhvr additive="base">
+                                        <p:cTn id="17" dur="500" fill="hold"/>
+                                        <p:tgtEl>
+                                          <p:spTgt spid="5"/>
+                                        </p:tgtEl>
+                                        <p:attrNameLst>
+                                          <p:attrName>ppt_x</p:attrName>
+                                        </p:attrNameLst>
+                                      </p:cBhvr>
+                                      <p:tavLst>
+                                        <p:tav tm="0">
+                                          <p:val>
+                                            <p:strVal val="#ppt_x"/>
+                                          </p:val>
+                                        </p:tav>
+                                        <p:tav tm="100000">
+                                          <p:val>
+                                            <p:strVal val="#ppt_x"/>
+                                          </p:val>
+                                        </p:tav>
+                                      </p:tavLst>
+                                    </p:anim>
+                                    <p:anim calcmode="lin" valueType="num">
+                                      <p:cBhvr additive="base">
+                                        <p:cTn id="18" dur="500" fill="hold"/>
+                                        <p:tgtEl>
+                                          <p:spTgt spid="5"/>
+                                        </p:tgtEl>
+                                        <p:attrNameLst>
+                                          <p:attrName>ppt_y</p:attrName>
+                                        </p:attrNameLst>
+                                      </p:cBhvr>
+                                      <p:tavLst>
+                                        <p:tav tm="0">
+                                          <p:val>
+                                            <p:strVal val="1+#ppt_h/2"/>
+                                          </p:val>
+                                        </p:tav>
+                                        <p:tav tm="100000">
+                                          <p:val>
+                                            <p:strVal val="#ppt_y"/>
+                                          </p:val>
+                                        </p:tav>
+                                      </p:tavLst>
+                                    </p:anim>
+                                  </p:childTnLst>
+                                </p:cTn>
+                              </p:par>
+                            </p:childTnLst>
+                          </p:cTn>
+                        </p:par>
+                      </p:childTnLst>
+                    </p:cTn>
+                  </p:par>
+                </p:childTnLst>
+              </p:cTn>
+              <p:prevCondLst>
+                <p:cond evt="onPrev" delay="0">
+                  <p:tgtEl>
+                    <p:sldTgt/>
+                  </p:tgtEl>
+                </p:cond>
+              </p:prevCondLst>
+              <p:nextCondLst>
+                <p:cond evt="onNext" delay="0">
+                  <p:tgtEl>
+                    <p:sldTgt/>
+                  </p:tgtEl>
+                </p:cond>
+              </p:nextCondLst>
+            </p:seq>
+          </p:childTnLst>
+        </p:cTn>
+      </p:par>
+    </p:tnLst>
+    <p:bldLst>
+      <p:bldP spid="5" grpId="0"/>
+    </p:bldLst>
+  </p:timing>
+</p:sld>
+</file>
+
+<file path=ppt/slides/slide5.xml><?xml version="1.0" encoding="utf-8"?>
+<p:sld xmlns:a="http://schemas.openxmlformats.org/drawingml/2006/main" xmlns:r="http://schemas.openxmlformats.org/officeDocument/2006/relationships" xmlns:p="http://schemas.openxmlformats.org/presentationml/2006/main">
+  <p:cSld>
+    <p:spTree>
+      <p:nvGrpSpPr>
+        <p:cNvPr id="1" name=""/>
+        <p:cNvGrpSpPr/>
+        <p:nvPr/>
+      </p:nvGrpSpPr>
+      <p:grpSpPr>
+        <a:xfrm>
+          <a:off x="0" y="0"/>
+          <a:ext cx="0" cy="0"/>
+          <a:chOff x="0" y="0"/>
+          <a:chExt cx="0" cy="0"/>
+        </a:xfrm>
+      </p:grpSpPr>
+      <p:sp>
+        <p:nvSpPr>
           <p:cNvPr id="5123" name="AutoShape 6"/>
           <p:cNvSpPr>
             <a:spLocks noChangeArrowheads="1"/>
@@ -7850,6 +9174,11 @@
               </a:rPr>
               <a:t>闭包的概念</a:t>
             </a:r>
+            <a:endParaRPr lang="zh-CN" altLang="en-US" sz="2800" b="1">
+              <a:solidFill>
+                <a:schemeClr val="tx1"/>
+              </a:solidFill>
+            </a:endParaRPr>
           </a:p>
           <a:p>
             <a:pPr algn="l">
@@ -7877,6 +9206,12 @@
               </a:rPr>
               <a:t>闭包的常见形式</a:t>
             </a:r>
+            <a:endParaRPr lang="zh-CN" altLang="en-US" sz="2800" b="1">
+              <a:solidFill>
+                <a:schemeClr val="accent3"/>
+              </a:solidFill>
+              <a:sym typeface="+mn-ea"/>
+            </a:endParaRPr>
           </a:p>
           <a:p>
             <a:pPr algn="l">
@@ -7899,6 +9234,7 @@
               <a:rPr lang="zh-CN" altLang="en-US" sz="2800" b="1"/>
               <a:t>闭包的作用及常用场景</a:t>
             </a:r>
+            <a:endParaRPr lang="zh-CN" altLang="en-US" sz="2800" b="1"/>
           </a:p>
         </p:txBody>
       </p:sp>
@@ -8141,7 +9477,7 @@
 </p:sld>
 </file>
 
-<file path=ppt/slides/slide5.xml><?xml version="1.0" encoding="utf-8"?>
+<file path=ppt/slides/slide6.xml><?xml version="1.0" encoding="utf-8"?>
 <p:sld xmlns:a="http://schemas.openxmlformats.org/drawingml/2006/main" xmlns:r="http://schemas.openxmlformats.org/officeDocument/2006/relationships" xmlns:p="http://schemas.openxmlformats.org/presentationml/2006/main">
   <p:cSld>
     <p:spTree>
@@ -8341,7 +9677,7 @@
           <p:nvPr/>
         </p:nvPicPr>
         <p:blipFill>
-          <a:blip r:embed="rId3"/>
+          <a:blip r:embed="rId1"/>
           <a:srcRect/>
           <a:stretch>
             <a:fillRect/>
@@ -8450,6 +9786,13 @@
               </a:rPr>
               <a:t>是否调用后就释放？</a:t>
             </a:r>
+            <a:endParaRPr lang="zh-CN" altLang="en-US" sz="2200">
+              <a:solidFill>
+                <a:schemeClr val="tx1"/>
+              </a:solidFill>
+              <a:latin typeface="+mn-ea"/>
+              <a:ea typeface="+mn-ea"/>
+            </a:endParaRPr>
           </a:p>
           <a:p>
             <a:pPr algn="l"/>
@@ -8463,6 +9806,13 @@
               </a:rPr>
               <a:t>使用断点调试查看代码的运行状况</a:t>
             </a:r>
+            <a:endParaRPr lang="zh-CN" altLang="en-US" sz="2200">
+              <a:solidFill>
+                <a:srgbClr val="FF0000"/>
+              </a:solidFill>
+              <a:latin typeface="+mn-ea"/>
+              <a:ea typeface="+mn-ea"/>
+            </a:endParaRPr>
           </a:p>
         </p:txBody>
       </p:sp>
@@ -8775,7 +10125,7 @@
 </p:sld>
 </file>
 
-<file path=ppt/slides/slide6.xml><?xml version="1.0" encoding="utf-8"?>
+<file path=ppt/slides/slide7.xml><?xml version="1.0" encoding="utf-8"?>
 <p:sld xmlns:a="http://schemas.openxmlformats.org/drawingml/2006/main" xmlns:r="http://schemas.openxmlformats.org/officeDocument/2006/relationships" xmlns:p="http://schemas.openxmlformats.org/presentationml/2006/main">
   <p:cSld>
     <p:spTree>
@@ -8975,7 +10325,7 @@
           <p:nvPr/>
         </p:nvPicPr>
         <p:blipFill>
-          <a:blip r:embed="rId3"/>
+          <a:blip r:embed="rId1"/>
           <a:stretch>
             <a:fillRect/>
           </a:stretch>
@@ -9083,6 +10433,13 @@
               </a:rPr>
               <a:t>是否调用后就释放？</a:t>
             </a:r>
+            <a:endParaRPr lang="zh-CN" altLang="en-US" sz="2200">
+              <a:solidFill>
+                <a:schemeClr val="tx1"/>
+              </a:solidFill>
+              <a:latin typeface="+mn-ea"/>
+              <a:ea typeface="+mn-ea"/>
+            </a:endParaRPr>
           </a:p>
           <a:p>
             <a:pPr algn="l"/>
@@ -9096,6 +10453,13 @@
               </a:rPr>
               <a:t>使用断点调试查看代码的运行状况</a:t>
             </a:r>
+            <a:endParaRPr lang="zh-CN" altLang="en-US" sz="2200">
+              <a:solidFill>
+                <a:srgbClr val="FF0000"/>
+              </a:solidFill>
+              <a:latin typeface="+mn-ea"/>
+              <a:ea typeface="+mn-ea"/>
+            </a:endParaRPr>
           </a:p>
         </p:txBody>
       </p:sp>
@@ -9408,7 +10772,7 @@
 </p:sld>
 </file>
 
-<file path=ppt/slides/slide7.xml><?xml version="1.0" encoding="utf-8"?>
+<file path=ppt/slides/slide8.xml><?xml version="1.0" encoding="utf-8"?>
 <p:sld xmlns:a="http://schemas.openxmlformats.org/drawingml/2006/main" xmlns:r="http://schemas.openxmlformats.org/officeDocument/2006/relationships" xmlns:p="http://schemas.openxmlformats.org/presentationml/2006/main">
   <p:cSld>
     <p:spTree>
@@ -9607,7 +10971,7 @@
           <p:nvPr/>
         </p:nvPicPr>
         <p:blipFill>
-          <a:blip r:embed="rId3"/>
+          <a:blip r:embed="rId1"/>
           <a:stretch>
             <a:fillRect/>
           </a:stretch>
@@ -9665,6 +11029,13 @@
               </a:rPr>
               <a:t>总共有几个闭包？</a:t>
             </a:r>
+            <a:endParaRPr lang="zh-CN" sz="2200">
+              <a:solidFill>
+                <a:schemeClr val="tx1"/>
+              </a:solidFill>
+              <a:latin typeface="+mn-ea"/>
+              <a:ea typeface="+mn-ea"/>
+            </a:endParaRPr>
           </a:p>
           <a:p>
             <a:pPr algn="l"/>
@@ -9989,7 +11360,7 @@
 </p:sld>
 </file>
 
-<file path=ppt/slides/slide8.xml><?xml version="1.0" encoding="utf-8"?>
+<file path=ppt/slides/slide9.xml><?xml version="1.0" encoding="utf-8"?>
 <p:sld xmlns:a="http://schemas.openxmlformats.org/drawingml/2006/main" xmlns:r="http://schemas.openxmlformats.org/officeDocument/2006/relationships" xmlns:p="http://schemas.openxmlformats.org/presentationml/2006/main">
   <p:cSld>
     <p:spTree>
@@ -10135,7 +11506,7 @@
           <p:nvPr/>
         </p:nvPicPr>
         <p:blipFill>
-          <a:blip r:embed="rId3"/>
+          <a:blip r:embed="rId1"/>
           <a:stretch>
             <a:fillRect/>
           </a:stretch>
@@ -10440,6 +11811,12 @@
               </a:rPr>
               <a:t>综合实例（闭包、高阶函数、静态词法作用域、IIFE）</a:t>
             </a:r>
+            <a:endParaRPr kumimoji="0" lang="zh-CN" altLang="en-US" sz="3200" dirty="0" smtClean="0">
+              <a:solidFill>
+                <a:schemeClr val="tx1"/>
+              </a:solidFill>
+              <a:sym typeface="+mn-ea"/>
+            </a:endParaRPr>
           </a:p>
           <a:p>
             <a:pPr>
@@ -10523,6 +11900,13 @@
               </a:rPr>
               <a:t>？</a:t>
             </a:r>
+            <a:endParaRPr lang="zh-CN" sz="2200">
+              <a:solidFill>
+                <a:schemeClr val="tx1"/>
+              </a:solidFill>
+              <a:latin typeface="+mn-ea"/>
+              <a:ea typeface="+mn-ea"/>
+            </a:endParaRPr>
           </a:p>
           <a:p>
             <a:pPr algn="l"/>
@@ -10840,488 +12224,6 @@
       <p:bldP spid="4" grpId="0"/>
       <p:bldP spid="6" grpId="0"/>
     </p:bldLst>
-  </p:timing>
-</p:sld>
-</file>
-
-<file path=ppt/slides/slide9.xml><?xml version="1.0" encoding="utf-8"?>
-<p:sld xmlns:a="http://schemas.openxmlformats.org/drawingml/2006/main" xmlns:r="http://schemas.openxmlformats.org/officeDocument/2006/relationships" xmlns:p="http://schemas.openxmlformats.org/presentationml/2006/main">
-  <p:cSld>
-    <p:spTree>
-      <p:nvGrpSpPr>
-        <p:cNvPr id="1" name=""/>
-        <p:cNvGrpSpPr/>
-        <p:nvPr/>
-      </p:nvGrpSpPr>
-      <p:grpSpPr>
-        <a:xfrm>
-          <a:off x="0" y="0"/>
-          <a:ext cx="0" cy="0"/>
-          <a:chOff x="0" y="0"/>
-          <a:chExt cx="0" cy="0"/>
-        </a:xfrm>
-      </p:grpSpPr>
-      <p:sp>
-        <p:nvSpPr>
-          <p:cNvPr id="5123" name="AutoShape 6"/>
-          <p:cNvSpPr>
-            <a:spLocks noChangeArrowheads="1"/>
-          </p:cNvSpPr>
-          <p:nvPr/>
-        </p:nvSpPr>
-        <p:spPr bwMode="auto">
-          <a:xfrm>
-            <a:off x="2566988" y="1339851"/>
-            <a:ext cx="6711950" cy="4214813"/>
-          </a:xfrm>
-          <a:prstGeom prst="roundRect">
-            <a:avLst>
-              <a:gd name="adj" fmla="val 16667"/>
-            </a:avLst>
-          </a:prstGeom>
-          <a:noFill/>
-          <a:ln w="28575">
-            <a:solidFill>
-              <a:srgbClr val="C0C0C0"/>
-            </a:solidFill>
-            <a:prstDash val="sysDot"/>
-            <a:round/>
-          </a:ln>
-          <a:extLst>
-            <a:ext uri="{909E8E84-426E-40DD-AFC4-6F175D3DCCD1}">
-              <a14:hiddenFill xmlns:a14="http://schemas.microsoft.com/office/drawing/2010/main">
-                <a:solidFill>
-                  <a:srgbClr val="FFFFFF"/>
-                </a:solidFill>
-              </a14:hiddenFill>
-            </a:ext>
-          </a:extLst>
-        </p:spPr>
-        <p:txBody>
-          <a:bodyPr wrap="none" anchor="ctr"/>
-          <a:lstStyle>
-            <a:lvl1pPr marL="457200" indent="-457200">
-              <a:defRPr sz="3200">
-                <a:solidFill>
-                  <a:schemeClr val="tx1"/>
-                </a:solidFill>
-                <a:latin typeface="Arial" panose="020B0604020202020204" pitchFamily="34" charset="0"/>
-                <a:ea typeface="微软雅黑" panose="020B0503020204020204" pitchFamily="34" charset="-122"/>
-              </a:defRPr>
-            </a:lvl1pPr>
-            <a:lvl2pPr marL="742950" indent="-285750">
-              <a:defRPr sz="3200">
-                <a:solidFill>
-                  <a:schemeClr val="tx1"/>
-                </a:solidFill>
-                <a:latin typeface="Arial" panose="020B0604020202020204" pitchFamily="34" charset="0"/>
-                <a:ea typeface="微软雅黑" panose="020B0503020204020204" pitchFamily="34" charset="-122"/>
-              </a:defRPr>
-            </a:lvl2pPr>
-            <a:lvl3pPr marL="1143000" indent="-228600">
-              <a:defRPr sz="3200">
-                <a:solidFill>
-                  <a:schemeClr val="tx1"/>
-                </a:solidFill>
-                <a:latin typeface="Arial" panose="020B0604020202020204" pitchFamily="34" charset="0"/>
-                <a:ea typeface="微软雅黑" panose="020B0503020204020204" pitchFamily="34" charset="-122"/>
-              </a:defRPr>
-            </a:lvl3pPr>
-            <a:lvl4pPr marL="1600200" indent="-228600">
-              <a:defRPr sz="3200">
-                <a:solidFill>
-                  <a:schemeClr val="tx1"/>
-                </a:solidFill>
-                <a:latin typeface="Arial" panose="020B0604020202020204" pitchFamily="34" charset="0"/>
-                <a:ea typeface="微软雅黑" panose="020B0503020204020204" pitchFamily="34" charset="-122"/>
-              </a:defRPr>
-            </a:lvl4pPr>
-            <a:lvl5pPr marL="2057400" indent="-228600">
-              <a:defRPr sz="3200">
-                <a:solidFill>
-                  <a:schemeClr val="tx1"/>
-                </a:solidFill>
-                <a:latin typeface="Arial" panose="020B0604020202020204" pitchFamily="34" charset="0"/>
-                <a:ea typeface="微软雅黑" panose="020B0503020204020204" pitchFamily="34" charset="-122"/>
-              </a:defRPr>
-            </a:lvl5pPr>
-            <a:lvl6pPr marL="2514600" indent="-228600" eaLnBrk="0" fontAlgn="base" hangingPunct="0">
-              <a:spcBef>
-                <a:spcPct val="0"/>
-              </a:spcBef>
-              <a:spcAft>
-                <a:spcPct val="0"/>
-              </a:spcAft>
-              <a:defRPr sz="3200">
-                <a:solidFill>
-                  <a:schemeClr val="tx1"/>
-                </a:solidFill>
-                <a:latin typeface="Arial" panose="020B0604020202020204" pitchFamily="34" charset="0"/>
-                <a:ea typeface="微软雅黑" panose="020B0503020204020204" pitchFamily="34" charset="-122"/>
-              </a:defRPr>
-            </a:lvl6pPr>
-            <a:lvl7pPr marL="2971800" indent="-228600" eaLnBrk="0" fontAlgn="base" hangingPunct="0">
-              <a:spcBef>
-                <a:spcPct val="0"/>
-              </a:spcBef>
-              <a:spcAft>
-                <a:spcPct val="0"/>
-              </a:spcAft>
-              <a:defRPr sz="3200">
-                <a:solidFill>
-                  <a:schemeClr val="tx1"/>
-                </a:solidFill>
-                <a:latin typeface="Arial" panose="020B0604020202020204" pitchFamily="34" charset="0"/>
-                <a:ea typeface="微软雅黑" panose="020B0503020204020204" pitchFamily="34" charset="-122"/>
-              </a:defRPr>
-            </a:lvl7pPr>
-            <a:lvl8pPr marL="3429000" indent="-228600" eaLnBrk="0" fontAlgn="base" hangingPunct="0">
-              <a:spcBef>
-                <a:spcPct val="0"/>
-              </a:spcBef>
-              <a:spcAft>
-                <a:spcPct val="0"/>
-              </a:spcAft>
-              <a:defRPr sz="3200">
-                <a:solidFill>
-                  <a:schemeClr val="tx1"/>
-                </a:solidFill>
-                <a:latin typeface="Arial" panose="020B0604020202020204" pitchFamily="34" charset="0"/>
-                <a:ea typeface="微软雅黑" panose="020B0503020204020204" pitchFamily="34" charset="-122"/>
-              </a:defRPr>
-            </a:lvl8pPr>
-            <a:lvl9pPr marL="3886200" indent="-228600" eaLnBrk="0" fontAlgn="base" hangingPunct="0">
-              <a:spcBef>
-                <a:spcPct val="0"/>
-              </a:spcBef>
-              <a:spcAft>
-                <a:spcPct val="0"/>
-              </a:spcAft>
-              <a:defRPr sz="3200">
-                <a:solidFill>
-                  <a:schemeClr val="tx1"/>
-                </a:solidFill>
-                <a:latin typeface="Arial" panose="020B0604020202020204" pitchFamily="34" charset="0"/>
-                <a:ea typeface="微软雅黑" panose="020B0503020204020204" pitchFamily="34" charset="-122"/>
-              </a:defRPr>
-            </a:lvl9pPr>
-          </a:lstStyle>
-          <a:p>
-            <a:pPr algn="l">
-              <a:lnSpc>
-                <a:spcPct val="150000"/>
-              </a:lnSpc>
-              <a:spcBef>
-                <a:spcPts val="1200"/>
-              </a:spcBef>
-              <a:spcAft>
-                <a:spcPts val="1200"/>
-              </a:spcAft>
-              <a:buClr>
-                <a:srgbClr val="92D050"/>
-              </a:buClr>
-              <a:buFont typeface="Wingdings" panose="05000000000000000000" pitchFamily="2" charset="2"/>
-              <a:buChar char="Ø"/>
-            </a:pPr>
-            <a:r>
-              <a:rPr lang="zh-CN" altLang="en-US" sz="2800" b="1">
-                <a:solidFill>
-                  <a:schemeClr val="tx1"/>
-                </a:solidFill>
-              </a:rPr>
-              <a:t>闭包的概念</a:t>
-            </a:r>
-          </a:p>
-          <a:p>
-            <a:pPr algn="l">
-              <a:lnSpc>
-                <a:spcPct val="150000"/>
-              </a:lnSpc>
-              <a:spcBef>
-                <a:spcPts val="1200"/>
-              </a:spcBef>
-              <a:spcAft>
-                <a:spcPts val="1200"/>
-              </a:spcAft>
-              <a:buClr>
-                <a:srgbClr val="92D050"/>
-              </a:buClr>
-              <a:buFont typeface="Wingdings" panose="05000000000000000000" pitchFamily="2" charset="2"/>
-              <a:buChar char="Ø"/>
-            </a:pPr>
-            <a:r>
-              <a:rPr lang="zh-CN" altLang="en-US" sz="2800" b="1">
-                <a:solidFill>
-                  <a:schemeClr val="tx1"/>
-                </a:solidFill>
-                <a:sym typeface="+mn-ea"/>
-              </a:rPr>
-              <a:t>闭包的常见形式</a:t>
-            </a:r>
-          </a:p>
-          <a:p>
-            <a:pPr algn="l">
-              <a:lnSpc>
-                <a:spcPct val="150000"/>
-              </a:lnSpc>
-              <a:spcBef>
-                <a:spcPts val="1200"/>
-              </a:spcBef>
-              <a:spcAft>
-                <a:spcPts val="1200"/>
-              </a:spcAft>
-              <a:buClr>
-                <a:srgbClr val="92D050"/>
-              </a:buClr>
-              <a:buFont typeface="Wingdings" panose="05000000000000000000" pitchFamily="2" charset="2"/>
-              <a:buChar char="Ø"/>
-            </a:pPr>
-            <a:r>
-              <a:rPr lang="zh-CN" altLang="en-US" sz="2800" b="1">
-                <a:solidFill>
-                  <a:srgbClr val="FF0000"/>
-                </a:solidFill>
-              </a:rPr>
-              <a:t>闭包的作用及常用场景</a:t>
-            </a:r>
-          </a:p>
-        </p:txBody>
-      </p:sp>
-      <p:sp>
-        <p:nvSpPr>
-          <p:cNvPr id="4" name="内容占位符 3"/>
-          <p:cNvSpPr txBox="1"/>
-          <p:nvPr/>
-        </p:nvSpPr>
-        <p:spPr>
-          <a:xfrm>
-            <a:off x="981657" y="236943"/>
-            <a:ext cx="8191557" cy="490476"/>
-          </a:xfrm>
-          <a:prstGeom prst="rect">
-            <a:avLst/>
-          </a:prstGeom>
-        </p:spPr>
-        <p:txBody>
-          <a:bodyPr/>
-          <a:lstStyle>
-            <a:lvl1pPr marL="167005" indent="-167005" algn="l" defTabSz="0" rtl="0" eaLnBrk="0" fontAlgn="base" hangingPunct="0">
-              <a:spcBef>
-                <a:spcPct val="0"/>
-              </a:spcBef>
-              <a:spcAft>
-                <a:spcPct val="15000"/>
-              </a:spcAft>
-              <a:buClr>
-                <a:schemeClr val="tx2"/>
-              </a:buClr>
-              <a:buFont typeface="Arial" panose="020B0604020202020204" pitchFamily="34" charset="0"/>
-              <a:buChar char="•"/>
-              <a:defRPr kumimoji="1" sz="1600">
-                <a:solidFill>
-                  <a:srgbClr val="006F53"/>
-                </a:solidFill>
-                <a:latin typeface="微软雅黑" panose="020B0503020204020204" pitchFamily="34" charset="-122"/>
-                <a:ea typeface="微软雅黑" panose="020B0503020204020204" pitchFamily="34" charset="-122"/>
-                <a:cs typeface="微软雅黑" panose="020B0503020204020204" pitchFamily="34" charset="-122"/>
-              </a:defRPr>
-            </a:lvl1pPr>
-            <a:lvl2pPr marL="398780" indent="-230505" algn="l" defTabSz="0" rtl="0" eaLnBrk="0" fontAlgn="base" hangingPunct="0">
-              <a:spcBef>
-                <a:spcPct val="0"/>
-              </a:spcBef>
-              <a:spcAft>
-                <a:spcPct val="15000"/>
-              </a:spcAft>
-              <a:buClr>
-                <a:schemeClr val="tx2"/>
-              </a:buClr>
-              <a:buFont typeface="Arial" panose="020B0604020202020204" pitchFamily="34" charset="0"/>
-              <a:buChar char="–"/>
-              <a:defRPr kumimoji="1" sz="2800">
-                <a:solidFill>
-                  <a:schemeClr val="bg2"/>
-                </a:solidFill>
-                <a:latin typeface="微软雅黑" panose="020B0503020204020204" pitchFamily="34" charset="-122"/>
-                <a:ea typeface="微软雅黑" panose="020B0503020204020204" pitchFamily="34" charset="-122"/>
-                <a:cs typeface="微软雅黑" panose="020B0503020204020204" pitchFamily="34" charset="-122"/>
-              </a:defRPr>
-            </a:lvl2pPr>
-            <a:lvl3pPr marL="400050" indent="182880" algn="l" defTabSz="0" rtl="0" eaLnBrk="0" fontAlgn="base" hangingPunct="0">
-              <a:spcBef>
-                <a:spcPct val="0"/>
-              </a:spcBef>
-              <a:spcAft>
-                <a:spcPct val="15000"/>
-              </a:spcAft>
-              <a:buClr>
-                <a:schemeClr val="tx2"/>
-              </a:buClr>
-              <a:buFont typeface="Arial" panose="020B0604020202020204" pitchFamily="34" charset="0"/>
-              <a:buChar char="•"/>
-              <a:defRPr kumimoji="1" sz="1600">
-                <a:solidFill>
-                  <a:schemeClr val="bg2"/>
-                </a:solidFill>
-                <a:latin typeface="微软雅黑" panose="020B0503020204020204" pitchFamily="34" charset="-122"/>
-                <a:ea typeface="微软雅黑" panose="020B0503020204020204" pitchFamily="34" charset="-122"/>
-                <a:cs typeface="微软雅黑" panose="020B0503020204020204" pitchFamily="34" charset="-122"/>
-              </a:defRPr>
-            </a:lvl3pPr>
-            <a:lvl4pPr marL="825500" indent="-241300" algn="l" defTabSz="0" rtl="0" eaLnBrk="0" fontAlgn="base" hangingPunct="0">
-              <a:spcBef>
-                <a:spcPct val="0"/>
-              </a:spcBef>
-              <a:spcAft>
-                <a:spcPct val="15000"/>
-              </a:spcAft>
-              <a:buClr>
-                <a:schemeClr val="tx2"/>
-              </a:buClr>
-              <a:buFont typeface="Arial" panose="020B0604020202020204" pitchFamily="34" charset="0"/>
-              <a:buChar char="–"/>
-              <a:defRPr kumimoji="1" sz="1600">
-                <a:solidFill>
-                  <a:schemeClr val="bg2"/>
-                </a:solidFill>
-                <a:latin typeface="微软雅黑" panose="020B0503020204020204" pitchFamily="34" charset="-122"/>
-                <a:ea typeface="微软雅黑" panose="020B0503020204020204" pitchFamily="34" charset="-122"/>
-                <a:cs typeface="微软雅黑" panose="020B0503020204020204" pitchFamily="34" charset="-122"/>
-              </a:defRPr>
-            </a:lvl4pPr>
-            <a:lvl5pPr marL="2057400" indent="-228600" algn="l" defTabSz="0" rtl="0" eaLnBrk="0" fontAlgn="base" hangingPunct="0">
-              <a:spcBef>
-                <a:spcPct val="0"/>
-              </a:spcBef>
-              <a:spcAft>
-                <a:spcPct val="25000"/>
-              </a:spcAft>
-              <a:buClr>
-                <a:schemeClr val="tx2"/>
-              </a:buClr>
-              <a:buFont typeface="Arial" panose="020B0604020202020204" pitchFamily="34" charset="0"/>
-              <a:buChar char="–"/>
-              <a:defRPr kumimoji="1" sz="2000">
-                <a:solidFill>
-                  <a:schemeClr val="tx1"/>
-                </a:solidFill>
-                <a:latin typeface="+mn-lt"/>
-                <a:ea typeface="微软雅黑" panose="020B0503020204020204" pitchFamily="34" charset="-122"/>
-                <a:cs typeface="微软雅黑" panose="020B0503020204020204" pitchFamily="34" charset="-122"/>
-              </a:defRPr>
-            </a:lvl5pPr>
-            <a:lvl6pPr marL="2514600" indent="-228600" algn="l" defTabSz="0" rtl="0" eaLnBrk="0" fontAlgn="base" hangingPunct="0">
-              <a:spcBef>
-                <a:spcPct val="0"/>
-              </a:spcBef>
-              <a:spcAft>
-                <a:spcPct val="25000"/>
-              </a:spcAft>
-              <a:buClr>
-                <a:schemeClr val="tx2"/>
-              </a:buClr>
-              <a:buFont typeface="Arial" panose="020B0604020202020204" pitchFamily="34" charset="0"/>
-              <a:buChar char="–"/>
-              <a:defRPr>
-                <a:solidFill>
-                  <a:schemeClr val="tx1"/>
-                </a:solidFill>
-                <a:latin typeface="+mn-lt"/>
-              </a:defRPr>
-            </a:lvl6pPr>
-            <a:lvl7pPr marL="2971800" indent="-228600" algn="l" defTabSz="0" rtl="0" eaLnBrk="0" fontAlgn="base" hangingPunct="0">
-              <a:spcBef>
-                <a:spcPct val="0"/>
-              </a:spcBef>
-              <a:spcAft>
-                <a:spcPct val="25000"/>
-              </a:spcAft>
-              <a:buClr>
-                <a:schemeClr val="tx2"/>
-              </a:buClr>
-              <a:buFont typeface="Arial" panose="020B0604020202020204" pitchFamily="34" charset="0"/>
-              <a:buChar char="–"/>
-              <a:defRPr>
-                <a:solidFill>
-                  <a:schemeClr val="tx1"/>
-                </a:solidFill>
-                <a:latin typeface="+mn-lt"/>
-              </a:defRPr>
-            </a:lvl7pPr>
-            <a:lvl8pPr marL="3429000" indent="-228600" algn="l" defTabSz="0" rtl="0" eaLnBrk="0" fontAlgn="base" hangingPunct="0">
-              <a:spcBef>
-                <a:spcPct val="0"/>
-              </a:spcBef>
-              <a:spcAft>
-                <a:spcPct val="25000"/>
-              </a:spcAft>
-              <a:buClr>
-                <a:schemeClr val="tx2"/>
-              </a:buClr>
-              <a:buFont typeface="Arial" panose="020B0604020202020204" pitchFamily="34" charset="0"/>
-              <a:buChar char="–"/>
-              <a:defRPr>
-                <a:solidFill>
-                  <a:schemeClr val="tx1"/>
-                </a:solidFill>
-                <a:latin typeface="+mn-lt"/>
-              </a:defRPr>
-            </a:lvl8pPr>
-            <a:lvl9pPr marL="3886200" indent="-228600" algn="l" defTabSz="0" rtl="0" eaLnBrk="0" fontAlgn="base" hangingPunct="0">
-              <a:spcBef>
-                <a:spcPct val="0"/>
-              </a:spcBef>
-              <a:spcAft>
-                <a:spcPct val="25000"/>
-              </a:spcAft>
-              <a:buClr>
-                <a:schemeClr val="tx2"/>
-              </a:buClr>
-              <a:buFont typeface="Arial" panose="020B0604020202020204" pitchFamily="34" charset="0"/>
-              <a:buChar char="–"/>
-              <a:defRPr>
-                <a:solidFill>
-                  <a:schemeClr val="tx1"/>
-                </a:solidFill>
-                <a:latin typeface="+mn-lt"/>
-              </a:defRPr>
-            </a:lvl9pPr>
-          </a:lstStyle>
-          <a:p>
-            <a:pPr marL="0" indent="0">
-              <a:buNone/>
-            </a:pPr>
-            <a:r>
-              <a:rPr lang="zh-CN" altLang="en-US" sz="3200" dirty="0" smtClean="0">
-                <a:solidFill>
-                  <a:srgbClr val="C00000"/>
-                </a:solidFill>
-                <a:cs typeface="+mn-cs"/>
-                <a:sym typeface="+mn-ea"/>
-              </a:rPr>
-              <a:t>内容提纲</a:t>
-            </a:r>
-            <a:endParaRPr lang="en-US" altLang="zh-CN" sz="3200" kern="0" dirty="0" smtClean="0">
-              <a:solidFill>
-                <a:srgbClr val="C00000"/>
-              </a:solidFill>
-              <a:cs typeface="+mn-cs"/>
-              <a:sym typeface="+mn-ea"/>
-            </a:endParaRPr>
-          </a:p>
-        </p:txBody>
-      </p:sp>
-    </p:spTree>
-  </p:cSld>
-  <p:clrMapOvr>
-    <a:masterClrMapping/>
-  </p:clrMapOvr>
-  <p:timing>
-    <p:tnLst>
-      <p:par>
-        <p:cTn id="1" dur="indefinite" restart="never" nodeType="tmRoot"/>
-      </p:par>
-    </p:tnLst>
   </p:timing>
 </p:sld>
 </file>
@@ -11660,10 +12562,9 @@
       </a:lstStyle>
     </a:lnDef>
   </a:objectDefaults>
-  <a:extraClrSchemeLst/>
   <a:extLst>
     <a:ext uri="{05A4C25C-085E-4340-85A3-A5531E510DB2}">
-      <thm15:themeFamily xmlns="" xmlns:thm15="http://schemas.microsoft.com/office/thememl/2012/main" name="Office Theme" id="{62F939B6-93AF-4DB8-9C6B-D6C7DFDC589F}" vid="{4A3C46E8-61CC-4603-A589-7422A47A8E4A}"/>
+      <thm15:themeFamily xmlns:thm15="http://schemas.microsoft.com/office/thememl/2012/main" name="Office Theme" id="{62F939B6-93AF-4DB8-9C6B-D6C7DFDC589F}" vid="{4A3C46E8-61CC-4603-A589-7422A47A8E4A}"/>
     </a:ext>
   </a:extLst>
 </a:theme>
@@ -11947,11 +12848,9 @@
       </a:bgFillStyleLst>
     </a:fmtScheme>
   </a:themeElements>
-  <a:objectDefaults/>
-  <a:extraClrSchemeLst/>
   <a:extLst>
     <a:ext uri="{05A4C25C-085E-4340-85A3-A5531E510DB2}">
-      <thm15:themeFamily xmlns="" xmlns:thm15="http://schemas.microsoft.com/office/thememl/2012/main" name="Office Theme" id="{62F939B6-93AF-4DB8-9C6B-D6C7DFDC589F}" vid="{4A3C46E8-61CC-4603-A589-7422A47A8E4A}"/>
+      <thm15:themeFamily xmlns:thm15="http://schemas.microsoft.com/office/thememl/2012/main" name="Office Theme" id="{62F939B6-93AF-4DB8-9C6B-D6C7DFDC589F}" vid="{4A3C46E8-61CC-4603-A589-7422A47A8E4A}"/>
     </a:ext>
   </a:extLst>
 </a:theme>

--- a/课程PPT/12.JS闭包.pptx
+++ b/课程PPT/12.JS闭包.pptx
@@ -10,19 +10,20 @@
   <p:sldIdLst>
     <p:sldId id="1208" r:id="rId3"/>
     <p:sldId id="1227" r:id="rId4"/>
-    <p:sldId id="1228" r:id="rId5"/>
-    <p:sldId id="1485" r:id="rId7"/>
-    <p:sldId id="1229" r:id="rId8"/>
-    <p:sldId id="1454" r:id="rId9"/>
-    <p:sldId id="1476" r:id="rId10"/>
-    <p:sldId id="1455" r:id="rId11"/>
-    <p:sldId id="1457" r:id="rId12"/>
-    <p:sldId id="1230" r:id="rId13"/>
-    <p:sldId id="1232" r:id="rId14"/>
-    <p:sldId id="1478" r:id="rId15"/>
-    <p:sldId id="1456" r:id="rId16"/>
-    <p:sldId id="1233" r:id="rId17"/>
-    <p:sldId id="1484" r:id="rId18"/>
+    <p:sldId id="1497" r:id="rId5"/>
+    <p:sldId id="1499" r:id="rId7"/>
+    <p:sldId id="1228" r:id="rId8"/>
+    <p:sldId id="1229" r:id="rId9"/>
+    <p:sldId id="1454" r:id="rId10"/>
+    <p:sldId id="1476" r:id="rId11"/>
+    <p:sldId id="1455" r:id="rId12"/>
+    <p:sldId id="1457" r:id="rId13"/>
+    <p:sldId id="1230" r:id="rId14"/>
+    <p:sldId id="1232" r:id="rId15"/>
+    <p:sldId id="1478" r:id="rId16"/>
+    <p:sldId id="1456" r:id="rId17"/>
+    <p:sldId id="1233" r:id="rId18"/>
+    <p:sldId id="1484" r:id="rId19"/>
   </p:sldIdLst>
   <p:sldSz cx="12192000" cy="6858000"/>
   <p:notesSz cx="6797675" cy="9928225"/>
@@ -723,6 +724,62 @@
 </p:notes>
 </file>
 
+<file path=ppt/notesSlides/notesSlide11.xml><?xml version="1.0" encoding="utf-8"?>
+<p:notes xmlns:a="http://schemas.openxmlformats.org/drawingml/2006/main" xmlns:r="http://schemas.openxmlformats.org/officeDocument/2006/relationships" xmlns:p="http://schemas.openxmlformats.org/presentationml/2006/main">
+  <p:cSld>
+    <p:spTree>
+      <p:nvGrpSpPr>
+        <p:cNvPr id="1" name=""/>
+        <p:cNvGrpSpPr/>
+        <p:nvPr/>
+      </p:nvGrpSpPr>
+      <p:grpSpPr>
+        <a:xfrm>
+          <a:off x="0" y="0"/>
+          <a:ext cx="0" cy="0"/>
+          <a:chOff x="0" y="0"/>
+          <a:chExt cx="0" cy="0"/>
+        </a:xfrm>
+      </p:grpSpPr>
+      <p:sp>
+        <p:nvSpPr>
+          <p:cNvPr id="2" name="幻灯片图像占位符 1"/>
+          <p:cNvSpPr>
+            <a:spLocks noGrp="1" noRot="1" noChangeAspect="1"/>
+          </p:cNvSpPr>
+          <p:nvPr>
+            <p:ph type="sldImg" idx="2"/>
+          </p:nvPr>
+        </p:nvSpPr>
+        <p:spPr/>
+      </p:sp>
+      <p:sp>
+        <p:nvSpPr>
+          <p:cNvPr id="3" name="文本占位符 2"/>
+          <p:cNvSpPr>
+            <a:spLocks noGrp="1"/>
+          </p:cNvSpPr>
+          <p:nvPr>
+            <p:ph type="body" idx="3"/>
+          </p:nvPr>
+        </p:nvSpPr>
+        <p:spPr/>
+        <p:txBody>
+          <a:bodyPr/>
+          <a:lstStyle/>
+          <a:p>
+            <a:endParaRPr lang="zh-CN" altLang="en-US" dirty="0"/>
+          </a:p>
+        </p:txBody>
+      </p:sp>
+    </p:spTree>
+  </p:cSld>
+  <p:clrMapOvr>
+    <a:masterClrMapping/>
+  </p:clrMapOvr>
+</p:notes>
+</file>
+
 <file path=ppt/notesSlides/notesSlide2.xml><?xml version="1.0" encoding="utf-8"?>
 <p:notes xmlns:a="http://schemas.openxmlformats.org/drawingml/2006/main" xmlns:r="http://schemas.openxmlformats.org/officeDocument/2006/relationships" xmlns:p="http://schemas.openxmlformats.org/presentationml/2006/main">
   <p:cSld>
@@ -1137,19 +1194,19 @@
             <a:spLocks noGrp="1" noRot="1" noChangeAspect="1"/>
           </p:cNvSpPr>
           <p:nvPr>
-            <p:ph type="sldImg" idx="2"/>
+            <p:ph type="sldImg"/>
           </p:nvPr>
         </p:nvSpPr>
         <p:spPr/>
       </p:sp>
       <p:sp>
         <p:nvSpPr>
-          <p:cNvPr id="3" name="文本占位符 2"/>
+          <p:cNvPr id="3" name="备注占位符 2"/>
           <p:cNvSpPr>
             <a:spLocks noGrp="1"/>
           </p:cNvSpPr>
           <p:nvPr>
-            <p:ph type="body" idx="3"/>
+            <p:ph type="body" idx="1"/>
           </p:nvPr>
         </p:nvSpPr>
         <p:spPr/>
@@ -1158,6 +1215,28 @@
           <a:lstStyle/>
           <a:p>
             <a:endParaRPr lang="zh-CN" altLang="en-US" dirty="0"/>
+          </a:p>
+        </p:txBody>
+      </p:sp>
+      <p:sp>
+        <p:nvSpPr>
+          <p:cNvPr id="4" name="灯片编号占位符 3"/>
+          <p:cNvSpPr>
+            <a:spLocks noGrp="1"/>
+          </p:cNvSpPr>
+          <p:nvPr>
+            <p:ph type="sldNum" sz="quarter" idx="10"/>
+          </p:nvPr>
+        </p:nvSpPr>
+        <p:spPr/>
+        <p:txBody>
+          <a:bodyPr/>
+          <a:lstStyle/>
+          <a:p>
+            <a:fld id="{D9AFD278-84AA-4CAA-9049-809825956FE0}" type="slidenum">
+              <a:rPr lang="en-US" altLang="zh-CN" smtClean="0"/>
+            </a:fld>
+            <a:endParaRPr lang="zh-CN" altLang="zh-CN"/>
           </a:p>
         </p:txBody>
       </p:sp>
@@ -3705,6 +3784,874 @@
       </p:grpSpPr>
       <p:sp>
         <p:nvSpPr>
+          <p:cNvPr id="11266" name="内容占位符 1"/>
+          <p:cNvSpPr>
+            <a:spLocks noGrp="1"/>
+          </p:cNvSpPr>
+          <p:nvPr>
+            <p:ph sz="quarter" idx="10"/>
+          </p:nvPr>
+        </p:nvSpPr>
+        <p:spPr bwMode="auto">
+          <a:xfrm>
+            <a:off x="947420" y="868680"/>
+            <a:ext cx="10248900" cy="5207000"/>
+          </a:xfrm>
+          <a:noFill/>
+          <a:extLst>
+            <a:ext uri="{909E8E84-426E-40DD-AFC4-6F175D3DCCD1}">
+              <a14:hiddenFill xmlns:a14="http://schemas.microsoft.com/office/drawing/2010/main">
+                <a:solidFill>
+                  <a:srgbClr val="FFFFFF"/>
+                </a:solidFill>
+              </a14:hiddenFill>
+            </a:ext>
+            <a:ext uri="{91240B29-F687-4F45-9708-019B960494DF}">
+              <a14:hiddenLine xmlns:a14="http://schemas.microsoft.com/office/drawing/2010/main" w="9525">
+                <a:solidFill>
+                  <a:srgbClr val="000000"/>
+                </a:solidFill>
+                <a:miter lim="800000"/>
+                <a:headEnd/>
+                <a:tailEnd/>
+              </a14:hiddenLine>
+            </a:ext>
+          </a:extLst>
+        </p:spPr>
+        <p:txBody>
+          <a:bodyPr vert="horz" wrap="square" lIns="91440" tIns="45720" rIns="91440" bIns="45720" numCol="1" anchor="t" anchorCtr="0" compatLnSpc="1"/>
+          <a:lstStyle/>
+          <a:p>
+            <a:pPr>
+              <a:lnSpc>
+                <a:spcPct val="130000"/>
+              </a:lnSpc>
+            </a:pPr>
+            <a:endParaRPr kumimoji="0" lang="zh-CN" altLang="en-US" sz="3200" dirty="0" smtClean="0">
+              <a:solidFill>
+                <a:schemeClr val="accent3"/>
+              </a:solidFill>
+              <a:sym typeface="+mn-ea"/>
+            </a:endParaRPr>
+          </a:p>
+          <a:p>
+            <a:pPr>
+              <a:lnSpc>
+                <a:spcPct val="130000"/>
+              </a:lnSpc>
+            </a:pPr>
+            <a:endParaRPr kumimoji="0" lang="zh-CN" altLang="en-US" sz="3200" dirty="0" smtClean="0">
+              <a:solidFill>
+                <a:schemeClr val="tx1"/>
+              </a:solidFill>
+            </a:endParaRPr>
+          </a:p>
+          <a:p>
+            <a:pPr eaLnBrk="1" hangingPunct="1">
+              <a:lnSpc>
+                <a:spcPct val="150000"/>
+              </a:lnSpc>
+            </a:pPr>
+            <a:endParaRPr kumimoji="0" lang="en-US" altLang="zh-CN" sz="3600" dirty="0" smtClean="0">
+              <a:solidFill>
+                <a:schemeClr val="tx1"/>
+              </a:solidFill>
+            </a:endParaRPr>
+          </a:p>
+          <a:p>
+            <a:pPr eaLnBrk="1" hangingPunct="1">
+              <a:lnSpc>
+                <a:spcPct val="150000"/>
+              </a:lnSpc>
+            </a:pPr>
+            <a:endParaRPr kumimoji="0" lang="zh-CN" altLang="en-US" dirty="0" smtClean="0">
+              <a:solidFill>
+                <a:schemeClr val="tx1"/>
+              </a:solidFill>
+            </a:endParaRPr>
+          </a:p>
+        </p:txBody>
+      </p:sp>
+      <p:sp>
+        <p:nvSpPr>
+          <p:cNvPr id="2" name="内容占位符 1"/>
+          <p:cNvSpPr>
+            <a:spLocks noGrp="1"/>
+          </p:cNvSpPr>
+          <p:nvPr>
+            <p:ph sz="quarter" idx="11"/>
+          </p:nvPr>
+        </p:nvSpPr>
+        <p:spPr>
+          <a:xfrm>
+            <a:off x="947204" y="308698"/>
+            <a:ext cx="8191557" cy="490476"/>
+          </a:xfrm>
+        </p:spPr>
+        <p:txBody>
+          <a:bodyPr/>
+          <a:lstStyle/>
+          <a:p>
+            <a:r>
+              <a:rPr kumimoji="0" lang="zh-CN" altLang="en-US" dirty="0">
+                <a:sym typeface="+mn-ea"/>
+              </a:rPr>
+              <a:t>闭包的常见形式（函数作为参数）</a:t>
+            </a:r>
+            <a:endParaRPr kumimoji="0" lang="zh-CN" altLang="en-US" dirty="0"/>
+          </a:p>
+        </p:txBody>
+      </p:sp>
+      <p:pic>
+        <p:nvPicPr>
+          <p:cNvPr id="3" name="图片 2"/>
+          <p:cNvPicPr>
+            <a:picLocks noChangeAspect="1"/>
+          </p:cNvPicPr>
+          <p:nvPr/>
+        </p:nvPicPr>
+        <p:blipFill>
+          <a:blip r:embed="rId1"/>
+          <a:stretch>
+            <a:fillRect/>
+          </a:stretch>
+        </p:blipFill>
+        <p:spPr>
+          <a:xfrm>
+            <a:off x="999490" y="1748790"/>
+            <a:ext cx="4852035" cy="4097655"/>
+          </a:xfrm>
+          <a:prstGeom prst="rect">
+            <a:avLst/>
+          </a:prstGeom>
+        </p:spPr>
+      </p:pic>
+      <p:sp>
+        <p:nvSpPr>
+          <p:cNvPr id="4" name="文本框 3"/>
+          <p:cNvSpPr txBox="1"/>
+          <p:nvPr/>
+        </p:nvSpPr>
+        <p:spPr>
+          <a:xfrm>
+            <a:off x="6306820" y="6113780"/>
+            <a:ext cx="4890135" cy="429895"/>
+          </a:xfrm>
+          <a:prstGeom prst="rect">
+            <a:avLst/>
+          </a:prstGeom>
+          <a:noFill/>
+        </p:spPr>
+        <p:txBody>
+          <a:bodyPr wrap="square" rtlCol="0">
+            <a:spAutoFit/>
+          </a:bodyPr>
+          <a:lstStyle/>
+          <a:p>
+            <a:pPr algn="l"/>
+            <a:r>
+              <a:rPr lang="zh-CN" altLang="en-US" sz="2200">
+                <a:solidFill>
+                  <a:srgbClr val="FF0000"/>
+                </a:solidFill>
+                <a:latin typeface="+mn-ea"/>
+                <a:ea typeface="+mn-ea"/>
+              </a:rPr>
+              <a:t>参见实例</a:t>
+            </a:r>
+            <a:r>
+              <a:rPr lang="en-US" altLang="zh-CN" sz="2200">
+                <a:solidFill>
+                  <a:srgbClr val="FF0000"/>
+                </a:solidFill>
+                <a:latin typeface="+mn-ea"/>
+                <a:ea typeface="+mn-ea"/>
+              </a:rPr>
+              <a:t>demo13 Part2</a:t>
+            </a:r>
+            <a:endParaRPr lang="en-US" sz="2200">
+              <a:solidFill>
+                <a:srgbClr val="FF0000"/>
+              </a:solidFill>
+              <a:latin typeface="+mn-ea"/>
+              <a:ea typeface="+mn-ea"/>
+            </a:endParaRPr>
+          </a:p>
+        </p:txBody>
+      </p:sp>
+      <p:sp>
+        <p:nvSpPr>
+          <p:cNvPr id="5" name="内容占位符 1"/>
+          <p:cNvSpPr>
+            <a:spLocks noGrp="1"/>
+          </p:cNvSpPr>
+          <p:nvPr/>
+        </p:nvSpPr>
+        <p:spPr bwMode="auto">
+          <a:xfrm>
+            <a:off x="947420" y="868680"/>
+            <a:ext cx="10880725" cy="5207000"/>
+          </a:xfrm>
+          <a:prstGeom prst="rect">
+            <a:avLst/>
+          </a:prstGeom>
+          <a:noFill/>
+          <a:extLst>
+            <a:ext uri="{909E8E84-426E-40DD-AFC4-6F175D3DCCD1}">
+              <a14:hiddenFill xmlns:a14="http://schemas.microsoft.com/office/drawing/2010/main">
+                <a:solidFill>
+                  <a:srgbClr val="FFFFFF"/>
+                </a:solidFill>
+              </a14:hiddenFill>
+            </a:ext>
+            <a:ext uri="{91240B29-F687-4F45-9708-019B960494DF}">
+              <a14:hiddenLine xmlns:a14="http://schemas.microsoft.com/office/drawing/2010/main" w="9525">
+                <a:solidFill>
+                  <a:srgbClr val="000000"/>
+                </a:solidFill>
+                <a:miter lim="800000"/>
+                <a:headEnd/>
+                <a:tailEnd/>
+              </a14:hiddenLine>
+            </a:ext>
+          </a:extLst>
+        </p:spPr>
+        <p:txBody>
+          <a:bodyPr vert="horz" wrap="square" lIns="91440" tIns="45720" rIns="91440" bIns="45720" numCol="1" anchor="t" anchorCtr="0" compatLnSpc="1"/>
+          <a:lstStyle>
+            <a:lvl1pPr marL="167005" indent="-167005" algn="l" defTabSz="0" rtl="0" eaLnBrk="0" fontAlgn="base" hangingPunct="0">
+              <a:spcBef>
+                <a:spcPct val="0"/>
+              </a:spcBef>
+              <a:spcAft>
+                <a:spcPct val="15000"/>
+              </a:spcAft>
+              <a:buClr>
+                <a:schemeClr val="tx2"/>
+              </a:buClr>
+              <a:buFont typeface="Arial" panose="020B0604020202020204" pitchFamily="34" charset="0"/>
+              <a:buChar char="•"/>
+              <a:defRPr kumimoji="1" sz="2800">
+                <a:solidFill>
+                  <a:srgbClr val="006F53"/>
+                </a:solidFill>
+                <a:latin typeface="微软雅黑" panose="020B0503020204020204" pitchFamily="34" charset="-122"/>
+                <a:ea typeface="微软雅黑" panose="020B0503020204020204" pitchFamily="34" charset="-122"/>
+                <a:cs typeface="微软雅黑" panose="020B0503020204020204" pitchFamily="34" charset="-122"/>
+              </a:defRPr>
+            </a:lvl1pPr>
+            <a:lvl2pPr marL="398780" indent="-230505" algn="l" defTabSz="0" rtl="0" eaLnBrk="0" fontAlgn="base" hangingPunct="0">
+              <a:spcBef>
+                <a:spcPct val="0"/>
+              </a:spcBef>
+              <a:spcAft>
+                <a:spcPct val="15000"/>
+              </a:spcAft>
+              <a:buClr>
+                <a:schemeClr val="tx2"/>
+              </a:buClr>
+              <a:buFont typeface="Arial" panose="020B0604020202020204" pitchFamily="34" charset="0"/>
+              <a:buChar char="–"/>
+              <a:defRPr kumimoji="1" sz="2000">
+                <a:solidFill>
+                  <a:schemeClr val="tx1"/>
+                </a:solidFill>
+                <a:latin typeface="微软雅黑" panose="020B0503020204020204" pitchFamily="34" charset="-122"/>
+                <a:ea typeface="微软雅黑" panose="020B0503020204020204" pitchFamily="34" charset="-122"/>
+                <a:cs typeface="微软雅黑" panose="020B0503020204020204" pitchFamily="34" charset="-122"/>
+              </a:defRPr>
+            </a:lvl2pPr>
+            <a:lvl3pPr marL="400050" indent="182880" algn="l" defTabSz="0" rtl="0" eaLnBrk="0" fontAlgn="base" hangingPunct="0">
+              <a:spcBef>
+                <a:spcPct val="0"/>
+              </a:spcBef>
+              <a:spcAft>
+                <a:spcPct val="15000"/>
+              </a:spcAft>
+              <a:buClr>
+                <a:schemeClr val="tx2"/>
+              </a:buClr>
+              <a:buFont typeface="Arial" panose="020B0604020202020204" pitchFamily="34" charset="0"/>
+              <a:buChar char="•"/>
+              <a:defRPr kumimoji="1" sz="1600">
+                <a:solidFill>
+                  <a:schemeClr val="tx1"/>
+                </a:solidFill>
+                <a:latin typeface="微软雅黑" panose="020B0503020204020204" pitchFamily="34" charset="-122"/>
+                <a:ea typeface="微软雅黑" panose="020B0503020204020204" pitchFamily="34" charset="-122"/>
+                <a:cs typeface="微软雅黑" panose="020B0503020204020204" pitchFamily="34" charset="-122"/>
+              </a:defRPr>
+            </a:lvl3pPr>
+            <a:lvl4pPr marL="825500" indent="-241300" algn="l" defTabSz="0" rtl="0" eaLnBrk="0" fontAlgn="base" hangingPunct="0">
+              <a:spcBef>
+                <a:spcPct val="0"/>
+              </a:spcBef>
+              <a:spcAft>
+                <a:spcPct val="15000"/>
+              </a:spcAft>
+              <a:buClr>
+                <a:schemeClr val="tx2"/>
+              </a:buClr>
+              <a:buFont typeface="Arial" panose="020B0604020202020204" pitchFamily="34" charset="0"/>
+              <a:buChar char="–"/>
+              <a:defRPr kumimoji="1" sz="1600">
+                <a:solidFill>
+                  <a:schemeClr val="tx1"/>
+                </a:solidFill>
+                <a:latin typeface="微软雅黑" panose="020B0503020204020204" pitchFamily="34" charset="-122"/>
+                <a:ea typeface="微软雅黑" panose="020B0503020204020204" pitchFamily="34" charset="-122"/>
+                <a:cs typeface="微软雅黑" panose="020B0503020204020204" pitchFamily="34" charset="-122"/>
+              </a:defRPr>
+            </a:lvl4pPr>
+            <a:lvl5pPr marL="2057400" indent="-228600" algn="l" defTabSz="0" rtl="0" eaLnBrk="0" fontAlgn="base" hangingPunct="0">
+              <a:spcBef>
+                <a:spcPct val="0"/>
+              </a:spcBef>
+              <a:spcAft>
+                <a:spcPct val="25000"/>
+              </a:spcAft>
+              <a:buClr>
+                <a:schemeClr val="tx2"/>
+              </a:buClr>
+              <a:buFont typeface="Arial" panose="020B0604020202020204" pitchFamily="34" charset="0"/>
+              <a:buChar char="–"/>
+              <a:defRPr kumimoji="1" sz="2000">
+                <a:solidFill>
+                  <a:schemeClr val="tx1"/>
+                </a:solidFill>
+                <a:latin typeface="+mn-lt"/>
+                <a:ea typeface="微软雅黑" panose="020B0503020204020204" pitchFamily="34" charset="-122"/>
+                <a:cs typeface="微软雅黑" panose="020B0503020204020204" pitchFamily="34" charset="-122"/>
+              </a:defRPr>
+            </a:lvl5pPr>
+            <a:lvl6pPr marL="2514600" indent="-228600" algn="l" defTabSz="0" rtl="0" eaLnBrk="0" fontAlgn="base" hangingPunct="0">
+              <a:spcBef>
+                <a:spcPct val="0"/>
+              </a:spcBef>
+              <a:spcAft>
+                <a:spcPct val="25000"/>
+              </a:spcAft>
+              <a:buClr>
+                <a:schemeClr val="tx2"/>
+              </a:buClr>
+              <a:buFont typeface="Arial" panose="020B0604020202020204" pitchFamily="34" charset="0"/>
+              <a:buChar char="–"/>
+              <a:defRPr>
+                <a:solidFill>
+                  <a:schemeClr val="tx1"/>
+                </a:solidFill>
+                <a:latin typeface="+mn-lt"/>
+              </a:defRPr>
+            </a:lvl6pPr>
+            <a:lvl7pPr marL="2971800" indent="-228600" algn="l" defTabSz="0" rtl="0" eaLnBrk="0" fontAlgn="base" hangingPunct="0">
+              <a:spcBef>
+                <a:spcPct val="0"/>
+              </a:spcBef>
+              <a:spcAft>
+                <a:spcPct val="25000"/>
+              </a:spcAft>
+              <a:buClr>
+                <a:schemeClr val="tx2"/>
+              </a:buClr>
+              <a:buFont typeface="Arial" panose="020B0604020202020204" pitchFamily="34" charset="0"/>
+              <a:buChar char="–"/>
+              <a:defRPr>
+                <a:solidFill>
+                  <a:schemeClr val="tx1"/>
+                </a:solidFill>
+                <a:latin typeface="+mn-lt"/>
+              </a:defRPr>
+            </a:lvl7pPr>
+            <a:lvl8pPr marL="3429000" indent="-228600" algn="l" defTabSz="0" rtl="0" eaLnBrk="0" fontAlgn="base" hangingPunct="0">
+              <a:spcBef>
+                <a:spcPct val="0"/>
+              </a:spcBef>
+              <a:spcAft>
+                <a:spcPct val="25000"/>
+              </a:spcAft>
+              <a:buClr>
+                <a:schemeClr val="tx2"/>
+              </a:buClr>
+              <a:buFont typeface="Arial" panose="020B0604020202020204" pitchFamily="34" charset="0"/>
+              <a:buChar char="–"/>
+              <a:defRPr>
+                <a:solidFill>
+                  <a:schemeClr val="tx1"/>
+                </a:solidFill>
+                <a:latin typeface="+mn-lt"/>
+              </a:defRPr>
+            </a:lvl8pPr>
+            <a:lvl9pPr marL="3886200" indent="-228600" algn="l" defTabSz="0" rtl="0" eaLnBrk="0" fontAlgn="base" hangingPunct="0">
+              <a:spcBef>
+                <a:spcPct val="0"/>
+              </a:spcBef>
+              <a:spcAft>
+                <a:spcPct val="25000"/>
+              </a:spcAft>
+              <a:buClr>
+                <a:schemeClr val="tx2"/>
+              </a:buClr>
+              <a:buFont typeface="Arial" panose="020B0604020202020204" pitchFamily="34" charset="0"/>
+              <a:buChar char="–"/>
+              <a:defRPr>
+                <a:solidFill>
+                  <a:schemeClr val="tx1"/>
+                </a:solidFill>
+                <a:latin typeface="+mn-lt"/>
+              </a:defRPr>
+            </a:lvl9pPr>
+          </a:lstStyle>
+          <a:p>
+            <a:pPr>
+              <a:lnSpc>
+                <a:spcPct val="130000"/>
+              </a:lnSpc>
+            </a:pPr>
+            <a:r>
+              <a:rPr kumimoji="0" lang="zh-CN" altLang="en-US" sz="3200" dirty="0" smtClean="0">
+                <a:solidFill>
+                  <a:schemeClr val="tx1"/>
+                </a:solidFill>
+                <a:sym typeface="+mn-ea"/>
+              </a:rPr>
+              <a:t>综合实例（闭包、高阶函数、静态词法作用域、IIFE）</a:t>
+            </a:r>
+            <a:endParaRPr kumimoji="0" lang="zh-CN" altLang="en-US" sz="3200" dirty="0" smtClean="0">
+              <a:solidFill>
+                <a:schemeClr val="tx1"/>
+              </a:solidFill>
+              <a:sym typeface="+mn-ea"/>
+            </a:endParaRPr>
+          </a:p>
+          <a:p>
+            <a:pPr>
+              <a:lnSpc>
+                <a:spcPct val="130000"/>
+              </a:lnSpc>
+            </a:pPr>
+            <a:endParaRPr kumimoji="0" lang="zh-CN" altLang="en-US" sz="3200" dirty="0" smtClean="0">
+              <a:solidFill>
+                <a:schemeClr val="tx1"/>
+              </a:solidFill>
+              <a:sym typeface="+mn-ea"/>
+            </a:endParaRPr>
+          </a:p>
+          <a:p>
+            <a:pPr eaLnBrk="1" hangingPunct="1">
+              <a:lnSpc>
+                <a:spcPct val="150000"/>
+              </a:lnSpc>
+            </a:pPr>
+            <a:endParaRPr kumimoji="0" lang="en-US" altLang="zh-CN" sz="3600" dirty="0" smtClean="0">
+              <a:solidFill>
+                <a:schemeClr val="tx1"/>
+              </a:solidFill>
+            </a:endParaRPr>
+          </a:p>
+          <a:p>
+            <a:pPr eaLnBrk="1" hangingPunct="1">
+              <a:lnSpc>
+                <a:spcPct val="150000"/>
+              </a:lnSpc>
+            </a:pPr>
+            <a:endParaRPr kumimoji="0" lang="zh-CN" altLang="en-US" dirty="0" smtClean="0">
+              <a:solidFill>
+                <a:schemeClr val="tx1"/>
+              </a:solidFill>
+            </a:endParaRPr>
+          </a:p>
+        </p:txBody>
+      </p:sp>
+      <p:sp>
+        <p:nvSpPr>
+          <p:cNvPr id="6" name="文本框 5"/>
+          <p:cNvSpPr txBox="1"/>
+          <p:nvPr/>
+        </p:nvSpPr>
+        <p:spPr>
+          <a:xfrm>
+            <a:off x="6385560" y="4805680"/>
+            <a:ext cx="2897505" cy="1106805"/>
+          </a:xfrm>
+          <a:prstGeom prst="rect">
+            <a:avLst/>
+          </a:prstGeom>
+          <a:noFill/>
+        </p:spPr>
+        <p:txBody>
+          <a:bodyPr wrap="square" rtlCol="0">
+            <a:spAutoFit/>
+          </a:bodyPr>
+          <a:lstStyle/>
+          <a:p>
+            <a:pPr algn="l"/>
+            <a:r>
+              <a:rPr lang="zh-CN" altLang="en-US" sz="2200">
+                <a:solidFill>
+                  <a:schemeClr val="tx1"/>
+                </a:solidFill>
+                <a:latin typeface="+mn-ea"/>
+                <a:ea typeface="+mn-ea"/>
+              </a:rPr>
+              <a:t>左侧实例输出什么</a:t>
+            </a:r>
+            <a:r>
+              <a:rPr lang="zh-CN" sz="2200">
+                <a:solidFill>
+                  <a:schemeClr val="tx1"/>
+                </a:solidFill>
+                <a:latin typeface="+mn-ea"/>
+                <a:ea typeface="+mn-ea"/>
+              </a:rPr>
+              <a:t>？</a:t>
+            </a:r>
+            <a:endParaRPr lang="zh-CN" sz="2200">
+              <a:solidFill>
+                <a:schemeClr val="tx1"/>
+              </a:solidFill>
+              <a:latin typeface="+mn-ea"/>
+              <a:ea typeface="+mn-ea"/>
+            </a:endParaRPr>
+          </a:p>
+          <a:p>
+            <a:pPr algn="l"/>
+            <a:r>
+              <a:rPr lang="zh-CN" altLang="en-US" sz="2200">
+                <a:solidFill>
+                  <a:srgbClr val="FF0000"/>
+                </a:solidFill>
+                <a:latin typeface="+mn-ea"/>
+                <a:ea typeface="+mn-ea"/>
+                <a:sym typeface="+mn-ea"/>
+              </a:rPr>
+              <a:t>使用断点调试查看代码的运行状况</a:t>
+            </a:r>
+            <a:endParaRPr lang="zh-CN" sz="2200">
+              <a:solidFill>
+                <a:schemeClr val="tx1"/>
+              </a:solidFill>
+              <a:latin typeface="+mn-ea"/>
+              <a:ea typeface="+mn-ea"/>
+            </a:endParaRPr>
+          </a:p>
+        </p:txBody>
+      </p:sp>
+    </p:spTree>
+  </p:cSld>
+  <p:clrMapOvr>
+    <a:masterClrMapping/>
+  </p:clrMapOvr>
+  <p:timing>
+    <p:tnLst>
+      <p:par>
+        <p:cTn id="1" dur="indefinite" restart="never" nodeType="tmRoot">
+          <p:childTnLst>
+            <p:seq concurrent="1" nextAc="seek">
+              <p:cTn id="2" dur="indefinite" nodeType="mainSeq">
+                <p:childTnLst>
+                  <p:par>
+                    <p:cTn id="3" fill="hold">
+                      <p:stCondLst>
+                        <p:cond delay="indefinite"/>
+                      </p:stCondLst>
+                      <p:childTnLst>
+                        <p:par>
+                          <p:cTn id="4" fill="hold">
+                            <p:stCondLst>
+                              <p:cond delay="0"/>
+                            </p:stCondLst>
+                            <p:childTnLst>
+                              <p:par>
+                                <p:cTn id="5" presetID="2" presetClass="entr" presetSubtype="4" fill="hold" nodeType="clickEffect">
+                                  <p:stCondLst>
+                                    <p:cond delay="0"/>
+                                  </p:stCondLst>
+                                  <p:childTnLst>
+                                    <p:set>
+                                      <p:cBhvr>
+                                        <p:cTn id="6" dur="1" fill="hold">
+                                          <p:stCondLst>
+                                            <p:cond delay="0"/>
+                                          </p:stCondLst>
+                                        </p:cTn>
+                                        <p:tgtEl>
+                                          <p:spTgt spid="3"/>
+                                        </p:tgtEl>
+                                        <p:attrNameLst>
+                                          <p:attrName>style.visibility</p:attrName>
+                                        </p:attrNameLst>
+                                      </p:cBhvr>
+                                      <p:to>
+                                        <p:strVal val="visible"/>
+                                      </p:to>
+                                    </p:set>
+                                    <p:anim calcmode="lin" valueType="num">
+                                      <p:cBhvr additive="base">
+                                        <p:cTn id="7" dur="500" fill="hold"/>
+                                        <p:tgtEl>
+                                          <p:spTgt spid="3"/>
+                                        </p:tgtEl>
+                                        <p:attrNameLst>
+                                          <p:attrName>ppt_x</p:attrName>
+                                        </p:attrNameLst>
+                                      </p:cBhvr>
+                                      <p:tavLst>
+                                        <p:tav tm="0">
+                                          <p:val>
+                                            <p:strVal val="#ppt_x"/>
+                                          </p:val>
+                                        </p:tav>
+                                        <p:tav tm="100000">
+                                          <p:val>
+                                            <p:strVal val="#ppt_x"/>
+                                          </p:val>
+                                        </p:tav>
+                                      </p:tavLst>
+                                    </p:anim>
+                                    <p:anim calcmode="lin" valueType="num">
+                                      <p:cBhvr additive="base">
+                                        <p:cTn id="8" dur="500" fill="hold"/>
+                                        <p:tgtEl>
+                                          <p:spTgt spid="3"/>
+                                        </p:tgtEl>
+                                        <p:attrNameLst>
+                                          <p:attrName>ppt_y</p:attrName>
+                                        </p:attrNameLst>
+                                      </p:cBhvr>
+                                      <p:tavLst>
+                                        <p:tav tm="0">
+                                          <p:val>
+                                            <p:strVal val="1+#ppt_h/2"/>
+                                          </p:val>
+                                        </p:tav>
+                                        <p:tav tm="100000">
+                                          <p:val>
+                                            <p:strVal val="#ppt_y"/>
+                                          </p:val>
+                                        </p:tav>
+                                      </p:tavLst>
+                                    </p:anim>
+                                  </p:childTnLst>
+                                </p:cTn>
+                              </p:par>
+                            </p:childTnLst>
+                          </p:cTn>
+                        </p:par>
+                        <p:par>
+                          <p:cTn id="9" fill="hold">
+                            <p:stCondLst>
+                              <p:cond delay="500"/>
+                            </p:stCondLst>
+                            <p:childTnLst>
+                              <p:par>
+                                <p:cTn id="10" presetID="2" presetClass="entr" presetSubtype="4" fill="hold" grpId="0" nodeType="afterEffect">
+                                  <p:stCondLst>
+                                    <p:cond delay="0"/>
+                                  </p:stCondLst>
+                                  <p:childTnLst>
+                                    <p:set>
+                                      <p:cBhvr>
+                                        <p:cTn id="11" dur="1" fill="hold">
+                                          <p:stCondLst>
+                                            <p:cond delay="0"/>
+                                          </p:stCondLst>
+                                        </p:cTn>
+                                        <p:tgtEl>
+                                          <p:spTgt spid="4"/>
+                                        </p:tgtEl>
+                                        <p:attrNameLst>
+                                          <p:attrName>style.visibility</p:attrName>
+                                        </p:attrNameLst>
+                                      </p:cBhvr>
+                                      <p:to>
+                                        <p:strVal val="visible"/>
+                                      </p:to>
+                                    </p:set>
+                                    <p:anim calcmode="lin" valueType="num">
+                                      <p:cBhvr additive="base">
+                                        <p:cTn id="12" dur="500" fill="hold"/>
+                                        <p:tgtEl>
+                                          <p:spTgt spid="4"/>
+                                        </p:tgtEl>
+                                        <p:attrNameLst>
+                                          <p:attrName>ppt_x</p:attrName>
+                                        </p:attrNameLst>
+                                      </p:cBhvr>
+                                      <p:tavLst>
+                                        <p:tav tm="0">
+                                          <p:val>
+                                            <p:strVal val="#ppt_x"/>
+                                          </p:val>
+                                        </p:tav>
+                                        <p:tav tm="100000">
+                                          <p:val>
+                                            <p:strVal val="#ppt_x"/>
+                                          </p:val>
+                                        </p:tav>
+                                      </p:tavLst>
+                                    </p:anim>
+                                    <p:anim calcmode="lin" valueType="num">
+                                      <p:cBhvr additive="base">
+                                        <p:cTn id="13" dur="500" fill="hold"/>
+                                        <p:tgtEl>
+                                          <p:spTgt spid="4"/>
+                                        </p:tgtEl>
+                                        <p:attrNameLst>
+                                          <p:attrName>ppt_y</p:attrName>
+                                        </p:attrNameLst>
+                                      </p:cBhvr>
+                                      <p:tavLst>
+                                        <p:tav tm="0">
+                                          <p:val>
+                                            <p:strVal val="1+#ppt_h/2"/>
+                                          </p:val>
+                                        </p:tav>
+                                        <p:tav tm="100000">
+                                          <p:val>
+                                            <p:strVal val="#ppt_y"/>
+                                          </p:val>
+                                        </p:tav>
+                                      </p:tavLst>
+                                    </p:anim>
+                                  </p:childTnLst>
+                                </p:cTn>
+                              </p:par>
+                            </p:childTnLst>
+                          </p:cTn>
+                        </p:par>
+                        <p:par>
+                          <p:cTn id="14" fill="hold">
+                            <p:stCondLst>
+                              <p:cond delay="1000"/>
+                            </p:stCondLst>
+                            <p:childTnLst>
+                              <p:par>
+                                <p:cTn id="15" presetID="2" presetClass="entr" presetSubtype="4" fill="hold" grpId="0" nodeType="afterEffect">
+                                  <p:stCondLst>
+                                    <p:cond delay="0"/>
+                                  </p:stCondLst>
+                                  <p:childTnLst>
+                                    <p:set>
+                                      <p:cBhvr>
+                                        <p:cTn id="16" dur="1" fill="hold">
+                                          <p:stCondLst>
+                                            <p:cond delay="0"/>
+                                          </p:stCondLst>
+                                        </p:cTn>
+                                        <p:tgtEl>
+                                          <p:spTgt spid="6"/>
+                                        </p:tgtEl>
+                                        <p:attrNameLst>
+                                          <p:attrName>style.visibility</p:attrName>
+                                        </p:attrNameLst>
+                                      </p:cBhvr>
+                                      <p:to>
+                                        <p:strVal val="visible"/>
+                                      </p:to>
+                                    </p:set>
+                                    <p:anim calcmode="lin" valueType="num">
+                                      <p:cBhvr additive="base">
+                                        <p:cTn id="17" dur="500" fill="hold"/>
+                                        <p:tgtEl>
+                                          <p:spTgt spid="6"/>
+                                        </p:tgtEl>
+                                        <p:attrNameLst>
+                                          <p:attrName>ppt_x</p:attrName>
+                                        </p:attrNameLst>
+                                      </p:cBhvr>
+                                      <p:tavLst>
+                                        <p:tav tm="0">
+                                          <p:val>
+                                            <p:strVal val="#ppt_x"/>
+                                          </p:val>
+                                        </p:tav>
+                                        <p:tav tm="100000">
+                                          <p:val>
+                                            <p:strVal val="#ppt_x"/>
+                                          </p:val>
+                                        </p:tav>
+                                      </p:tavLst>
+                                    </p:anim>
+                                    <p:anim calcmode="lin" valueType="num">
+                                      <p:cBhvr additive="base">
+                                        <p:cTn id="18" dur="500" fill="hold"/>
+                                        <p:tgtEl>
+                                          <p:spTgt spid="6"/>
+                                        </p:tgtEl>
+                                        <p:attrNameLst>
+                                          <p:attrName>ppt_y</p:attrName>
+                                        </p:attrNameLst>
+                                      </p:cBhvr>
+                                      <p:tavLst>
+                                        <p:tav tm="0">
+                                          <p:val>
+                                            <p:strVal val="1+#ppt_h/2"/>
+                                          </p:val>
+                                        </p:tav>
+                                        <p:tav tm="100000">
+                                          <p:val>
+                                            <p:strVal val="#ppt_y"/>
+                                          </p:val>
+                                        </p:tav>
+                                      </p:tavLst>
+                                    </p:anim>
+                                  </p:childTnLst>
+                                </p:cTn>
+                              </p:par>
+                            </p:childTnLst>
+                          </p:cTn>
+                        </p:par>
+                      </p:childTnLst>
+                    </p:cTn>
+                  </p:par>
+                </p:childTnLst>
+              </p:cTn>
+              <p:prevCondLst>
+                <p:cond evt="onPrev" delay="0">
+                  <p:tgtEl>
+                    <p:sldTgt/>
+                  </p:tgtEl>
+                </p:cond>
+              </p:prevCondLst>
+              <p:nextCondLst>
+                <p:cond evt="onNext" delay="0">
+                  <p:tgtEl>
+                    <p:sldTgt/>
+                  </p:tgtEl>
+                </p:cond>
+              </p:nextCondLst>
+            </p:seq>
+          </p:childTnLst>
+        </p:cTn>
+      </p:par>
+    </p:tnLst>
+    <p:bldLst>
+      <p:bldP spid="4" grpId="0"/>
+      <p:bldP spid="6" grpId="0"/>
+    </p:bldLst>
+  </p:timing>
+</p:sld>
+</file>
+
+<file path=ppt/slides/slide11.xml><?xml version="1.0" encoding="utf-8"?>
+<p:sld xmlns:a="http://schemas.openxmlformats.org/drawingml/2006/main" xmlns:r="http://schemas.openxmlformats.org/officeDocument/2006/relationships" xmlns:p="http://schemas.openxmlformats.org/presentationml/2006/main">
+  <p:cSld>
+    <p:spTree>
+      <p:nvGrpSpPr>
+        <p:cNvPr id="1" name=""/>
+        <p:cNvGrpSpPr/>
+        <p:nvPr/>
+      </p:nvGrpSpPr>
+      <p:grpSpPr>
+        <a:xfrm>
+          <a:off x="0" y="0"/>
+          <a:ext cx="0" cy="0"/>
+          <a:chOff x="0" y="0"/>
+          <a:chExt cx="0" cy="0"/>
+        </a:xfrm>
+      </p:grpSpPr>
+      <p:sp>
+        <p:nvSpPr>
           <p:cNvPr id="5123" name="AutoShape 6"/>
           <p:cNvSpPr>
             <a:spLocks noChangeArrowheads="1"/>
@@ -4184,7 +5131,7 @@
 </p:sld>
 </file>
 
-<file path=ppt/slides/slide11.xml><?xml version="1.0" encoding="utf-8"?>
+<file path=ppt/slides/slide12.xml><?xml version="1.0" encoding="utf-8"?>
 <p:sld xmlns:a="http://schemas.openxmlformats.org/drawingml/2006/main" xmlns:r="http://schemas.openxmlformats.org/officeDocument/2006/relationships" xmlns:p="http://schemas.openxmlformats.org/presentationml/2006/main">
   <p:cSld>
     <p:spTree>
@@ -4214,7 +5161,7 @@
         <p:spPr>
           <a:xfrm>
             <a:off x="981710" y="840105"/>
-            <a:ext cx="9776460" cy="5196205"/>
+            <a:ext cx="10224135" cy="5196205"/>
           </a:xfrm>
         </p:spPr>
         <p:txBody>
@@ -4264,7 +5211,7 @@
                 </a:solidFill>
                 <a:sym typeface="+mn-ea"/>
               </a:rPr>
-              <a:t>使得函数中的变量都被保存在内存中不被释放</a:t>
+              <a:t>使函数中的变量被保存在内存中不被释放（单例模式）</a:t>
             </a:r>
             <a:endParaRPr lang="zh-CN" altLang="en-US" sz="3200" dirty="0" smtClean="0">
               <a:solidFill>
@@ -5093,7 +6040,7 @@
 </p:sld>
 </file>
 
-<file path=ppt/slides/slide12.xml><?xml version="1.0" encoding="utf-8"?>
+<file path=ppt/slides/slide13.xml><?xml version="1.0" encoding="utf-8"?>
 <p:sld xmlns:a="http://schemas.openxmlformats.org/drawingml/2006/main" xmlns:r="http://schemas.openxmlformats.org/officeDocument/2006/relationships" xmlns:p="http://schemas.openxmlformats.org/presentationml/2006/main">
   <p:cSld>
     <p:spTree>
@@ -5957,7 +6904,7 @@
 </p:sld>
 </file>
 
-<file path=ppt/slides/slide13.xml><?xml version="1.0" encoding="utf-8"?>
+<file path=ppt/slides/slide14.xml><?xml version="1.0" encoding="utf-8"?>
 <p:sld xmlns:a="http://schemas.openxmlformats.org/drawingml/2006/main" xmlns:r="http://schemas.openxmlformats.org/officeDocument/2006/relationships" xmlns:p="http://schemas.openxmlformats.org/presentationml/2006/main">
   <p:cSld>
     <p:spTree>
@@ -6000,7 +6947,7 @@
               </a:lnSpc>
             </a:pPr>
             <a:r>
-              <a:rPr lang="zh-CN" altLang="en-US" sz="3200" dirty="0">
+              <a:rPr lang="zh-CN" altLang="en-US" dirty="0">
                 <a:solidFill>
                   <a:schemeClr val="tx1"/>
                 </a:solidFill>
@@ -6008,7 +6955,7 @@
               </a:rPr>
               <a:t>由于闭包会使得函数中的变量都被保存在内存中，内存消耗很大，所以不能滥用闭包</a:t>
             </a:r>
-            <a:endParaRPr lang="zh-CN" altLang="en-US" sz="3200" dirty="0">
+            <a:endParaRPr lang="zh-CN" altLang="en-US" dirty="0">
               <a:solidFill>
                 <a:schemeClr val="tx1"/>
               </a:solidFill>
@@ -6022,7 +6969,7 @@
               </a:lnSpc>
             </a:pPr>
             <a:r>
-              <a:rPr lang="zh-CN" altLang="en-US" sz="3200" dirty="0">
+              <a:rPr lang="zh-CN" altLang="en-US" dirty="0">
                 <a:solidFill>
                   <a:schemeClr val="tx1"/>
                 </a:solidFill>
@@ -6030,7 +6977,7 @@
               </a:rPr>
               <a:t>使用闭包时要注意不经意的变量共享问题，可以通过立即执行表达式来解决</a:t>
             </a:r>
-            <a:endParaRPr lang="zh-CN" altLang="en-US" sz="3200" dirty="0">
+            <a:endParaRPr lang="zh-CN" altLang="en-US" dirty="0">
               <a:solidFill>
                 <a:schemeClr val="tx1"/>
               </a:solidFill>
@@ -6316,7 +7263,7 @@
 </p:sld>
 </file>
 
-<file path=ppt/slides/slide14.xml><?xml version="1.0" encoding="utf-8"?>
+<file path=ppt/slides/slide15.xml><?xml version="1.0" encoding="utf-8"?>
 <p:sld xmlns:a="http://schemas.openxmlformats.org/drawingml/2006/main" xmlns:r="http://schemas.openxmlformats.org/officeDocument/2006/relationships" xmlns:p="http://schemas.openxmlformats.org/presentationml/2006/main">
   <p:cSld>
     <p:spTree>
@@ -6520,7 +7467,7 @@
 </p:sld>
 </file>
 
-<file path=ppt/slides/slide15.xml><?xml version="1.0" encoding="utf-8"?>
+<file path=ppt/slides/slide16.xml><?xml version="1.0" encoding="utf-8"?>
 <p:sld xmlns:a="http://schemas.openxmlformats.org/drawingml/2006/main" xmlns:r="http://schemas.openxmlformats.org/officeDocument/2006/relationships" xmlns:p="http://schemas.openxmlformats.org/presentationml/2006/main">
   <p:cSld>
     <p:spTree>
@@ -6630,14 +7577,27 @@
               </a:lnSpc>
             </a:pPr>
             <a:r>
-              <a:rPr lang="en-US" altLang="zh-CN" sz="3200" dirty="0">
+              <a:rPr lang="zh-CN" altLang="en-US" sz="3200" dirty="0">
                 <a:solidFill>
                   <a:schemeClr val="tx1"/>
                 </a:solidFill>
                 <a:sym typeface="+mn-ea"/>
               </a:rPr>
-              <a:t>codefordream</a:t>
-            </a:r>
+              <a:t>雪梨上完成任务（要求有截图，体现完成的项目，用户名，完成的程度）</a:t>
+            </a:r>
+            <a:endParaRPr lang="zh-CN" altLang="en-US" sz="3200" dirty="0">
+              <a:solidFill>
+                <a:schemeClr val="tx1"/>
+              </a:solidFill>
+              <a:sym typeface="+mn-ea"/>
+            </a:endParaRPr>
+          </a:p>
+          <a:p>
+            <a:pPr>
+              <a:lnSpc>
+                <a:spcPct val="130000"/>
+              </a:lnSpc>
+            </a:pPr>
             <a:r>
               <a:rPr lang="zh-CN" altLang="en-US" sz="3200" dirty="0">
                 <a:solidFill>
@@ -6645,38 +7605,11 @@
                 </a:solidFill>
                 <a:sym typeface="+mn-ea"/>
               </a:rPr>
-              <a:t>网站</a:t>
-            </a:r>
-            <a:r>
-              <a:rPr lang="en-US" altLang="zh-CN" sz="3200" dirty="0">
-                <a:solidFill>
-                  <a:schemeClr val="tx1"/>
-                </a:solidFill>
-                <a:sym typeface="+mn-ea"/>
-              </a:rPr>
-              <a:t>上</a:t>
-            </a:r>
-            <a:r>
-              <a:rPr lang="en-US" altLang="zh-CN" sz="3200" dirty="0">
-                <a:solidFill>
-                  <a:srgbClr val="FF0000"/>
-                </a:solidFill>
-                <a:sym typeface="+mn-ea"/>
-              </a:rPr>
-              <a:t>JavaScript</a:t>
-            </a:r>
-            <a:r>
-              <a:rPr lang="zh-CN" altLang="en-US" sz="3200" dirty="0">
-                <a:solidFill>
-                  <a:srgbClr val="FF0000"/>
-                </a:solidFill>
-                <a:sym typeface="+mn-ea"/>
-              </a:rPr>
-              <a:t>中级</a:t>
-            </a:r>
-            <a:endParaRPr lang="en-US" altLang="zh-CN" sz="3200" dirty="0">
+              <a:t>复习本章内容及练习</a:t>
+            </a:r>
+            <a:endParaRPr lang="zh-CN" altLang="en-US" sz="3200" dirty="0">
               <a:solidFill>
-                <a:srgbClr val="FF0000"/>
+                <a:schemeClr val="tx1"/>
               </a:solidFill>
               <a:sym typeface="+mn-ea"/>
             </a:endParaRPr>
@@ -7289,71 +8222,17 @@
               </a:lnSpc>
             </a:pPr>
             <a:r>
-              <a:rPr kumimoji="0" lang="zh-CN" altLang="en-US" sz="3200" dirty="0" smtClean="0">
+              <a:rPr kumimoji="0" lang="zh-CN" altLang="en-US" dirty="0" smtClean="0">
                 <a:solidFill>
                   <a:schemeClr val="tx1"/>
                 </a:solidFill>
                 <a:sym typeface="+mn-ea"/>
               </a:rPr>
-              <a:t>闭包</a:t>
-            </a:r>
-            <a:r>
-              <a:rPr kumimoji="0" lang="zh-CN" altLang="en-US" sz="3200" dirty="0">
-                <a:solidFill>
-                  <a:schemeClr val="tx1"/>
-                </a:solidFill>
-                <a:sym typeface="+mn-ea"/>
-              </a:rPr>
-              <a:t>是由</a:t>
-            </a:r>
-            <a:r>
-              <a:rPr kumimoji="0" lang="zh-CN" altLang="en-US" sz="3200" dirty="0">
-                <a:solidFill>
-                  <a:schemeClr val="accent3"/>
-                </a:solidFill>
-                <a:sym typeface="+mn-ea"/>
-              </a:rPr>
-              <a:t>函数</a:t>
-            </a:r>
-            <a:r>
-              <a:rPr kumimoji="0" lang="zh-CN" altLang="en-US" sz="3200" dirty="0">
-                <a:solidFill>
-                  <a:schemeClr val="tx1"/>
-                </a:solidFill>
-                <a:sym typeface="+mn-ea"/>
-              </a:rPr>
-              <a:t>和</a:t>
-            </a:r>
-            <a:r>
-              <a:rPr kumimoji="0" lang="zh-CN" altLang="en-US" sz="3200" dirty="0">
-                <a:solidFill>
-                  <a:schemeClr val="accent3"/>
-                </a:solidFill>
-                <a:sym typeface="+mn-ea"/>
-              </a:rPr>
-              <a:t>与其相关的引用环境</a:t>
-            </a:r>
-            <a:r>
-              <a:rPr kumimoji="0" lang="zh-CN" altLang="en-US" sz="3200" dirty="0">
-                <a:solidFill>
-                  <a:schemeClr val="tx1"/>
-                </a:solidFill>
-                <a:sym typeface="+mn-ea"/>
-              </a:rPr>
-              <a:t>组合而成的</a:t>
-            </a:r>
-            <a:r>
-              <a:rPr kumimoji="0" lang="zh-CN" altLang="en-US" sz="3200" dirty="0" smtClean="0">
-                <a:solidFill>
-                  <a:srgbClr val="FF0000"/>
-                </a:solidFill>
-                <a:sym typeface="+mn-ea"/>
-              </a:rPr>
-              <a:t>实体</a:t>
-            </a:r>
-            <a:endParaRPr kumimoji="0" lang="zh-CN" altLang="en-US" sz="3200" dirty="0" smtClean="0">
+              <a:t>思考：函数内的局部变量，是否能在函数外得到</a:t>
+            </a:r>
+            <a:endParaRPr kumimoji="0" lang="zh-CN" altLang="en-US" dirty="0" smtClean="0">
               <a:solidFill>
-                <a:srgbClr val="FF0000"/>
+                <a:schemeClr val="tx1"/>
               </a:solidFill>
               <a:sym typeface="+mn-ea"/>
             </a:endParaRPr>
@@ -7365,78 +8244,29 @@
               </a:lnSpc>
             </a:pPr>
             <a:r>
-              <a:rPr kumimoji="0" lang="zh-CN" altLang="en-US" sz="3200" dirty="0">
+              <a:rPr kumimoji="0" lang="zh-CN" altLang="en-US" dirty="0" smtClean="0">
                 <a:solidFill>
                   <a:schemeClr val="tx1"/>
                 </a:solidFill>
                 <a:sym typeface="+mn-ea"/>
               </a:rPr>
-              <a:t>闭包是</a:t>
-            </a:r>
-            <a:r>
-              <a:rPr kumimoji="0" lang="zh-CN" altLang="en-US" sz="3200" dirty="0">
-                <a:solidFill>
-                  <a:schemeClr val="accent3"/>
-                </a:solidFill>
-                <a:sym typeface="+mn-ea"/>
-              </a:rPr>
-              <a:t>词法作用域中</a:t>
-            </a:r>
-            <a:r>
-              <a:rPr kumimoji="0" lang="zh-CN" altLang="en-US" sz="3200" dirty="0" smtClean="0">
-                <a:solidFill>
-                  <a:schemeClr val="tx1"/>
-                </a:solidFill>
-                <a:sym typeface="+mn-ea"/>
-              </a:rPr>
-              <a:t>的</a:t>
-            </a:r>
-            <a:r>
-              <a:rPr kumimoji="0" lang="zh-CN" altLang="en-US" sz="3200" dirty="0">
-                <a:solidFill>
-                  <a:schemeClr val="accent3"/>
-                </a:solidFill>
-                <a:sym typeface="+mn-ea"/>
-              </a:rPr>
-              <a:t>函数</a:t>
-            </a:r>
-            <a:r>
-              <a:rPr kumimoji="0" lang="zh-CN" altLang="en-US" sz="3200" dirty="0">
-                <a:solidFill>
-                  <a:schemeClr val="tx1"/>
-                </a:solidFill>
-                <a:sym typeface="+mn-ea"/>
-              </a:rPr>
-              <a:t>和其</a:t>
-            </a:r>
-            <a:r>
-              <a:rPr kumimoji="0" lang="zh-CN" altLang="en-US" sz="3200" dirty="0">
-                <a:solidFill>
-                  <a:schemeClr val="accent3"/>
-                </a:solidFill>
-                <a:sym typeface="+mn-ea"/>
-              </a:rPr>
-              <a:t>相关变量</a:t>
-            </a:r>
-            <a:r>
-              <a:rPr kumimoji="0" lang="zh-CN" altLang="en-US" sz="3200" dirty="0">
-                <a:solidFill>
-                  <a:schemeClr val="tx1"/>
-                </a:solidFill>
-                <a:sym typeface="+mn-ea"/>
-              </a:rPr>
-              <a:t>的</a:t>
-            </a:r>
-            <a:r>
-              <a:rPr kumimoji="0" lang="zh-CN" altLang="en-US" sz="3200" dirty="0">
-                <a:solidFill>
-                  <a:schemeClr val="accent3"/>
-                </a:solidFill>
-                <a:sym typeface="+mn-ea"/>
-              </a:rPr>
-              <a:t>包裹体</a:t>
-            </a:r>
-            <a:endParaRPr kumimoji="0" lang="zh-CN" altLang="en-US" sz="3200" dirty="0" smtClean="0">
+              <a:t>有什么方法能读写函数内部的局部变量</a:t>
+            </a:r>
+            <a:endParaRPr kumimoji="0" lang="zh-CN" altLang="en-US" dirty="0" smtClean="0">
+              <a:solidFill>
+                <a:schemeClr val="tx1"/>
+              </a:solidFill>
+              <a:sym typeface="+mn-ea"/>
+            </a:endParaRPr>
+          </a:p>
+          <a:p>
+            <a:pPr marL="0" indent="0">
+              <a:lnSpc>
+                <a:spcPct val="130000"/>
+              </a:lnSpc>
+              <a:buNone/>
+            </a:pPr>
+            <a:endParaRPr kumimoji="0" lang="zh-CN" altLang="en-US" dirty="0" smtClean="0">
               <a:solidFill>
                 <a:schemeClr val="accent3"/>
               </a:solidFill>
@@ -7493,7 +8323,7 @@
         </p:nvSpPr>
         <p:spPr>
           <a:xfrm>
-            <a:off x="947204" y="308698"/>
+            <a:off x="875449" y="236943"/>
             <a:ext cx="8191557" cy="490476"/>
           </a:xfrm>
         </p:spPr>
@@ -7505,34 +8335,72 @@
               <a:rPr kumimoji="0" lang="zh-CN" altLang="en-US" dirty="0">
                 <a:sym typeface="+mn-ea"/>
               </a:rPr>
-              <a:t>闭包（</a:t>
-            </a:r>
-            <a:r>
-              <a:rPr kumimoji="0" lang="en-US" altLang="zh-CN" dirty="0">
-                <a:sym typeface="+mn-ea"/>
-              </a:rPr>
-              <a:t>closure</a:t>
-            </a:r>
-            <a:r>
-              <a:rPr kumimoji="0" lang="zh-CN" altLang="en-US" dirty="0">
-                <a:sym typeface="+mn-ea"/>
-              </a:rPr>
-              <a:t>）的概念</a:t>
-            </a:r>
-            <a:endParaRPr kumimoji="0" lang="zh-CN" altLang="en-US" dirty="0"/>
+              <a:t>闭包（引入案例）</a:t>
+            </a:r>
+            <a:endParaRPr kumimoji="0" lang="en-US" dirty="0"/>
           </a:p>
         </p:txBody>
       </p:sp>
+      <p:pic>
+        <p:nvPicPr>
+          <p:cNvPr id="3" name="图片 2" descr="C:\Users\qile\Desktop\总结\120.png120"/>
+          <p:cNvPicPr>
+            <a:picLocks noChangeAspect="1"/>
+          </p:cNvPicPr>
+          <p:nvPr/>
+        </p:nvPicPr>
+        <p:blipFill>
+          <a:blip r:embed="rId1"/>
+          <a:srcRect/>
+          <a:stretch>
+            <a:fillRect/>
+          </a:stretch>
+        </p:blipFill>
+        <p:spPr>
+          <a:xfrm>
+            <a:off x="5634990" y="2280285"/>
+            <a:ext cx="4060825" cy="3619500"/>
+          </a:xfrm>
+          <a:prstGeom prst="rect">
+            <a:avLst/>
+          </a:prstGeom>
+        </p:spPr>
+      </p:pic>
+      <p:pic>
+        <p:nvPicPr>
+          <p:cNvPr id="4" name="图片 3" descr="C:\Users\qile\Desktop\总结\119.png119"/>
+          <p:cNvPicPr>
+            <a:picLocks noChangeAspect="1"/>
+          </p:cNvPicPr>
+          <p:nvPr/>
+        </p:nvPicPr>
+        <p:blipFill>
+          <a:blip r:embed="rId2"/>
+          <a:srcRect/>
+          <a:stretch>
+            <a:fillRect/>
+          </a:stretch>
+        </p:blipFill>
+        <p:spPr>
+          <a:xfrm>
+            <a:off x="1212215" y="2258378"/>
+            <a:ext cx="3740150" cy="3591560"/>
+          </a:xfrm>
+          <a:prstGeom prst="rect">
+            <a:avLst/>
+          </a:prstGeom>
+        </p:spPr>
+      </p:pic>
       <p:sp>
         <p:nvSpPr>
-          <p:cNvPr id="9" name="文本框 8"/>
+          <p:cNvPr id="5" name="文本框 4"/>
           <p:cNvSpPr txBox="1"/>
           <p:nvPr/>
         </p:nvSpPr>
         <p:spPr>
           <a:xfrm>
-            <a:off x="5891530" y="2382520"/>
-            <a:ext cx="4751705" cy="3476625"/>
+            <a:off x="5182235" y="6075680"/>
+            <a:ext cx="4966335" cy="768350"/>
           </a:xfrm>
           <a:prstGeom prst="rect">
             <a:avLst/>
@@ -7543,266 +8411,686 @@
           <a:bodyPr wrap="square" rtlCol="0">
             <a:spAutoFit/>
           </a:bodyPr>
-          <a:lstStyle/>
           <a:p>
             <a:pPr algn="l"/>
             <a:r>
               <a:rPr lang="zh-CN" sz="2200">
                 <a:solidFill>
-                  <a:schemeClr val="tx1"/>
+                  <a:srgbClr val="FF0000"/>
                 </a:solidFill>
                 <a:latin typeface="+mn-ea"/>
                 <a:ea typeface="+mn-ea"/>
               </a:rPr>
-              <a:t>函数</a:t>
+              <a:t>思考上述两段代码的区别，哪一个</a:t>
             </a:r>
             <a:r>
               <a:rPr lang="en-US" altLang="zh-CN" sz="2200">
                 <a:solidFill>
-                  <a:schemeClr val="accent3"/>
+                  <a:srgbClr val="FF0000"/>
                 </a:solidFill>
                 <a:latin typeface="+mn-ea"/>
                 <a:ea typeface="+mn-ea"/>
               </a:rPr>
-              <a:t>bar</a:t>
+              <a:t>x</a:t>
             </a:r>
             <a:r>
               <a:rPr lang="zh-CN" altLang="en-US" sz="2200">
                 <a:solidFill>
-                  <a:schemeClr val="tx1"/>
+                  <a:srgbClr val="FF0000"/>
                 </a:solidFill>
                 <a:latin typeface="+mn-ea"/>
                 <a:ea typeface="+mn-ea"/>
               </a:rPr>
-              <a:t>和</a:t>
-            </a:r>
-            <a:r>
-              <a:rPr lang="zh-CN" sz="2200">
-                <a:solidFill>
-                  <a:schemeClr val="tx1"/>
+              <a:t>未</a:t>
+            </a:r>
+            <a:r>
+              <a:rPr lang="zh-CN" altLang="en-US" sz="2200">
+                <a:solidFill>
+                  <a:srgbClr val="FF0000"/>
                 </a:solidFill>
                 <a:latin typeface="+mn-ea"/>
                 <a:ea typeface="+mn-ea"/>
               </a:rPr>
-              <a:t>其</a:t>
-            </a:r>
-            <a:r>
-              <a:rPr lang="zh-CN" altLang="en-US" sz="2200">
-                <a:solidFill>
-                  <a:schemeClr val="tx1"/>
+              <a:t>被释放，在</a:t>
+            </a:r>
+            <a:r>
+              <a:rPr lang="en-US" altLang="zh-CN" sz="2200">
+                <a:solidFill>
+                  <a:srgbClr val="FF0000"/>
                 </a:solidFill>
                 <a:latin typeface="+mn-ea"/>
                 <a:ea typeface="+mn-ea"/>
               </a:rPr>
-              <a:t>相关词法上下文中的变量</a:t>
-            </a:r>
-            <a:r>
-              <a:rPr lang="en-US" altLang="zh-CN" sz="2200">
-                <a:solidFill>
-                  <a:schemeClr val="accent3"/>
+              <a:t>chrome</a:t>
+            </a:r>
+            <a:r>
+              <a:rPr lang="zh-CN" altLang="en-US" sz="2200">
+                <a:solidFill>
+                  <a:srgbClr val="FF0000"/>
                 </a:solidFill>
                 <a:latin typeface="+mn-ea"/>
                 <a:ea typeface="+mn-ea"/>
               </a:rPr>
-              <a:t>i</a:t>
-            </a:r>
-            <a:r>
-              <a:rPr lang="zh-CN" altLang="en-US" sz="2200">
-                <a:solidFill>
-                  <a:schemeClr val="tx1"/>
-                </a:solidFill>
-                <a:latin typeface="+mn-ea"/>
-                <a:ea typeface="+mn-ea"/>
-              </a:rPr>
-              <a:t>，构成了一个闭包</a:t>
+              <a:t>中进行断点调试</a:t>
             </a:r>
             <a:endParaRPr lang="zh-CN" altLang="en-US" sz="2200">
               <a:solidFill>
-                <a:schemeClr val="tx1"/>
+                <a:srgbClr val="FF0000"/>
               </a:solidFill>
               <a:latin typeface="+mn-ea"/>
               <a:ea typeface="+mn-ea"/>
             </a:endParaRPr>
           </a:p>
-          <a:p>
-            <a:pPr algn="l"/>
-            <a:endParaRPr lang="en-US" altLang="zh-CN" sz="2200">
+        </p:txBody>
+      </p:sp>
+    </p:spTree>
+  </p:cSld>
+  <p:clrMapOvr>
+    <a:masterClrMapping/>
+  </p:clrMapOvr>
+  <p:timing>
+    <p:tnLst>
+      <p:par>
+        <p:cTn id="1" dur="indefinite" restart="never" nodeType="tmRoot">
+          <p:childTnLst>
+            <p:seq concurrent="1" nextAc="seek">
+              <p:cTn id="2" dur="indefinite" nodeType="mainSeq">
+                <p:childTnLst>
+                  <p:par>
+                    <p:cTn id="3" fill="hold">
+                      <p:stCondLst>
+                        <p:cond delay="indefinite"/>
+                      </p:stCondLst>
+                      <p:childTnLst>
+                        <p:par>
+                          <p:cTn id="4" fill="hold">
+                            <p:stCondLst>
+                              <p:cond delay="0"/>
+                            </p:stCondLst>
+                            <p:childTnLst>
+                              <p:par>
+                                <p:cTn id="5" presetID="2" presetClass="entr" presetSubtype="4" fill="hold" nodeType="clickEffect">
+                                  <p:stCondLst>
+                                    <p:cond delay="0"/>
+                                  </p:stCondLst>
+                                  <p:childTnLst>
+                                    <p:set>
+                                      <p:cBhvr>
+                                        <p:cTn id="6" dur="1" fill="hold">
+                                          <p:stCondLst>
+                                            <p:cond delay="0"/>
+                                          </p:stCondLst>
+                                        </p:cTn>
+                                        <p:tgtEl>
+                                          <p:spTgt spid="4"/>
+                                        </p:tgtEl>
+                                        <p:attrNameLst>
+                                          <p:attrName>style.visibility</p:attrName>
+                                        </p:attrNameLst>
+                                      </p:cBhvr>
+                                      <p:to>
+                                        <p:strVal val="visible"/>
+                                      </p:to>
+                                    </p:set>
+                                    <p:anim calcmode="lin" valueType="num">
+                                      <p:cBhvr additive="base">
+                                        <p:cTn id="7" dur="500" fill="hold"/>
+                                        <p:tgtEl>
+                                          <p:spTgt spid="4"/>
+                                        </p:tgtEl>
+                                        <p:attrNameLst>
+                                          <p:attrName>ppt_x</p:attrName>
+                                        </p:attrNameLst>
+                                      </p:cBhvr>
+                                      <p:tavLst>
+                                        <p:tav tm="0">
+                                          <p:val>
+                                            <p:strVal val="#ppt_x"/>
+                                          </p:val>
+                                        </p:tav>
+                                        <p:tav tm="100000">
+                                          <p:val>
+                                            <p:strVal val="#ppt_x"/>
+                                          </p:val>
+                                        </p:tav>
+                                      </p:tavLst>
+                                    </p:anim>
+                                    <p:anim calcmode="lin" valueType="num">
+                                      <p:cBhvr additive="base">
+                                        <p:cTn id="8" dur="500" fill="hold"/>
+                                        <p:tgtEl>
+                                          <p:spTgt spid="4"/>
+                                        </p:tgtEl>
+                                        <p:attrNameLst>
+                                          <p:attrName>ppt_y</p:attrName>
+                                        </p:attrNameLst>
+                                      </p:cBhvr>
+                                      <p:tavLst>
+                                        <p:tav tm="0">
+                                          <p:val>
+                                            <p:strVal val="1+#ppt_h/2"/>
+                                          </p:val>
+                                        </p:tav>
+                                        <p:tav tm="100000">
+                                          <p:val>
+                                            <p:strVal val="#ppt_y"/>
+                                          </p:val>
+                                        </p:tav>
+                                      </p:tavLst>
+                                    </p:anim>
+                                  </p:childTnLst>
+                                </p:cTn>
+                              </p:par>
+                            </p:childTnLst>
+                          </p:cTn>
+                        </p:par>
+                      </p:childTnLst>
+                    </p:cTn>
+                  </p:par>
+                  <p:par>
+                    <p:cTn id="9" fill="hold">
+                      <p:stCondLst>
+                        <p:cond delay="indefinite"/>
+                      </p:stCondLst>
+                      <p:childTnLst>
+                        <p:par>
+                          <p:cTn id="10" fill="hold">
+                            <p:stCondLst>
+                              <p:cond delay="0"/>
+                            </p:stCondLst>
+                            <p:childTnLst>
+                              <p:par>
+                                <p:cTn id="11" presetID="2" presetClass="entr" presetSubtype="4" fill="hold" nodeType="clickEffect">
+                                  <p:stCondLst>
+                                    <p:cond delay="0"/>
+                                  </p:stCondLst>
+                                  <p:childTnLst>
+                                    <p:set>
+                                      <p:cBhvr>
+                                        <p:cTn id="12" dur="1" fill="hold">
+                                          <p:stCondLst>
+                                            <p:cond delay="0"/>
+                                          </p:stCondLst>
+                                        </p:cTn>
+                                        <p:tgtEl>
+                                          <p:spTgt spid="3"/>
+                                        </p:tgtEl>
+                                        <p:attrNameLst>
+                                          <p:attrName>style.visibility</p:attrName>
+                                        </p:attrNameLst>
+                                      </p:cBhvr>
+                                      <p:to>
+                                        <p:strVal val="visible"/>
+                                      </p:to>
+                                    </p:set>
+                                    <p:anim calcmode="lin" valueType="num">
+                                      <p:cBhvr additive="base">
+                                        <p:cTn id="13" dur="500" fill="hold"/>
+                                        <p:tgtEl>
+                                          <p:spTgt spid="3"/>
+                                        </p:tgtEl>
+                                        <p:attrNameLst>
+                                          <p:attrName>ppt_x</p:attrName>
+                                        </p:attrNameLst>
+                                      </p:cBhvr>
+                                      <p:tavLst>
+                                        <p:tav tm="0">
+                                          <p:val>
+                                            <p:strVal val="#ppt_x"/>
+                                          </p:val>
+                                        </p:tav>
+                                        <p:tav tm="100000">
+                                          <p:val>
+                                            <p:strVal val="#ppt_x"/>
+                                          </p:val>
+                                        </p:tav>
+                                      </p:tavLst>
+                                    </p:anim>
+                                    <p:anim calcmode="lin" valueType="num">
+                                      <p:cBhvr additive="base">
+                                        <p:cTn id="14" dur="500" fill="hold"/>
+                                        <p:tgtEl>
+                                          <p:spTgt spid="3"/>
+                                        </p:tgtEl>
+                                        <p:attrNameLst>
+                                          <p:attrName>ppt_y</p:attrName>
+                                        </p:attrNameLst>
+                                      </p:cBhvr>
+                                      <p:tavLst>
+                                        <p:tav tm="0">
+                                          <p:val>
+                                            <p:strVal val="1+#ppt_h/2"/>
+                                          </p:val>
+                                        </p:tav>
+                                        <p:tav tm="100000">
+                                          <p:val>
+                                            <p:strVal val="#ppt_y"/>
+                                          </p:val>
+                                        </p:tav>
+                                      </p:tavLst>
+                                    </p:anim>
+                                  </p:childTnLst>
+                                </p:cTn>
+                              </p:par>
+                            </p:childTnLst>
+                          </p:cTn>
+                        </p:par>
+                      </p:childTnLst>
+                    </p:cTn>
+                  </p:par>
+                  <p:par>
+                    <p:cTn id="15" fill="hold">
+                      <p:stCondLst>
+                        <p:cond delay="indefinite"/>
+                      </p:stCondLst>
+                      <p:childTnLst>
+                        <p:par>
+                          <p:cTn id="16" fill="hold">
+                            <p:stCondLst>
+                              <p:cond delay="0"/>
+                            </p:stCondLst>
+                            <p:childTnLst>
+                              <p:par>
+                                <p:cTn id="17" presetID="2" presetClass="entr" presetSubtype="4" fill="hold" grpId="0" nodeType="clickEffect">
+                                  <p:stCondLst>
+                                    <p:cond delay="0"/>
+                                  </p:stCondLst>
+                                  <p:childTnLst>
+                                    <p:set>
+                                      <p:cBhvr>
+                                        <p:cTn id="18" dur="1" fill="hold">
+                                          <p:stCondLst>
+                                            <p:cond delay="0"/>
+                                          </p:stCondLst>
+                                        </p:cTn>
+                                        <p:tgtEl>
+                                          <p:spTgt spid="5"/>
+                                        </p:tgtEl>
+                                        <p:attrNameLst>
+                                          <p:attrName>style.visibility</p:attrName>
+                                        </p:attrNameLst>
+                                      </p:cBhvr>
+                                      <p:to>
+                                        <p:strVal val="visible"/>
+                                      </p:to>
+                                    </p:set>
+                                    <p:anim calcmode="lin" valueType="num">
+                                      <p:cBhvr additive="base">
+                                        <p:cTn id="19" dur="500" fill="hold"/>
+                                        <p:tgtEl>
+                                          <p:spTgt spid="5"/>
+                                        </p:tgtEl>
+                                        <p:attrNameLst>
+                                          <p:attrName>ppt_x</p:attrName>
+                                        </p:attrNameLst>
+                                      </p:cBhvr>
+                                      <p:tavLst>
+                                        <p:tav tm="0">
+                                          <p:val>
+                                            <p:strVal val="#ppt_x"/>
+                                          </p:val>
+                                        </p:tav>
+                                        <p:tav tm="100000">
+                                          <p:val>
+                                            <p:strVal val="#ppt_x"/>
+                                          </p:val>
+                                        </p:tav>
+                                      </p:tavLst>
+                                    </p:anim>
+                                    <p:anim calcmode="lin" valueType="num">
+                                      <p:cBhvr additive="base">
+                                        <p:cTn id="20" dur="500" fill="hold"/>
+                                        <p:tgtEl>
+                                          <p:spTgt spid="5"/>
+                                        </p:tgtEl>
+                                        <p:attrNameLst>
+                                          <p:attrName>ppt_y</p:attrName>
+                                        </p:attrNameLst>
+                                      </p:cBhvr>
+                                      <p:tavLst>
+                                        <p:tav tm="0">
+                                          <p:val>
+                                            <p:strVal val="1+#ppt_h/2"/>
+                                          </p:val>
+                                        </p:tav>
+                                        <p:tav tm="100000">
+                                          <p:val>
+                                            <p:strVal val="#ppt_y"/>
+                                          </p:val>
+                                        </p:tav>
+                                      </p:tavLst>
+                                    </p:anim>
+                                  </p:childTnLst>
+                                </p:cTn>
+                              </p:par>
+                            </p:childTnLst>
+                          </p:cTn>
+                        </p:par>
+                      </p:childTnLst>
+                    </p:cTn>
+                  </p:par>
+                </p:childTnLst>
+              </p:cTn>
+              <p:prevCondLst>
+                <p:cond evt="onPrev" delay="0">
+                  <p:tgtEl>
+                    <p:sldTgt/>
+                  </p:tgtEl>
+                </p:cond>
+              </p:prevCondLst>
+              <p:nextCondLst>
+                <p:cond evt="onNext" delay="0">
+                  <p:tgtEl>
+                    <p:sldTgt/>
+                  </p:tgtEl>
+                </p:cond>
+              </p:nextCondLst>
+            </p:seq>
+          </p:childTnLst>
+        </p:cTn>
+      </p:par>
+    </p:tnLst>
+    <p:bldLst>
+      <p:bldP spid="5" grpId="0"/>
+    </p:bldLst>
+  </p:timing>
+</p:sld>
+</file>
+
+<file path=ppt/slides/slide4.xml><?xml version="1.0" encoding="utf-8"?>
+<p:sld xmlns:a="http://schemas.openxmlformats.org/drawingml/2006/main" xmlns:r="http://schemas.openxmlformats.org/officeDocument/2006/relationships" xmlns:p="http://schemas.openxmlformats.org/presentationml/2006/main">
+  <p:cSld>
+    <p:spTree>
+      <p:nvGrpSpPr>
+        <p:cNvPr id="1" name=""/>
+        <p:cNvGrpSpPr/>
+        <p:nvPr/>
+      </p:nvGrpSpPr>
+      <p:grpSpPr>
+        <a:xfrm>
+          <a:off x="0" y="0"/>
+          <a:ext cx="0" cy="0"/>
+          <a:chOff x="0" y="0"/>
+          <a:chExt cx="0" cy="0"/>
+        </a:xfrm>
+      </p:grpSpPr>
+      <p:sp>
+        <p:nvSpPr>
+          <p:cNvPr id="11266" name="内容占位符 1"/>
+          <p:cNvSpPr>
+            <a:spLocks noGrp="1"/>
+          </p:cNvSpPr>
+          <p:nvPr>
+            <p:ph sz="quarter" idx="10"/>
+          </p:nvPr>
+        </p:nvSpPr>
+        <p:spPr bwMode="auto">
+          <a:xfrm>
+            <a:off x="947420" y="868680"/>
+            <a:ext cx="10880725" cy="5207000"/>
+          </a:xfrm>
+          <a:noFill/>
+          <a:extLst>
+            <a:ext uri="{909E8E84-426E-40DD-AFC4-6F175D3DCCD1}">
+              <a14:hiddenFill xmlns:a14="http://schemas.microsoft.com/office/drawing/2010/main">
+                <a:solidFill>
+                  <a:srgbClr val="FFFFFF"/>
+                </a:solidFill>
+              </a14:hiddenFill>
+            </a:ext>
+            <a:ext uri="{91240B29-F687-4F45-9708-019B960494DF}">
+              <a14:hiddenLine xmlns:a14="http://schemas.microsoft.com/office/drawing/2010/main" w="9525">
+                <a:solidFill>
+                  <a:srgbClr val="000000"/>
+                </a:solidFill>
+                <a:miter lim="800000"/>
+                <a:headEnd/>
+                <a:tailEnd/>
+              </a14:hiddenLine>
+            </a:ext>
+          </a:extLst>
+        </p:spPr>
+        <p:txBody>
+          <a:bodyPr vert="horz" wrap="square" lIns="91440" tIns="45720" rIns="91440" bIns="45720" numCol="1" anchor="t" anchorCtr="0" compatLnSpc="1"/>
+          <a:lstStyle/>
+          <a:p>
+            <a:pPr>
+              <a:lnSpc>
+                <a:spcPct val="130000"/>
+              </a:lnSpc>
+            </a:pPr>
+            <a:r>
+              <a:rPr kumimoji="0" lang="zh-CN" altLang="en-US" dirty="0" smtClean="0">
+                <a:solidFill>
+                  <a:schemeClr val="tx1"/>
+                </a:solidFill>
+                <a:sym typeface="+mn-ea"/>
+              </a:rPr>
+              <a:t>闭包</a:t>
+            </a:r>
+            <a:r>
+              <a:rPr kumimoji="0" lang="zh-CN" altLang="en-US" dirty="0">
+                <a:solidFill>
+                  <a:schemeClr val="tx1"/>
+                </a:solidFill>
+                <a:sym typeface="+mn-ea"/>
+              </a:rPr>
+              <a:t>是由</a:t>
+            </a:r>
+            <a:r>
+              <a:rPr kumimoji="0" lang="zh-CN" altLang="en-US" dirty="0">
+                <a:solidFill>
+                  <a:schemeClr val="accent3"/>
+                </a:solidFill>
+                <a:sym typeface="+mn-ea"/>
+              </a:rPr>
+              <a:t>函数</a:t>
+            </a:r>
+            <a:r>
+              <a:rPr kumimoji="0" lang="zh-CN" altLang="en-US" dirty="0">
+                <a:solidFill>
+                  <a:schemeClr val="tx1"/>
+                </a:solidFill>
+                <a:sym typeface="+mn-ea"/>
+              </a:rPr>
+              <a:t>和</a:t>
+            </a:r>
+            <a:r>
+              <a:rPr kumimoji="0" lang="zh-CN" altLang="en-US" dirty="0">
+                <a:solidFill>
+                  <a:schemeClr val="accent3"/>
+                </a:solidFill>
+                <a:sym typeface="+mn-ea"/>
+              </a:rPr>
+              <a:t>与其相关的引用环境</a:t>
+            </a:r>
+            <a:r>
+              <a:rPr kumimoji="0" lang="zh-CN" altLang="en-US" dirty="0">
+                <a:solidFill>
+                  <a:schemeClr val="tx1"/>
+                </a:solidFill>
+                <a:sym typeface="+mn-ea"/>
+              </a:rPr>
+              <a:t>组合而成的</a:t>
+            </a:r>
+            <a:r>
+              <a:rPr kumimoji="0" lang="zh-CN" altLang="en-US" dirty="0" smtClean="0">
+                <a:solidFill>
+                  <a:srgbClr val="FF0000"/>
+                </a:solidFill>
+                <a:sym typeface="+mn-ea"/>
+              </a:rPr>
+              <a:t>实体</a:t>
+            </a:r>
+            <a:endParaRPr kumimoji="0" lang="zh-CN" altLang="en-US" dirty="0" smtClean="0">
+              <a:solidFill>
+                <a:srgbClr val="FF0000"/>
+              </a:solidFill>
+              <a:sym typeface="+mn-ea"/>
+            </a:endParaRPr>
+          </a:p>
+          <a:p>
+            <a:pPr>
+              <a:lnSpc>
+                <a:spcPct val="130000"/>
+              </a:lnSpc>
+            </a:pPr>
+            <a:r>
+              <a:rPr kumimoji="0" lang="zh-CN" altLang="en-US" dirty="0">
+                <a:solidFill>
+                  <a:schemeClr val="tx1"/>
+                </a:solidFill>
+                <a:sym typeface="+mn-ea"/>
+              </a:rPr>
+              <a:t>闭包是</a:t>
+            </a:r>
+            <a:r>
+              <a:rPr kumimoji="0" lang="zh-CN" altLang="en-US" dirty="0">
+                <a:solidFill>
+                  <a:schemeClr val="accent3"/>
+                </a:solidFill>
+                <a:sym typeface="+mn-ea"/>
+              </a:rPr>
+              <a:t>词法作用域中</a:t>
+            </a:r>
+            <a:r>
+              <a:rPr kumimoji="0" lang="zh-CN" altLang="en-US" dirty="0" smtClean="0">
+                <a:solidFill>
+                  <a:schemeClr val="tx1"/>
+                </a:solidFill>
+                <a:sym typeface="+mn-ea"/>
+              </a:rPr>
+              <a:t>的</a:t>
+            </a:r>
+            <a:r>
+              <a:rPr kumimoji="0" lang="zh-CN" altLang="en-US" dirty="0">
+                <a:solidFill>
+                  <a:schemeClr val="accent3"/>
+                </a:solidFill>
+                <a:sym typeface="+mn-ea"/>
+              </a:rPr>
+              <a:t>函数</a:t>
+            </a:r>
+            <a:r>
+              <a:rPr kumimoji="0" lang="zh-CN" altLang="en-US" dirty="0">
+                <a:solidFill>
+                  <a:schemeClr val="tx1"/>
+                </a:solidFill>
+                <a:sym typeface="+mn-ea"/>
+              </a:rPr>
+              <a:t>和其</a:t>
+            </a:r>
+            <a:r>
+              <a:rPr kumimoji="0" lang="zh-CN" altLang="en-US" dirty="0">
+                <a:solidFill>
+                  <a:schemeClr val="accent3"/>
+                </a:solidFill>
+                <a:sym typeface="+mn-ea"/>
+              </a:rPr>
+              <a:t>相关变量</a:t>
+            </a:r>
+            <a:r>
+              <a:rPr kumimoji="0" lang="zh-CN" altLang="en-US" dirty="0">
+                <a:solidFill>
+                  <a:schemeClr val="tx1"/>
+                </a:solidFill>
+                <a:sym typeface="+mn-ea"/>
+              </a:rPr>
+              <a:t>的</a:t>
+            </a:r>
+            <a:r>
+              <a:rPr kumimoji="0" lang="zh-CN" altLang="en-US" dirty="0">
+                <a:solidFill>
+                  <a:schemeClr val="accent3"/>
+                </a:solidFill>
+                <a:sym typeface="+mn-ea"/>
+              </a:rPr>
+              <a:t>包裹体</a:t>
+            </a:r>
+            <a:endParaRPr kumimoji="0" lang="zh-CN" altLang="en-US" dirty="0" smtClean="0">
               <a:solidFill>
                 <a:schemeClr val="accent3"/>
               </a:solidFill>
-              <a:latin typeface="+mn-ea"/>
-              <a:ea typeface="+mn-ea"/>
+              <a:sym typeface="+mn-ea"/>
             </a:endParaRPr>
           </a:p>
           <a:p>
-            <a:pPr algn="l"/>
-            <a:r>
-              <a:rPr lang="zh-CN" altLang="en-US" sz="2200">
-                <a:solidFill>
-                  <a:schemeClr val="tx1"/>
-                </a:solidFill>
-                <a:latin typeface="+mn-ea"/>
-                <a:ea typeface="+mn-ea"/>
-              </a:rPr>
-              <a:t>返回的函数</a:t>
-            </a:r>
-            <a:r>
-              <a:rPr lang="en-US" altLang="zh-CN" sz="2200">
-                <a:solidFill>
-                  <a:schemeClr val="tx1"/>
-                </a:solidFill>
-                <a:latin typeface="+mn-ea"/>
-                <a:ea typeface="+mn-ea"/>
-              </a:rPr>
-              <a:t>bar</a:t>
-            </a:r>
-            <a:r>
-              <a:rPr lang="zh-CN" altLang="en-US" sz="2200">
-                <a:solidFill>
-                  <a:schemeClr val="tx1"/>
-                </a:solidFill>
-                <a:latin typeface="+mn-ea"/>
-                <a:ea typeface="+mn-ea"/>
-              </a:rPr>
-              <a:t>，依然能够访问到变量</a:t>
-            </a:r>
-            <a:r>
-              <a:rPr lang="en-US" altLang="zh-CN" sz="2200">
-                <a:solidFill>
-                  <a:schemeClr val="tx1"/>
-                </a:solidFill>
-                <a:latin typeface="+mn-ea"/>
-                <a:ea typeface="+mn-ea"/>
-              </a:rPr>
-              <a:t>i</a:t>
-            </a:r>
-            <a:r>
-              <a:rPr lang="zh-CN" altLang="en-US" sz="2200">
-                <a:solidFill>
-                  <a:schemeClr val="tx1"/>
-                </a:solidFill>
-                <a:latin typeface="+mn-ea"/>
-                <a:ea typeface="+mn-ea"/>
-              </a:rPr>
-              <a:t>（藕断丝连）</a:t>
-            </a:r>
-            <a:endParaRPr lang="zh-CN" altLang="en-US" sz="2200">
+            <a:pPr>
+              <a:lnSpc>
+                <a:spcPct val="130000"/>
+              </a:lnSpc>
+            </a:pPr>
+            <a:endParaRPr kumimoji="0" lang="zh-CN" altLang="en-US" sz="3200" dirty="0" smtClean="0">
               <a:solidFill>
                 <a:schemeClr val="tx1"/>
               </a:solidFill>
-              <a:latin typeface="+mn-ea"/>
-              <a:ea typeface="+mn-ea"/>
             </a:endParaRPr>
           </a:p>
           <a:p>
-            <a:pPr algn="l"/>
-            <a:endParaRPr lang="zh-CN" altLang="en-US" sz="2200">
+            <a:pPr eaLnBrk="1" hangingPunct="1">
+              <a:lnSpc>
+                <a:spcPct val="150000"/>
+              </a:lnSpc>
+            </a:pPr>
+            <a:endParaRPr kumimoji="0" lang="en-US" altLang="zh-CN" sz="3600" dirty="0" smtClean="0">
               <a:solidFill>
                 <a:schemeClr val="tx1"/>
               </a:solidFill>
-              <a:latin typeface="+mn-ea"/>
-              <a:ea typeface="+mn-ea"/>
             </a:endParaRPr>
           </a:p>
           <a:p>
-            <a:pPr algn="l"/>
-            <a:r>
-              <a:rPr lang="en-US" altLang="zh-CN" sz="2200">
-                <a:solidFill>
-                  <a:schemeClr val="tx1"/>
-                </a:solidFill>
-                <a:latin typeface="+mn-ea"/>
-                <a:ea typeface="+mn-ea"/>
-              </a:rPr>
-              <a:t>a</a:t>
-            </a:r>
-            <a:r>
-              <a:rPr lang="zh-CN" altLang="en-US" sz="2200">
-                <a:solidFill>
-                  <a:schemeClr val="tx1"/>
-                </a:solidFill>
-                <a:latin typeface="+mn-ea"/>
-                <a:ea typeface="+mn-ea"/>
-              </a:rPr>
-              <a:t>和</a:t>
-            </a:r>
-            <a:r>
-              <a:rPr lang="en-US" altLang="zh-CN" sz="2200">
-                <a:solidFill>
-                  <a:schemeClr val="tx1"/>
-                </a:solidFill>
-                <a:latin typeface="+mn-ea"/>
-                <a:ea typeface="+mn-ea"/>
-              </a:rPr>
-              <a:t>b</a:t>
-            </a:r>
-            <a:r>
-              <a:rPr lang="zh-CN" altLang="en-US" sz="2200">
-                <a:solidFill>
-                  <a:schemeClr val="tx1"/>
-                </a:solidFill>
-                <a:latin typeface="+mn-ea"/>
-                <a:ea typeface="+mn-ea"/>
-              </a:rPr>
-              <a:t>对应的是否为同一个闭包？</a:t>
-            </a:r>
-            <a:endParaRPr lang="zh-CN" altLang="en-US" sz="2200">
+            <a:pPr eaLnBrk="1" hangingPunct="1">
+              <a:lnSpc>
+                <a:spcPct val="150000"/>
+              </a:lnSpc>
+            </a:pPr>
+            <a:endParaRPr kumimoji="0" lang="zh-CN" altLang="en-US" dirty="0" smtClean="0">
               <a:solidFill>
                 <a:schemeClr val="tx1"/>
               </a:solidFill>
-              <a:latin typeface="+mn-ea"/>
-              <a:ea typeface="+mn-ea"/>
             </a:endParaRPr>
           </a:p>
-          <a:p>
-            <a:pPr algn="l"/>
-            <a:endParaRPr lang="zh-CN" altLang="en-US" sz="2200">
-              <a:solidFill>
-                <a:schemeClr val="tx1"/>
-              </a:solidFill>
-              <a:latin typeface="+mn-ea"/>
-              <a:ea typeface="+mn-ea"/>
-            </a:endParaRPr>
-          </a:p>
-          <a:p>
-            <a:pPr algn="l"/>
-            <a:r>
-              <a:rPr lang="zh-CN" altLang="en-US" sz="2200">
-                <a:solidFill>
-                  <a:schemeClr val="tx1"/>
-                </a:solidFill>
-                <a:latin typeface="+mn-ea"/>
-                <a:ea typeface="+mn-ea"/>
-              </a:rPr>
-              <a:t>思考：</a:t>
-            </a:r>
-            <a:r>
-              <a:rPr lang="en-US" altLang="zh-CN" sz="2200">
-                <a:solidFill>
-                  <a:schemeClr val="tx1"/>
-                </a:solidFill>
-                <a:latin typeface="+mn-ea"/>
-                <a:ea typeface="+mn-ea"/>
-              </a:rPr>
-              <a:t>foo</a:t>
-            </a:r>
-            <a:r>
-              <a:rPr lang="zh-CN" altLang="en-US" sz="2200">
-                <a:solidFill>
-                  <a:schemeClr val="tx1"/>
-                </a:solidFill>
-                <a:latin typeface="+mn-ea"/>
-                <a:ea typeface="+mn-ea"/>
-              </a:rPr>
-              <a:t>和它相关作用域的变量是否形成闭包？</a:t>
-            </a:r>
-            <a:endParaRPr lang="en-US" altLang="zh-CN" sz="2200">
-              <a:solidFill>
-                <a:schemeClr val="accent3"/>
-              </a:solidFill>
-              <a:latin typeface="+mn-ea"/>
-              <a:ea typeface="+mn-ea"/>
-            </a:endParaRPr>
+        </p:txBody>
+      </p:sp>
+      <p:sp>
+        <p:nvSpPr>
+          <p:cNvPr id="2" name="内容占位符 1"/>
+          <p:cNvSpPr>
+            <a:spLocks noGrp="1"/>
+          </p:cNvSpPr>
+          <p:nvPr>
+            <p:ph sz="quarter" idx="11"/>
+          </p:nvPr>
+        </p:nvSpPr>
+        <p:spPr>
+          <a:xfrm>
+            <a:off x="875449" y="236943"/>
+            <a:ext cx="8191557" cy="490476"/>
+          </a:xfrm>
+        </p:spPr>
+        <p:txBody>
+          <a:bodyPr/>
+          <a:lstStyle/>
+          <a:p>
+            <a:r>
+              <a:rPr kumimoji="0" lang="zh-CN" altLang="en-US" dirty="0">
+                <a:sym typeface="+mn-ea"/>
+              </a:rPr>
+              <a:t>闭包（</a:t>
+            </a:r>
+            <a:r>
+              <a:rPr kumimoji="0" lang="en-US" altLang="zh-CN" dirty="0">
+                <a:sym typeface="+mn-ea"/>
+              </a:rPr>
+              <a:t>closure</a:t>
+            </a:r>
+            <a:r>
+              <a:rPr kumimoji="0" lang="zh-CN" altLang="en-US" dirty="0">
+                <a:sym typeface="+mn-ea"/>
+              </a:rPr>
+              <a:t>）的概念</a:t>
+            </a:r>
+            <a:endParaRPr kumimoji="0" lang="zh-CN" altLang="en-US" dirty="0"/>
           </a:p>
         </p:txBody>
       </p:sp>
@@ -7857,17 +9145,7 @@
                 <a:latin typeface="+mn-ea"/>
                 <a:ea typeface="+mn-ea"/>
               </a:rPr>
-              <a:t>中的 </a:t>
-            </a:r>
-            <a:r>
-              <a:rPr lang="zh-CN" altLang="en-US" sz="2200">
-                <a:solidFill>
-                  <a:srgbClr val="FF0000"/>
-                </a:solidFill>
-                <a:latin typeface="+mn-ea"/>
-                <a:ea typeface="+mn-ea"/>
-              </a:rPr>
-              <a:t>例一、例二</a:t>
+              <a:t>中的 例一、例二</a:t>
             </a:r>
             <a:endParaRPr lang="zh-CN" altLang="en-US" sz="2200">
               <a:solidFill>
@@ -7881,7 +9159,7 @@
       </p:sp>
       <p:pic>
         <p:nvPicPr>
-          <p:cNvPr id="3" name="图片 2"/>
+          <p:cNvPr id="4" name="图片 3"/>
           <p:cNvPicPr>
             <a:picLocks noChangeAspect="1"/>
           </p:cNvPicPr>
@@ -7895,14 +9173,328 @@
         </p:blipFill>
         <p:spPr>
           <a:xfrm>
-            <a:off x="1426845" y="2348230"/>
-            <a:ext cx="4013200" cy="4199890"/>
+            <a:off x="1105535" y="2175510"/>
+            <a:ext cx="5486400" cy="3785870"/>
           </a:xfrm>
           <a:prstGeom prst="rect">
             <a:avLst/>
           </a:prstGeom>
         </p:spPr>
       </p:pic>
+      <p:sp>
+        <p:nvSpPr>
+          <p:cNvPr id="6" name="文本框 5"/>
+          <p:cNvSpPr txBox="1"/>
+          <p:nvPr/>
+        </p:nvSpPr>
+        <p:spPr>
+          <a:xfrm>
+            <a:off x="6832600" y="2186305"/>
+            <a:ext cx="3759835" cy="3815080"/>
+          </a:xfrm>
+          <a:prstGeom prst="rect">
+            <a:avLst/>
+          </a:prstGeom>
+          <a:noFill/>
+        </p:spPr>
+        <p:txBody>
+          <a:bodyPr wrap="square" rtlCol="0">
+            <a:spAutoFit/>
+          </a:bodyPr>
+          <a:p>
+            <a:pPr algn="l"/>
+            <a:r>
+              <a:rPr lang="zh-CN" altLang="en-US" sz="2200">
+                <a:solidFill>
+                  <a:schemeClr val="tx1"/>
+                </a:solidFill>
+                <a:latin typeface="+mn-ea"/>
+                <a:ea typeface="+mn-ea"/>
+              </a:rPr>
+              <a:t>前两次输出中，</a:t>
+            </a:r>
+            <a:r>
+              <a:rPr lang="en-US" altLang="zh-CN" sz="2200">
+                <a:solidFill>
+                  <a:schemeClr val="tx1"/>
+                </a:solidFill>
+                <a:latin typeface="+mn-ea"/>
+                <a:ea typeface="+mn-ea"/>
+              </a:rPr>
+              <a:t>startValue</a:t>
+            </a:r>
+            <a:r>
+              <a:rPr lang="zh-CN" altLang="en-US" sz="2200">
+                <a:solidFill>
+                  <a:schemeClr val="tx1"/>
+                </a:solidFill>
+                <a:latin typeface="+mn-ea"/>
+                <a:ea typeface="+mn-ea"/>
+              </a:rPr>
+              <a:t>常驻内存</a:t>
+            </a:r>
+            <a:endParaRPr lang="zh-CN" altLang="en-US" sz="2200">
+              <a:solidFill>
+                <a:schemeClr val="tx1"/>
+              </a:solidFill>
+              <a:latin typeface="+mn-ea"/>
+              <a:ea typeface="+mn-ea"/>
+            </a:endParaRPr>
+          </a:p>
+          <a:p>
+            <a:pPr algn="l"/>
+            <a:endParaRPr lang="zh-CN" altLang="en-US" sz="2200">
+              <a:solidFill>
+                <a:schemeClr val="tx1"/>
+              </a:solidFill>
+              <a:latin typeface="+mn-ea"/>
+              <a:ea typeface="+mn-ea"/>
+            </a:endParaRPr>
+          </a:p>
+          <a:p>
+            <a:pPr algn="l"/>
+            <a:r>
+              <a:rPr lang="zh-CN" altLang="en-US" sz="2200">
+                <a:solidFill>
+                  <a:schemeClr val="tx1"/>
+                </a:solidFill>
+                <a:latin typeface="+mn-ea"/>
+                <a:ea typeface="+mn-ea"/>
+              </a:rPr>
+              <a:t>第三次输出前，新创建了一个闭包，</a:t>
+            </a:r>
+            <a:r>
+              <a:rPr lang="en-US" altLang="zh-CN" sz="2200">
+                <a:solidFill>
+                  <a:schemeClr val="tx1"/>
+                </a:solidFill>
+                <a:latin typeface="+mn-ea"/>
+                <a:ea typeface="+mn-ea"/>
+              </a:rPr>
+              <a:t>startValue</a:t>
+            </a:r>
+            <a:r>
+              <a:rPr lang="zh-CN" altLang="en-US" sz="2200">
+                <a:solidFill>
+                  <a:schemeClr val="tx1"/>
+                </a:solidFill>
+                <a:latin typeface="+mn-ea"/>
+                <a:ea typeface="+mn-ea"/>
+              </a:rPr>
+              <a:t>重新</a:t>
+            </a:r>
+            <a:r>
+              <a:rPr lang="zh-CN" sz="2200">
+                <a:solidFill>
+                  <a:schemeClr val="tx1"/>
+                </a:solidFill>
+                <a:latin typeface="+mn-ea"/>
+                <a:ea typeface="+mn-ea"/>
+              </a:rPr>
+              <a:t>创建</a:t>
+            </a:r>
+            <a:endParaRPr lang="zh-CN" sz="2200">
+              <a:solidFill>
+                <a:schemeClr val="tx1"/>
+              </a:solidFill>
+              <a:latin typeface="+mn-ea"/>
+              <a:ea typeface="+mn-ea"/>
+            </a:endParaRPr>
+          </a:p>
+          <a:p>
+            <a:pPr algn="l"/>
+            <a:endParaRPr lang="en-US" altLang="zh-CN" sz="2200">
+              <a:solidFill>
+                <a:schemeClr val="tx1"/>
+              </a:solidFill>
+              <a:latin typeface="+mn-ea"/>
+              <a:ea typeface="+mn-ea"/>
+            </a:endParaRPr>
+          </a:p>
+          <a:p>
+            <a:pPr algn="l"/>
+            <a:r>
+              <a:rPr lang="zh-CN" altLang="en-US" sz="2200">
+                <a:solidFill>
+                  <a:schemeClr val="tx1"/>
+                </a:solidFill>
+                <a:latin typeface="+mn-ea"/>
+                <a:ea typeface="+mn-ea"/>
+              </a:rPr>
+              <a:t>思考：若将倒数第二行的                  </a:t>
+            </a:r>
+            <a:r>
+              <a:rPr lang="en-US" altLang="zh-CN" sz="2200">
+                <a:solidFill>
+                  <a:schemeClr val="tx1"/>
+                </a:solidFill>
+                <a:latin typeface="+mn-ea"/>
+                <a:ea typeface="+mn-ea"/>
+              </a:rPr>
+              <a:t>inc = createInc</a:t>
+            </a:r>
+            <a:r>
+              <a:rPr lang="zh-CN" altLang="en-US" sz="2200">
+                <a:solidFill>
+                  <a:schemeClr val="tx1"/>
+                </a:solidFill>
+                <a:latin typeface="+mn-ea"/>
+                <a:ea typeface="+mn-ea"/>
+              </a:rPr>
+              <a:t>（</a:t>
+            </a:r>
+            <a:r>
+              <a:rPr lang="en-US" altLang="zh-CN" sz="2200">
+                <a:solidFill>
+                  <a:schemeClr val="tx1"/>
+                </a:solidFill>
+                <a:latin typeface="+mn-ea"/>
+                <a:ea typeface="+mn-ea"/>
+              </a:rPr>
+              <a:t>5</a:t>
+            </a:r>
+            <a:r>
+              <a:rPr lang="zh-CN" altLang="en-US" sz="2200">
+                <a:solidFill>
+                  <a:schemeClr val="tx1"/>
+                </a:solidFill>
+                <a:latin typeface="+mn-ea"/>
+                <a:ea typeface="+mn-ea"/>
+              </a:rPr>
+              <a:t>）改为              </a:t>
+            </a:r>
+            <a:r>
+              <a:rPr lang="en-US" altLang="zh-CN" sz="2200">
+                <a:solidFill>
+                  <a:schemeClr val="tx1"/>
+                </a:solidFill>
+                <a:latin typeface="+mn-ea"/>
+                <a:ea typeface="+mn-ea"/>
+              </a:rPr>
+              <a:t>var inc2 = </a:t>
+            </a:r>
+            <a:r>
+              <a:rPr lang="en-US" altLang="zh-CN" sz="2200">
+                <a:latin typeface="+mn-ea"/>
+                <a:ea typeface="+mn-ea"/>
+                <a:sym typeface="+mn-ea"/>
+              </a:rPr>
+              <a:t>createInc</a:t>
+            </a:r>
+            <a:r>
+              <a:rPr lang="zh-CN" altLang="en-US" sz="2200">
+                <a:latin typeface="+mn-ea"/>
+                <a:ea typeface="+mn-ea"/>
+                <a:sym typeface="+mn-ea"/>
+              </a:rPr>
+              <a:t>（</a:t>
+            </a:r>
+            <a:r>
+              <a:rPr lang="en-US" altLang="zh-CN" sz="2200">
+                <a:latin typeface="+mn-ea"/>
+                <a:ea typeface="+mn-ea"/>
+                <a:sym typeface="+mn-ea"/>
+              </a:rPr>
+              <a:t>5</a:t>
+            </a:r>
+            <a:r>
+              <a:rPr lang="zh-CN" altLang="en-US" sz="2200">
+                <a:latin typeface="+mn-ea"/>
+                <a:ea typeface="+mn-ea"/>
+                <a:sym typeface="+mn-ea"/>
+              </a:rPr>
+              <a:t>）</a:t>
+            </a:r>
+            <a:br>
+              <a:rPr lang="zh-CN" altLang="en-US" sz="2200">
+                <a:latin typeface="+mn-ea"/>
+                <a:ea typeface="+mn-ea"/>
+                <a:sym typeface="+mn-ea"/>
+              </a:rPr>
+            </a:br>
+            <a:r>
+              <a:rPr lang="zh-CN" altLang="en-US" sz="2200">
+                <a:latin typeface="+mn-ea"/>
+                <a:ea typeface="+mn-ea"/>
+                <a:sym typeface="+mn-ea"/>
+              </a:rPr>
+              <a:t>则：</a:t>
+            </a:r>
+            <a:r>
+              <a:rPr lang="en-US" altLang="zh-CN" sz="2200">
+                <a:latin typeface="+mn-ea"/>
+                <a:ea typeface="+mn-ea"/>
+                <a:sym typeface="+mn-ea"/>
+              </a:rPr>
+              <a:t>inc</a:t>
+            </a:r>
+            <a:r>
+              <a:rPr lang="zh-CN" altLang="en-US" sz="2200">
+                <a:latin typeface="+mn-ea"/>
+                <a:ea typeface="+mn-ea"/>
+                <a:sym typeface="+mn-ea"/>
+              </a:rPr>
+              <a:t>（</a:t>
+            </a:r>
+            <a:r>
+              <a:rPr lang="en-US" altLang="zh-CN" sz="2200">
+                <a:latin typeface="+mn-ea"/>
+                <a:ea typeface="+mn-ea"/>
+                <a:sym typeface="+mn-ea"/>
+              </a:rPr>
+              <a:t>1</a:t>
+            </a:r>
+            <a:r>
+              <a:rPr lang="zh-CN" altLang="en-US" sz="2200">
+                <a:latin typeface="+mn-ea"/>
+                <a:ea typeface="+mn-ea"/>
+                <a:sym typeface="+mn-ea"/>
+              </a:rPr>
+              <a:t>）和</a:t>
+            </a:r>
+            <a:r>
+              <a:rPr lang="en-US" altLang="zh-CN" sz="2200">
+                <a:latin typeface="+mn-ea"/>
+                <a:ea typeface="+mn-ea"/>
+                <a:sym typeface="+mn-ea"/>
+              </a:rPr>
+              <a:t>inc2</a:t>
+            </a:r>
+            <a:r>
+              <a:rPr lang="zh-CN" altLang="en-US" sz="2200">
+                <a:latin typeface="+mn-ea"/>
+                <a:ea typeface="+mn-ea"/>
+                <a:sym typeface="+mn-ea"/>
+              </a:rPr>
+              <a:t>（</a:t>
+            </a:r>
+            <a:r>
+              <a:rPr lang="en-US" altLang="zh-CN" sz="2200">
+                <a:latin typeface="+mn-ea"/>
+                <a:ea typeface="+mn-ea"/>
+                <a:sym typeface="+mn-ea"/>
+              </a:rPr>
+              <a:t>1</a:t>
+            </a:r>
+            <a:r>
+              <a:rPr lang="zh-CN" altLang="en-US" sz="2200">
+                <a:latin typeface="+mn-ea"/>
+                <a:ea typeface="+mn-ea"/>
+                <a:sym typeface="+mn-ea"/>
+              </a:rPr>
+              <a:t>）为多少</a:t>
+            </a:r>
+            <a:endParaRPr lang="zh-CN" altLang="en-US" sz="2200">
+              <a:solidFill>
+                <a:schemeClr val="tx1"/>
+              </a:solidFill>
+              <a:latin typeface="+mn-ea"/>
+              <a:ea typeface="+mn-ea"/>
+              <a:sym typeface="+mn-ea"/>
+            </a:endParaRPr>
+          </a:p>
+        </p:txBody>
+      </p:sp>
     </p:spTree>
   </p:cSld>
   <p:clrMapOvr>
@@ -8130,7 +9722,7 @@
                                           </p:stCondLst>
                                         </p:cTn>
                                         <p:tgtEl>
-                                          <p:spTgt spid="3"/>
+                                          <p:spTgt spid="4"/>
                                         </p:tgtEl>
                                         <p:attrNameLst>
                                           <p:attrName>style.visibility</p:attrName>
@@ -8144,7 +9736,7 @@
                                       <p:cBhvr additive="base">
                                         <p:cTn id="17" dur="500" fill="hold"/>
                                         <p:tgtEl>
-                                          <p:spTgt spid="3"/>
+                                          <p:spTgt spid="4"/>
                                         </p:tgtEl>
                                         <p:attrNameLst>
                                           <p:attrName>ppt_x</p:attrName>
@@ -8167,89 +9759,7 @@
                                       <p:cBhvr additive="base">
                                         <p:cTn id="18" dur="500" fill="hold"/>
                                         <p:tgtEl>
-                                          <p:spTgt spid="3"/>
-                                        </p:tgtEl>
-                                        <p:attrNameLst>
-                                          <p:attrName>ppt_y</p:attrName>
-                                        </p:attrNameLst>
-                                      </p:cBhvr>
-                                      <p:tavLst>
-                                        <p:tav tm="0">
-                                          <p:val>
-                                            <p:strVal val="1+#ppt_h/2"/>
-                                          </p:val>
-                                        </p:tav>
-                                        <p:tav tm="100000">
-                                          <p:val>
-                                            <p:strVal val="#ppt_y"/>
-                                          </p:val>
-                                        </p:tav>
-                                      </p:tavLst>
-                                    </p:anim>
-                                  </p:childTnLst>
-                                </p:cTn>
-                              </p:par>
-                            </p:childTnLst>
-                          </p:cTn>
-                        </p:par>
-                        <p:par>
-                          <p:cTn id="19" fill="hold">
-                            <p:stCondLst>
-                              <p:cond delay="500"/>
-                            </p:stCondLst>
-                            <p:childTnLst>
-                              <p:par>
-                                <p:cTn id="20" presetID="2" presetClass="entr" presetSubtype="4" fill="hold" grpId="0" nodeType="afterEffect">
-                                  <p:stCondLst>
-                                    <p:cond delay="0"/>
-                                  </p:stCondLst>
-                                  <p:childTnLst>
-                                    <p:set>
-                                      <p:cBhvr>
-                                        <p:cTn id="21" dur="1" fill="hold">
-                                          <p:stCondLst>
-                                            <p:cond delay="0"/>
-                                          </p:stCondLst>
-                                        </p:cTn>
-                                        <p:tgtEl>
-                                          <p:spTgt spid="9"/>
-                                        </p:tgtEl>
-                                        <p:attrNameLst>
-                                          <p:attrName>style.visibility</p:attrName>
-                                        </p:attrNameLst>
-                                      </p:cBhvr>
-                                      <p:to>
-                                        <p:strVal val="visible"/>
-                                      </p:to>
-                                    </p:set>
-                                    <p:anim calcmode="lin" valueType="num">
-                                      <p:cBhvr additive="base">
-                                        <p:cTn id="22" dur="500" fill="hold"/>
-                                        <p:tgtEl>
-                                          <p:spTgt spid="9"/>
-                                        </p:tgtEl>
-                                        <p:attrNameLst>
-                                          <p:attrName>ppt_x</p:attrName>
-                                        </p:attrNameLst>
-                                      </p:cBhvr>
-                                      <p:tavLst>
-                                        <p:tav tm="0">
-                                          <p:val>
-                                            <p:strVal val="#ppt_x"/>
-                                          </p:val>
-                                        </p:tav>
-                                        <p:tav tm="100000">
-                                          <p:val>
-                                            <p:strVal val="#ppt_x"/>
-                                          </p:val>
-                                        </p:tav>
-                                      </p:tavLst>
-                                    </p:anim>
-                                    <p:anim calcmode="lin" valueType="num">
-                                      <p:cBhvr additive="base">
-                                        <p:cTn id="23" dur="500" fill="hold"/>
-                                        <p:tgtEl>
-                                          <p:spTgt spid="9"/>
+                                          <p:spTgt spid="4"/>
                                         </p:tgtEl>
                                         <p:attrNameLst>
                                           <p:attrName>ppt_y</p:attrName>
@@ -8278,26 +9788,117 @@
                     </p:cTn>
                   </p:par>
                   <p:par>
-                    <p:cTn id="24" fill="hold">
+                    <p:cTn id="19" fill="hold">
                       <p:stCondLst>
                         <p:cond delay="indefinite"/>
                       </p:stCondLst>
                       <p:childTnLst>
                         <p:par>
-                          <p:cTn id="25" fill="hold">
+                          <p:cTn id="20" fill="hold">
                             <p:stCondLst>
                               <p:cond delay="0"/>
                             </p:stCondLst>
                             <p:childTnLst>
                               <p:par>
-                                <p:cTn id="26" presetID="2" presetClass="entr" presetSubtype="4" fill="hold" grpId="0" nodeType="clickEffect">
+                                <p:cTn id="21" presetID="2" presetClass="entr" presetSubtype="4" fill="hold" grpId="0" nodeType="clickEffect">
                                   <p:stCondLst>
                                     <p:cond delay="0"/>
                                   </p:stCondLst>
                                   <p:childTnLst>
                                     <p:set>
                                       <p:cBhvr>
-                                        <p:cTn id="27" dur="1" fill="hold">
+                                        <p:cTn id="22" dur="1" fill="hold">
+                                          <p:stCondLst>
+                                            <p:cond delay="0"/>
+                                          </p:stCondLst>
+                                        </p:cTn>
+                                        <p:tgtEl>
+                                          <p:spTgt spid="6"/>
+                                        </p:tgtEl>
+                                        <p:attrNameLst>
+                                          <p:attrName>style.visibility</p:attrName>
+                                        </p:attrNameLst>
+                                      </p:cBhvr>
+                                      <p:to>
+                                        <p:strVal val="visible"/>
+                                      </p:to>
+                                    </p:set>
+                                    <p:anim calcmode="lin" valueType="num">
+                                      <p:cBhvr additive="base">
+                                        <p:cTn id="23" dur="500" fill="hold"/>
+                                        <p:tgtEl>
+                                          <p:spTgt spid="6"/>
+                                        </p:tgtEl>
+                                        <p:attrNameLst>
+                                          <p:attrName>ppt_x</p:attrName>
+                                        </p:attrNameLst>
+                                      </p:cBhvr>
+                                      <p:tavLst>
+                                        <p:tav tm="0">
+                                          <p:val>
+                                            <p:strVal val="#ppt_x"/>
+                                          </p:val>
+                                        </p:tav>
+                                        <p:tav tm="100000">
+                                          <p:val>
+                                            <p:strVal val="#ppt_x"/>
+                                          </p:val>
+                                        </p:tav>
+                                      </p:tavLst>
+                                    </p:anim>
+                                    <p:anim calcmode="lin" valueType="num">
+                                      <p:cBhvr additive="base">
+                                        <p:cTn id="24" dur="500" fill="hold"/>
+                                        <p:tgtEl>
+                                          <p:spTgt spid="6"/>
+                                        </p:tgtEl>
+                                        <p:attrNameLst>
+                                          <p:attrName>ppt_y</p:attrName>
+                                        </p:attrNameLst>
+                                      </p:cBhvr>
+                                      <p:tavLst>
+                                        <p:tav tm="0">
+                                          <p:val>
+                                            <p:strVal val="1+#ppt_h/2"/>
+                                          </p:val>
+                                        </p:tav>
+                                        <p:tav tm="100000">
+                                          <p:val>
+                                            <p:strVal val="#ppt_y"/>
+                                          </p:val>
+                                        </p:tav>
+                                      </p:tavLst>
+                                    </p:anim>
+                                  </p:childTnLst>
+                                </p:cTn>
+                              </p:par>
+                            </p:childTnLst>
+                          </p:cTn>
+                        </p:par>
+                      </p:childTnLst>
+                    </p:cTn>
+                  </p:par>
+                  <p:par>
+                    <p:cTn id="25" fill="hold">
+                      <p:stCondLst>
+                        <p:cond delay="indefinite"/>
+                      </p:stCondLst>
+                      <p:childTnLst>
+                        <p:par>
+                          <p:cTn id="26" fill="hold">
+                            <p:stCondLst>
+                              <p:cond delay="0"/>
+                            </p:stCondLst>
+                            <p:childTnLst>
+                              <p:par>
+                                <p:cTn id="27" presetID="2" presetClass="entr" presetSubtype="4" fill="hold" grpId="0" nodeType="clickEffect">
+                                  <p:stCondLst>
+                                    <p:cond delay="0"/>
+                                  </p:stCondLst>
+                                  <p:childTnLst>
+                                    <p:set>
+                                      <p:cBhvr>
+                                        <p:cTn id="28" dur="1" fill="hold">
                                           <p:stCondLst>
                                             <p:cond delay="0"/>
                                           </p:stCondLst>
@@ -8315,7 +9916,7 @@
                                     </p:set>
                                     <p:anim calcmode="lin" valueType="num">
                                       <p:cBhvr additive="base">
-                                        <p:cTn id="28" dur="500" fill="hold"/>
+                                        <p:cTn id="29" dur="500" fill="hold"/>
                                         <p:tgtEl>
                                           <p:spTgt spid="5"/>
                                         </p:tgtEl>
@@ -8338,7 +9939,7 @@
                                     </p:anim>
                                     <p:anim calcmode="lin" valueType="num">
                                       <p:cBhvr additive="base">
-                                        <p:cTn id="29" dur="500" fill="hold"/>
+                                        <p:cTn id="30" dur="500" fill="hold"/>
                                         <p:tgtEl>
                                           <p:spTgt spid="5"/>
                                         </p:tgtEl>
@@ -8390,14 +9991,14 @@
       </p:par>
     </p:tnLst>
     <p:bldLst>
-      <p:bldP spid="9" grpId="0"/>
       <p:bldP spid="5" grpId="0"/>
+      <p:bldP spid="6" grpId="0"/>
     </p:bldLst>
   </p:timing>
 </p:sld>
 </file>
 
-<file path=ppt/slides/slide4.xml><?xml version="1.0" encoding="utf-8"?>
+<file path=ppt/slides/slide5.xml><?xml version="1.0" encoding="utf-8"?>
 <p:sld xmlns:a="http://schemas.openxmlformats.org/drawingml/2006/main" xmlns:r="http://schemas.openxmlformats.org/officeDocument/2006/relationships" xmlns:p="http://schemas.openxmlformats.org/presentationml/2006/main">
   <p:cSld>
     <p:spTree>
@@ -8427,7 +10028,7 @@
         <p:spPr bwMode="auto">
           <a:xfrm>
             <a:off x="947420" y="868680"/>
-            <a:ext cx="9945370" cy="5207000"/>
+            <a:ext cx="10880725" cy="5207000"/>
           </a:xfrm>
           <a:noFill/>
           <a:extLst>
@@ -8466,7 +10067,7 @@
                 </a:solidFill>
                 <a:sym typeface="+mn-ea"/>
               </a:rPr>
-              <a:t>若一个函数离开了它被创建时的作用域，它还是会与这个作用域已经其外表的作用域的变量相关联</a:t>
+              <a:t>若一个函数离开了它被创建时的作用域，它还是会与这个作用域的变量相关联</a:t>
             </a:r>
             <a:endParaRPr kumimoji="0" lang="zh-CN" altLang="en-US" sz="2400" dirty="0" smtClean="0">
               <a:solidFill>
@@ -8547,7 +10148,7 @@
         </p:nvSpPr>
         <p:spPr>
           <a:xfrm>
-            <a:off x="947204" y="308698"/>
+            <a:off x="875449" y="236943"/>
             <a:ext cx="8191557" cy="490476"/>
           </a:xfrm>
         </p:spPr>
@@ -8574,6 +10175,289 @@
               <a:t>）的概念</a:t>
             </a:r>
             <a:endParaRPr kumimoji="0" lang="zh-CN" altLang="en-US" dirty="0"/>
+          </a:p>
+        </p:txBody>
+      </p:sp>
+      <p:sp>
+        <p:nvSpPr>
+          <p:cNvPr id="9" name="文本框 8"/>
+          <p:cNvSpPr txBox="1"/>
+          <p:nvPr/>
+        </p:nvSpPr>
+        <p:spPr>
+          <a:xfrm>
+            <a:off x="5891530" y="2239010"/>
+            <a:ext cx="4751705" cy="3476625"/>
+          </a:xfrm>
+          <a:prstGeom prst="rect">
+            <a:avLst/>
+          </a:prstGeom>
+          <a:noFill/>
+        </p:spPr>
+        <p:txBody>
+          <a:bodyPr wrap="square" rtlCol="0">
+            <a:spAutoFit/>
+          </a:bodyPr>
+          <a:lstStyle/>
+          <a:p>
+            <a:pPr algn="l"/>
+            <a:r>
+              <a:rPr lang="zh-CN" sz="2200">
+                <a:solidFill>
+                  <a:schemeClr val="tx1"/>
+                </a:solidFill>
+                <a:latin typeface="+mn-ea"/>
+                <a:ea typeface="+mn-ea"/>
+              </a:rPr>
+              <a:t>函数</a:t>
+            </a:r>
+            <a:r>
+              <a:rPr lang="en-US" altLang="zh-CN" sz="2200">
+                <a:solidFill>
+                  <a:schemeClr val="accent3"/>
+                </a:solidFill>
+                <a:latin typeface="+mn-ea"/>
+                <a:ea typeface="+mn-ea"/>
+              </a:rPr>
+              <a:t>bar</a:t>
+            </a:r>
+            <a:r>
+              <a:rPr lang="zh-CN" altLang="en-US" sz="2200">
+                <a:solidFill>
+                  <a:schemeClr val="tx1"/>
+                </a:solidFill>
+                <a:latin typeface="+mn-ea"/>
+                <a:ea typeface="+mn-ea"/>
+              </a:rPr>
+              <a:t>和</a:t>
+            </a:r>
+            <a:r>
+              <a:rPr lang="zh-CN" sz="2200">
+                <a:solidFill>
+                  <a:schemeClr val="tx1"/>
+                </a:solidFill>
+                <a:latin typeface="+mn-ea"/>
+                <a:ea typeface="+mn-ea"/>
+              </a:rPr>
+              <a:t>其</a:t>
+            </a:r>
+            <a:r>
+              <a:rPr lang="zh-CN" altLang="en-US" sz="2200">
+                <a:solidFill>
+                  <a:schemeClr val="tx1"/>
+                </a:solidFill>
+                <a:latin typeface="+mn-ea"/>
+                <a:ea typeface="+mn-ea"/>
+              </a:rPr>
+              <a:t>相关词法上下文中的变量</a:t>
+            </a:r>
+            <a:r>
+              <a:rPr lang="en-US" altLang="zh-CN" sz="2200">
+                <a:solidFill>
+                  <a:schemeClr val="accent3"/>
+                </a:solidFill>
+                <a:latin typeface="+mn-ea"/>
+                <a:ea typeface="+mn-ea"/>
+              </a:rPr>
+              <a:t>i</a:t>
+            </a:r>
+            <a:r>
+              <a:rPr lang="zh-CN" altLang="en-US" sz="2200">
+                <a:solidFill>
+                  <a:schemeClr val="tx1"/>
+                </a:solidFill>
+                <a:latin typeface="+mn-ea"/>
+                <a:ea typeface="+mn-ea"/>
+              </a:rPr>
+              <a:t>，构成了一个闭包</a:t>
+            </a:r>
+            <a:endParaRPr lang="zh-CN" altLang="en-US" sz="2200">
+              <a:solidFill>
+                <a:schemeClr val="tx1"/>
+              </a:solidFill>
+              <a:latin typeface="+mn-ea"/>
+              <a:ea typeface="+mn-ea"/>
+            </a:endParaRPr>
+          </a:p>
+          <a:p>
+            <a:pPr algn="l"/>
+            <a:endParaRPr lang="en-US" altLang="zh-CN" sz="2200">
+              <a:solidFill>
+                <a:schemeClr val="accent3"/>
+              </a:solidFill>
+              <a:latin typeface="+mn-ea"/>
+              <a:ea typeface="+mn-ea"/>
+            </a:endParaRPr>
+          </a:p>
+          <a:p>
+            <a:pPr algn="l"/>
+            <a:r>
+              <a:rPr lang="zh-CN" altLang="en-US" sz="2200">
+                <a:solidFill>
+                  <a:schemeClr val="tx1"/>
+                </a:solidFill>
+                <a:latin typeface="+mn-ea"/>
+                <a:ea typeface="+mn-ea"/>
+              </a:rPr>
+              <a:t>返回的函数</a:t>
+            </a:r>
+            <a:r>
+              <a:rPr lang="en-US" altLang="zh-CN" sz="2200">
+                <a:solidFill>
+                  <a:schemeClr val="tx1"/>
+                </a:solidFill>
+                <a:latin typeface="+mn-ea"/>
+                <a:ea typeface="+mn-ea"/>
+              </a:rPr>
+              <a:t>bar</a:t>
+            </a:r>
+            <a:r>
+              <a:rPr lang="zh-CN" altLang="en-US" sz="2200">
+                <a:solidFill>
+                  <a:schemeClr val="tx1"/>
+                </a:solidFill>
+                <a:latin typeface="+mn-ea"/>
+                <a:ea typeface="+mn-ea"/>
+              </a:rPr>
+              <a:t>，依然能够访问到变量</a:t>
+            </a:r>
+            <a:r>
+              <a:rPr lang="en-US" altLang="zh-CN" sz="2200">
+                <a:solidFill>
+                  <a:schemeClr val="tx1"/>
+                </a:solidFill>
+                <a:latin typeface="+mn-ea"/>
+                <a:ea typeface="+mn-ea"/>
+              </a:rPr>
+              <a:t>i</a:t>
+            </a:r>
+            <a:r>
+              <a:rPr lang="zh-CN" altLang="en-US" sz="2200">
+                <a:solidFill>
+                  <a:schemeClr val="tx1"/>
+                </a:solidFill>
+                <a:latin typeface="+mn-ea"/>
+                <a:ea typeface="+mn-ea"/>
+              </a:rPr>
+              <a:t>（藕断丝连）</a:t>
+            </a:r>
+            <a:endParaRPr lang="zh-CN" altLang="en-US" sz="2200">
+              <a:solidFill>
+                <a:schemeClr val="tx1"/>
+              </a:solidFill>
+              <a:latin typeface="+mn-ea"/>
+              <a:ea typeface="+mn-ea"/>
+            </a:endParaRPr>
+          </a:p>
+          <a:p>
+            <a:pPr algn="l"/>
+            <a:endParaRPr lang="zh-CN" altLang="en-US" sz="2200">
+              <a:solidFill>
+                <a:schemeClr val="tx1"/>
+              </a:solidFill>
+              <a:latin typeface="+mn-ea"/>
+              <a:ea typeface="+mn-ea"/>
+            </a:endParaRPr>
+          </a:p>
+          <a:p>
+            <a:pPr algn="l"/>
+            <a:r>
+              <a:rPr lang="en-US" altLang="zh-CN" sz="2200">
+                <a:solidFill>
+                  <a:schemeClr val="tx1"/>
+                </a:solidFill>
+                <a:latin typeface="+mn-ea"/>
+                <a:ea typeface="+mn-ea"/>
+              </a:rPr>
+              <a:t>a</a:t>
+            </a:r>
+            <a:r>
+              <a:rPr lang="zh-CN" altLang="en-US" sz="2200">
+                <a:solidFill>
+                  <a:schemeClr val="tx1"/>
+                </a:solidFill>
+                <a:latin typeface="+mn-ea"/>
+                <a:ea typeface="+mn-ea"/>
+              </a:rPr>
+              <a:t>和</a:t>
+            </a:r>
+            <a:r>
+              <a:rPr lang="en-US" altLang="zh-CN" sz="2200">
+                <a:solidFill>
+                  <a:schemeClr val="tx1"/>
+                </a:solidFill>
+                <a:latin typeface="+mn-ea"/>
+                <a:ea typeface="+mn-ea"/>
+              </a:rPr>
+              <a:t>b</a:t>
+            </a:r>
+            <a:r>
+              <a:rPr lang="zh-CN" altLang="en-US" sz="2200">
+                <a:solidFill>
+                  <a:schemeClr val="tx1"/>
+                </a:solidFill>
+                <a:latin typeface="+mn-ea"/>
+                <a:ea typeface="+mn-ea"/>
+              </a:rPr>
+              <a:t>对应的是否为同一个闭包？</a:t>
+            </a:r>
+            <a:endParaRPr lang="zh-CN" altLang="en-US" sz="2200">
+              <a:solidFill>
+                <a:schemeClr val="tx1"/>
+              </a:solidFill>
+              <a:latin typeface="+mn-ea"/>
+              <a:ea typeface="+mn-ea"/>
+            </a:endParaRPr>
+          </a:p>
+          <a:p>
+            <a:pPr algn="l"/>
+            <a:endParaRPr lang="zh-CN" altLang="en-US" sz="2200">
+              <a:solidFill>
+                <a:schemeClr val="tx1"/>
+              </a:solidFill>
+              <a:latin typeface="+mn-ea"/>
+              <a:ea typeface="+mn-ea"/>
+            </a:endParaRPr>
+          </a:p>
+          <a:p>
+            <a:pPr algn="l"/>
+            <a:r>
+              <a:rPr lang="zh-CN" altLang="en-US" sz="2200">
+                <a:solidFill>
+                  <a:schemeClr val="tx1"/>
+                </a:solidFill>
+                <a:latin typeface="+mn-ea"/>
+                <a:ea typeface="+mn-ea"/>
+              </a:rPr>
+              <a:t>思考：</a:t>
+            </a:r>
+            <a:r>
+              <a:rPr lang="en-US" altLang="zh-CN" sz="2200">
+                <a:solidFill>
+                  <a:schemeClr val="tx1"/>
+                </a:solidFill>
+                <a:latin typeface="+mn-ea"/>
+                <a:ea typeface="+mn-ea"/>
+              </a:rPr>
+              <a:t>foo</a:t>
+            </a:r>
+            <a:r>
+              <a:rPr lang="zh-CN" altLang="en-US" sz="2200">
+                <a:solidFill>
+                  <a:schemeClr val="tx1"/>
+                </a:solidFill>
+                <a:latin typeface="+mn-ea"/>
+                <a:ea typeface="+mn-ea"/>
+              </a:rPr>
+              <a:t>和它相关作用域的变量是否形成闭包？</a:t>
+            </a:r>
+            <a:endParaRPr lang="en-US" altLang="zh-CN" sz="2200">
+              <a:solidFill>
+                <a:schemeClr val="accent3"/>
+              </a:solidFill>
+              <a:latin typeface="+mn-ea"/>
+              <a:ea typeface="+mn-ea"/>
+            </a:endParaRPr>
           </a:p>
         </p:txBody>
       </p:sp>
@@ -8607,7 +10491,6 @@
                 </a:solidFill>
                 <a:latin typeface="+mn-ea"/>
                 <a:ea typeface="+mn-ea"/>
-                <a:sym typeface="+mn-ea"/>
               </a:rPr>
               <a:t>参见实例</a:t>
             </a:r>
@@ -8618,7 +10501,6 @@
                 </a:solidFill>
                 <a:latin typeface="+mn-ea"/>
                 <a:ea typeface="+mn-ea"/>
-                <a:sym typeface="+mn-ea"/>
               </a:rPr>
               <a:t>demo11</a:t>
             </a:r>
@@ -8629,7 +10511,6 @@
                 </a:solidFill>
                 <a:latin typeface="+mn-ea"/>
                 <a:ea typeface="+mn-ea"/>
-                <a:sym typeface="+mn-ea"/>
               </a:rPr>
               <a:t>中的 例三、例四</a:t>
             </a:r>
@@ -8645,7 +10526,7 @@
       </p:sp>
       <p:pic>
         <p:nvPicPr>
-          <p:cNvPr id="4" name="图片 3"/>
+          <p:cNvPr id="3" name="图片 2"/>
           <p:cNvPicPr>
             <a:picLocks noChangeAspect="1"/>
           </p:cNvPicPr>
@@ -8659,8 +10540,8 @@
         </p:blipFill>
         <p:spPr>
           <a:xfrm>
-            <a:off x="1120775" y="2480310"/>
-            <a:ext cx="5067935" cy="3496945"/>
+            <a:off x="1426845" y="1989455"/>
+            <a:ext cx="4013200" cy="4199890"/>
           </a:xfrm>
           <a:prstGeom prst="rect">
             <a:avLst/>
@@ -8706,11 +10587,7 @@
                                           </p:stCondLst>
                                         </p:cTn>
                                         <p:tgtEl>
-                                          <p:spTgt spid="11266">
-                                            <p:txEl>
-                                              <p:pRg st="0" end="0"/>
-                                            </p:txEl>
-                                          </p:spTgt>
+                                          <p:spTgt spid="3"/>
                                         </p:tgtEl>
                                         <p:attrNameLst>
                                           <p:attrName>style.visibility</p:attrName>
@@ -8724,11 +10601,7 @@
                                       <p:cBhvr additive="base">
                                         <p:cTn id="7" dur="500" fill="hold"/>
                                         <p:tgtEl>
-                                          <p:spTgt spid="11266">
-                                            <p:txEl>
-                                              <p:pRg st="0" end="0"/>
-                                            </p:txEl>
-                                          </p:spTgt>
+                                          <p:spTgt spid="3"/>
                                         </p:tgtEl>
                                         <p:attrNameLst>
                                           <p:attrName>ppt_x</p:attrName>
@@ -8751,11 +10624,7 @@
                                       <p:cBhvr additive="base">
                                         <p:cTn id="8" dur="500" fill="hold"/>
                                         <p:tgtEl>
-                                          <p:spTgt spid="11266">
-                                            <p:txEl>
-                                              <p:pRg st="0" end="0"/>
-                                            </p:txEl>
-                                          </p:spTgt>
+                                          <p:spTgt spid="3"/>
                                         </p:tgtEl>
                                         <p:attrNameLst>
                                           <p:attrName>ppt_y</p:attrName>
@@ -8777,25 +10646,30 @@
                                   </p:childTnLst>
                                 </p:cTn>
                               </p:par>
+                            </p:childTnLst>
+                          </p:cTn>
+                        </p:par>
+                        <p:par>
+                          <p:cTn id="9" fill="hold">
+                            <p:stCondLst>
+                              <p:cond delay="500"/>
+                            </p:stCondLst>
+                            <p:childTnLst>
                               <p:par>
-                                <p:cTn id="9" presetID="2" presetClass="entr" presetSubtype="4" fill="hold" nodeType="withEffect">
+                                <p:cTn id="10" presetID="2" presetClass="entr" presetSubtype="4" fill="hold" grpId="0" nodeType="afterEffect">
                                   <p:stCondLst>
                                     <p:cond delay="0"/>
                                   </p:stCondLst>
                                   <p:childTnLst>
                                     <p:set>
                                       <p:cBhvr>
-                                        <p:cTn id="10" dur="1" fill="hold">
+                                        <p:cTn id="11" dur="1" fill="hold">
                                           <p:stCondLst>
                                             <p:cond delay="0"/>
                                           </p:stCondLst>
                                         </p:cTn>
                                         <p:tgtEl>
-                                          <p:spTgt spid="11266">
-                                            <p:txEl>
-                                              <p:pRg st="1" end="1"/>
-                                            </p:txEl>
-                                          </p:spTgt>
+                                          <p:spTgt spid="9"/>
                                         </p:tgtEl>
                                         <p:attrNameLst>
                                           <p:attrName>style.visibility</p:attrName>
@@ -8807,13 +10681,9 @@
                                     </p:set>
                                     <p:anim calcmode="lin" valueType="num">
                                       <p:cBhvr additive="base">
-                                        <p:cTn id="11" dur="500" fill="hold"/>
+                                        <p:cTn id="12" dur="500" fill="hold"/>
                                         <p:tgtEl>
-                                          <p:spTgt spid="11266">
-                                            <p:txEl>
-                                              <p:pRg st="1" end="1"/>
-                                            </p:txEl>
-                                          </p:spTgt>
+                                          <p:spTgt spid="9"/>
                                         </p:tgtEl>
                                         <p:attrNameLst>
                                           <p:attrName>ppt_x</p:attrName>
@@ -8834,13 +10704,9 @@
                                     </p:anim>
                                     <p:anim calcmode="lin" valueType="num">
                                       <p:cBhvr additive="base">
-                                        <p:cTn id="12" dur="500" fill="hold"/>
+                                        <p:cTn id="13" dur="500" fill="hold"/>
                                         <p:tgtEl>
-                                          <p:spTgt spid="11266">
-                                            <p:txEl>
-                                              <p:pRg st="1" end="1"/>
-                                            </p:txEl>
-                                          </p:spTgt>
+                                          <p:spTgt spid="9"/>
                                         </p:tgtEl>
                                         <p:attrNameLst>
                                           <p:attrName>ppt_y</p:attrName>
@@ -8869,26 +10735,26 @@
                     </p:cTn>
                   </p:par>
                   <p:par>
-                    <p:cTn id="13" fill="hold">
+                    <p:cTn id="14" fill="hold">
                       <p:stCondLst>
                         <p:cond delay="indefinite"/>
                       </p:stCondLst>
                       <p:childTnLst>
                         <p:par>
-                          <p:cTn id="14" fill="hold">
+                          <p:cTn id="15" fill="hold">
                             <p:stCondLst>
                               <p:cond delay="0"/>
                             </p:stCondLst>
                             <p:childTnLst>
                               <p:par>
-                                <p:cTn id="15" presetID="2" presetClass="entr" presetSubtype="4" fill="hold" grpId="0" nodeType="clickEffect">
+                                <p:cTn id="16" presetID="2" presetClass="entr" presetSubtype="4" fill="hold" grpId="0" nodeType="clickEffect">
                                   <p:stCondLst>
                                     <p:cond delay="0"/>
                                   </p:stCondLst>
                                   <p:childTnLst>
                                     <p:set>
                                       <p:cBhvr>
-                                        <p:cTn id="16" dur="1" fill="hold">
+                                        <p:cTn id="17" dur="1" fill="hold">
                                           <p:stCondLst>
                                             <p:cond delay="0"/>
                                           </p:stCondLst>
@@ -8906,7 +10772,7 @@
                                     </p:set>
                                     <p:anim calcmode="lin" valueType="num">
                                       <p:cBhvr additive="base">
-                                        <p:cTn id="17" dur="500" fill="hold"/>
+                                        <p:cTn id="18" dur="500" fill="hold"/>
                                         <p:tgtEl>
                                           <p:spTgt spid="5"/>
                                         </p:tgtEl>
@@ -8929,7 +10795,7 @@
                                     </p:anim>
                                     <p:anim calcmode="lin" valueType="num">
                                       <p:cBhvr additive="base">
-                                        <p:cTn id="18" dur="500" fill="hold"/>
+                                        <p:cTn id="19" dur="500" fill="hold"/>
                                         <p:tgtEl>
                                           <p:spTgt spid="5"/>
                                         </p:tgtEl>
@@ -8981,13 +10847,14 @@
       </p:par>
     </p:tnLst>
     <p:bldLst>
+      <p:bldP spid="9" grpId="0"/>
       <p:bldP spid="5" grpId="0"/>
     </p:bldLst>
   </p:timing>
 </p:sld>
 </file>
 
-<file path=ppt/slides/slide5.xml><?xml version="1.0" encoding="utf-8"?>
+<file path=ppt/slides/slide6.xml><?xml version="1.0" encoding="utf-8"?>
 <p:sld xmlns:a="http://schemas.openxmlformats.org/drawingml/2006/main" xmlns:r="http://schemas.openxmlformats.org/officeDocument/2006/relationships" xmlns:p="http://schemas.openxmlformats.org/presentationml/2006/main">
   <p:cSld>
     <p:spTree>
@@ -9477,7 +11344,7 @@
 </p:sld>
 </file>
 
-<file path=ppt/slides/slide6.xml><?xml version="1.0" encoding="utf-8"?>
+<file path=ppt/slides/slide7.xml><?xml version="1.0" encoding="utf-8"?>
 <p:sld xmlns:a="http://schemas.openxmlformats.org/drawingml/2006/main" xmlns:r="http://schemas.openxmlformats.org/officeDocument/2006/relationships" xmlns:p="http://schemas.openxmlformats.org/presentationml/2006/main">
   <p:cSld>
     <p:spTree>
@@ -9896,653 +11763,6 @@
                                         <p:cTn id="8" dur="500" fill="hold"/>
                                         <p:tgtEl>
                                           <p:spTgt spid="7"/>
-                                        </p:tgtEl>
-                                        <p:attrNameLst>
-                                          <p:attrName>ppt_y</p:attrName>
-                                        </p:attrNameLst>
-                                      </p:cBhvr>
-                                      <p:tavLst>
-                                        <p:tav tm="0">
-                                          <p:val>
-                                            <p:strVal val="1+#ppt_h/2"/>
-                                          </p:val>
-                                        </p:tav>
-                                        <p:tav tm="100000">
-                                          <p:val>
-                                            <p:strVal val="#ppt_y"/>
-                                          </p:val>
-                                        </p:tav>
-                                      </p:tavLst>
-                                    </p:anim>
-                                  </p:childTnLst>
-                                </p:cTn>
-                              </p:par>
-                            </p:childTnLst>
-                          </p:cTn>
-                        </p:par>
-                      </p:childTnLst>
-                    </p:cTn>
-                  </p:par>
-                  <p:par>
-                    <p:cTn id="9" fill="hold">
-                      <p:stCondLst>
-                        <p:cond delay="indefinite"/>
-                      </p:stCondLst>
-                      <p:childTnLst>
-                        <p:par>
-                          <p:cTn id="10" fill="hold">
-                            <p:stCondLst>
-                              <p:cond delay="0"/>
-                            </p:stCondLst>
-                            <p:childTnLst>
-                              <p:par>
-                                <p:cTn id="11" presetID="2" presetClass="entr" presetSubtype="4" fill="hold" grpId="0" nodeType="clickEffect">
-                                  <p:stCondLst>
-                                    <p:cond delay="0"/>
-                                  </p:stCondLst>
-                                  <p:childTnLst>
-                                    <p:set>
-                                      <p:cBhvr>
-                                        <p:cTn id="12" dur="1" fill="hold">
-                                          <p:stCondLst>
-                                            <p:cond delay="0"/>
-                                          </p:stCondLst>
-                                        </p:cTn>
-                                        <p:tgtEl>
-                                          <p:spTgt spid="5"/>
-                                        </p:tgtEl>
-                                        <p:attrNameLst>
-                                          <p:attrName>style.visibility</p:attrName>
-                                        </p:attrNameLst>
-                                      </p:cBhvr>
-                                      <p:to>
-                                        <p:strVal val="visible"/>
-                                      </p:to>
-                                    </p:set>
-                                    <p:anim calcmode="lin" valueType="num">
-                                      <p:cBhvr additive="base">
-                                        <p:cTn id="13" dur="500" fill="hold"/>
-                                        <p:tgtEl>
-                                          <p:spTgt spid="5"/>
-                                        </p:tgtEl>
-                                        <p:attrNameLst>
-                                          <p:attrName>ppt_x</p:attrName>
-                                        </p:attrNameLst>
-                                      </p:cBhvr>
-                                      <p:tavLst>
-                                        <p:tav tm="0">
-                                          <p:val>
-                                            <p:strVal val="#ppt_x"/>
-                                          </p:val>
-                                        </p:tav>
-                                        <p:tav tm="100000">
-                                          <p:val>
-                                            <p:strVal val="#ppt_x"/>
-                                          </p:val>
-                                        </p:tav>
-                                      </p:tavLst>
-                                    </p:anim>
-                                    <p:anim calcmode="lin" valueType="num">
-                                      <p:cBhvr additive="base">
-                                        <p:cTn id="14" dur="500" fill="hold"/>
-                                        <p:tgtEl>
-                                          <p:spTgt spid="5"/>
-                                        </p:tgtEl>
-                                        <p:attrNameLst>
-                                          <p:attrName>ppt_y</p:attrName>
-                                        </p:attrNameLst>
-                                      </p:cBhvr>
-                                      <p:tavLst>
-                                        <p:tav tm="0">
-                                          <p:val>
-                                            <p:strVal val="1+#ppt_h/2"/>
-                                          </p:val>
-                                        </p:tav>
-                                        <p:tav tm="100000">
-                                          <p:val>
-                                            <p:strVal val="#ppt_y"/>
-                                          </p:val>
-                                        </p:tav>
-                                      </p:tavLst>
-                                    </p:anim>
-                                  </p:childTnLst>
-                                </p:cTn>
-                              </p:par>
-                            </p:childTnLst>
-                          </p:cTn>
-                        </p:par>
-                        <p:par>
-                          <p:cTn id="15" fill="hold">
-                            <p:stCondLst>
-                              <p:cond delay="500"/>
-                            </p:stCondLst>
-                            <p:childTnLst>
-                              <p:par>
-                                <p:cTn id="16" presetID="2" presetClass="entr" presetSubtype="4" fill="hold" grpId="0" nodeType="afterEffect">
-                                  <p:stCondLst>
-                                    <p:cond delay="0"/>
-                                  </p:stCondLst>
-                                  <p:childTnLst>
-                                    <p:set>
-                                      <p:cBhvr>
-                                        <p:cTn id="17" dur="1" fill="hold">
-                                          <p:stCondLst>
-                                            <p:cond delay="0"/>
-                                          </p:stCondLst>
-                                        </p:cTn>
-                                        <p:tgtEl>
-                                          <p:spTgt spid="4"/>
-                                        </p:tgtEl>
-                                        <p:attrNameLst>
-                                          <p:attrName>style.visibility</p:attrName>
-                                        </p:attrNameLst>
-                                      </p:cBhvr>
-                                      <p:to>
-                                        <p:strVal val="visible"/>
-                                      </p:to>
-                                    </p:set>
-                                    <p:anim calcmode="lin" valueType="num">
-                                      <p:cBhvr additive="base">
-                                        <p:cTn id="18" dur="500" fill="hold"/>
-                                        <p:tgtEl>
-                                          <p:spTgt spid="4"/>
-                                        </p:tgtEl>
-                                        <p:attrNameLst>
-                                          <p:attrName>ppt_x</p:attrName>
-                                        </p:attrNameLst>
-                                      </p:cBhvr>
-                                      <p:tavLst>
-                                        <p:tav tm="0">
-                                          <p:val>
-                                            <p:strVal val="#ppt_x"/>
-                                          </p:val>
-                                        </p:tav>
-                                        <p:tav tm="100000">
-                                          <p:val>
-                                            <p:strVal val="#ppt_x"/>
-                                          </p:val>
-                                        </p:tav>
-                                      </p:tavLst>
-                                    </p:anim>
-                                    <p:anim calcmode="lin" valueType="num">
-                                      <p:cBhvr additive="base">
-                                        <p:cTn id="19" dur="500" fill="hold"/>
-                                        <p:tgtEl>
-                                          <p:spTgt spid="4"/>
-                                        </p:tgtEl>
-                                        <p:attrNameLst>
-                                          <p:attrName>ppt_y</p:attrName>
-                                        </p:attrNameLst>
-                                      </p:cBhvr>
-                                      <p:tavLst>
-                                        <p:tav tm="0">
-                                          <p:val>
-                                            <p:strVal val="1+#ppt_h/2"/>
-                                          </p:val>
-                                        </p:tav>
-                                        <p:tav tm="100000">
-                                          <p:val>
-                                            <p:strVal val="#ppt_y"/>
-                                          </p:val>
-                                        </p:tav>
-                                      </p:tavLst>
-                                    </p:anim>
-                                  </p:childTnLst>
-                                </p:cTn>
-                              </p:par>
-                            </p:childTnLst>
-                          </p:cTn>
-                        </p:par>
-                      </p:childTnLst>
-                    </p:cTn>
-                  </p:par>
-                </p:childTnLst>
-              </p:cTn>
-              <p:prevCondLst>
-                <p:cond evt="onPrev" delay="0">
-                  <p:tgtEl>
-                    <p:sldTgt/>
-                  </p:tgtEl>
-                </p:cond>
-              </p:prevCondLst>
-              <p:nextCondLst>
-                <p:cond evt="onNext" delay="0">
-                  <p:tgtEl>
-                    <p:sldTgt/>
-                  </p:tgtEl>
-                </p:cond>
-              </p:nextCondLst>
-            </p:seq>
-          </p:childTnLst>
-        </p:cTn>
-      </p:par>
-    </p:tnLst>
-    <p:bldLst>
-      <p:bldP spid="4" grpId="0"/>
-      <p:bldP spid="5" grpId="0"/>
-    </p:bldLst>
-  </p:timing>
-</p:sld>
-</file>
-
-<file path=ppt/slides/slide7.xml><?xml version="1.0" encoding="utf-8"?>
-<p:sld xmlns:a="http://schemas.openxmlformats.org/drawingml/2006/main" xmlns:r="http://schemas.openxmlformats.org/officeDocument/2006/relationships" xmlns:p="http://schemas.openxmlformats.org/presentationml/2006/main">
-  <p:cSld>
-    <p:spTree>
-      <p:nvGrpSpPr>
-        <p:cNvPr id="1" name=""/>
-        <p:cNvGrpSpPr/>
-        <p:nvPr/>
-      </p:nvGrpSpPr>
-      <p:grpSpPr>
-        <a:xfrm>
-          <a:off x="0" y="0"/>
-          <a:ext cx="0" cy="0"/>
-          <a:chOff x="0" y="0"/>
-          <a:chExt cx="0" cy="0"/>
-        </a:xfrm>
-      </p:grpSpPr>
-      <p:sp>
-        <p:nvSpPr>
-          <p:cNvPr id="11266" name="内容占位符 1"/>
-          <p:cNvSpPr>
-            <a:spLocks noGrp="1"/>
-          </p:cNvSpPr>
-          <p:nvPr>
-            <p:ph sz="quarter" idx="10"/>
-          </p:nvPr>
-        </p:nvSpPr>
-        <p:spPr bwMode="auto">
-          <a:xfrm>
-            <a:off x="947420" y="868680"/>
-            <a:ext cx="10248900" cy="5207000"/>
-          </a:xfrm>
-          <a:noFill/>
-          <a:extLst>
-            <a:ext uri="{909E8E84-426E-40DD-AFC4-6F175D3DCCD1}">
-              <a14:hiddenFill xmlns:a14="http://schemas.microsoft.com/office/drawing/2010/main">
-                <a:solidFill>
-                  <a:srgbClr val="FFFFFF"/>
-                </a:solidFill>
-              </a14:hiddenFill>
-            </a:ext>
-            <a:ext uri="{91240B29-F687-4F45-9708-019B960494DF}">
-              <a14:hiddenLine xmlns:a14="http://schemas.microsoft.com/office/drawing/2010/main" w="9525">
-                <a:solidFill>
-                  <a:srgbClr val="000000"/>
-                </a:solidFill>
-                <a:miter lim="800000"/>
-                <a:headEnd/>
-                <a:tailEnd/>
-              </a14:hiddenLine>
-            </a:ext>
-          </a:extLst>
-        </p:spPr>
-        <p:txBody>
-          <a:bodyPr vert="horz" wrap="square" lIns="91440" tIns="45720" rIns="91440" bIns="45720" numCol="1" anchor="t" anchorCtr="0" compatLnSpc="1"/>
-          <a:lstStyle/>
-          <a:p>
-            <a:pPr marL="0" indent="0">
-              <a:lnSpc>
-                <a:spcPct val="130000"/>
-              </a:lnSpc>
-              <a:buNone/>
-            </a:pPr>
-            <a:endParaRPr kumimoji="0" lang="zh-CN" altLang="en-US" sz="3200" dirty="0" smtClean="0">
-              <a:solidFill>
-                <a:schemeClr val="accent3"/>
-              </a:solidFill>
-              <a:sym typeface="+mn-ea"/>
-            </a:endParaRPr>
-          </a:p>
-          <a:p>
-            <a:pPr>
-              <a:lnSpc>
-                <a:spcPct val="130000"/>
-              </a:lnSpc>
-            </a:pPr>
-            <a:endParaRPr kumimoji="0" lang="zh-CN" altLang="en-US" sz="3200" dirty="0" smtClean="0">
-              <a:solidFill>
-                <a:schemeClr val="tx1"/>
-              </a:solidFill>
-            </a:endParaRPr>
-          </a:p>
-          <a:p>
-            <a:pPr eaLnBrk="1" hangingPunct="1">
-              <a:lnSpc>
-                <a:spcPct val="150000"/>
-              </a:lnSpc>
-            </a:pPr>
-            <a:endParaRPr kumimoji="0" lang="en-US" altLang="zh-CN" sz="3600" dirty="0" smtClean="0">
-              <a:solidFill>
-                <a:schemeClr val="tx1"/>
-              </a:solidFill>
-            </a:endParaRPr>
-          </a:p>
-          <a:p>
-            <a:pPr eaLnBrk="1" hangingPunct="1">
-              <a:lnSpc>
-                <a:spcPct val="150000"/>
-              </a:lnSpc>
-            </a:pPr>
-            <a:endParaRPr kumimoji="0" lang="zh-CN" altLang="en-US" dirty="0" smtClean="0">
-              <a:solidFill>
-                <a:schemeClr val="tx1"/>
-              </a:solidFill>
-            </a:endParaRPr>
-          </a:p>
-        </p:txBody>
-      </p:sp>
-      <p:sp>
-        <p:nvSpPr>
-          <p:cNvPr id="2" name="内容占位符 1"/>
-          <p:cNvSpPr>
-            <a:spLocks noGrp="1"/>
-          </p:cNvSpPr>
-          <p:nvPr>
-            <p:ph sz="quarter" idx="11"/>
-          </p:nvPr>
-        </p:nvSpPr>
-        <p:spPr>
-          <a:xfrm>
-            <a:off x="947204" y="308698"/>
-            <a:ext cx="8191557" cy="490476"/>
-          </a:xfrm>
-        </p:spPr>
-        <p:txBody>
-          <a:bodyPr/>
-          <a:lstStyle/>
-          <a:p>
-            <a:r>
-              <a:rPr kumimoji="0" lang="zh-CN" altLang="en-US" dirty="0">
-                <a:sym typeface="+mn-ea"/>
-              </a:rPr>
-              <a:t>闭包的常见形式（作为函数返回值返回）</a:t>
-            </a:r>
-            <a:endParaRPr kumimoji="0" lang="zh-CN" altLang="en-US" dirty="0"/>
-          </a:p>
-        </p:txBody>
-      </p:sp>
-      <p:sp>
-        <p:nvSpPr>
-          <p:cNvPr id="4" name="文本框 3"/>
-          <p:cNvSpPr txBox="1"/>
-          <p:nvPr/>
-        </p:nvSpPr>
-        <p:spPr>
-          <a:xfrm>
-            <a:off x="6306820" y="6042025"/>
-            <a:ext cx="3971925" cy="429895"/>
-          </a:xfrm>
-          <a:prstGeom prst="rect">
-            <a:avLst/>
-          </a:prstGeom>
-          <a:noFill/>
-        </p:spPr>
-        <p:txBody>
-          <a:bodyPr wrap="square" rtlCol="0">
-            <a:spAutoFit/>
-          </a:bodyPr>
-          <a:lstStyle/>
-          <a:p>
-            <a:pPr algn="l"/>
-            <a:r>
-              <a:rPr lang="zh-CN" altLang="en-US" sz="2200">
-                <a:solidFill>
-                  <a:srgbClr val="FF0000"/>
-                </a:solidFill>
-                <a:latin typeface="+mn-ea"/>
-                <a:ea typeface="+mn-ea"/>
-              </a:rPr>
-              <a:t>参见实例</a:t>
-            </a:r>
-            <a:r>
-              <a:rPr lang="en-US" altLang="zh-CN" sz="2200">
-                <a:solidFill>
-                  <a:srgbClr val="FF0000"/>
-                </a:solidFill>
-                <a:latin typeface="+mn-ea"/>
-                <a:ea typeface="+mn-ea"/>
-              </a:rPr>
-              <a:t>demo12  Part2</a:t>
-            </a:r>
-            <a:endParaRPr lang="en-US" sz="2200">
-              <a:solidFill>
-                <a:srgbClr val="FF0000"/>
-              </a:solidFill>
-              <a:latin typeface="+mn-ea"/>
-              <a:ea typeface="+mn-ea"/>
-            </a:endParaRPr>
-          </a:p>
-        </p:txBody>
-      </p:sp>
-      <p:pic>
-        <p:nvPicPr>
-          <p:cNvPr id="3" name="图片 2"/>
-          <p:cNvPicPr>
-            <a:picLocks noChangeAspect="1"/>
-          </p:cNvPicPr>
-          <p:nvPr/>
-        </p:nvPicPr>
-        <p:blipFill>
-          <a:blip r:embed="rId1"/>
-          <a:stretch>
-            <a:fillRect/>
-          </a:stretch>
-        </p:blipFill>
-        <p:spPr>
-          <a:xfrm>
-            <a:off x="1047750" y="1016635"/>
-            <a:ext cx="8599170" cy="4806950"/>
-          </a:xfrm>
-          <a:prstGeom prst="rect">
-            <a:avLst/>
-          </a:prstGeom>
-        </p:spPr>
-      </p:pic>
-      <p:sp>
-        <p:nvSpPr>
-          <p:cNvPr id="5" name="文本框 4"/>
-          <p:cNvSpPr txBox="1"/>
-          <p:nvPr/>
-        </p:nvSpPr>
-        <p:spPr>
-          <a:xfrm>
-            <a:off x="5917565" y="4590415"/>
-            <a:ext cx="4431030" cy="1445260"/>
-          </a:xfrm>
-          <a:prstGeom prst="rect">
-            <a:avLst/>
-          </a:prstGeom>
-          <a:noFill/>
-        </p:spPr>
-        <p:txBody>
-          <a:bodyPr wrap="square" rtlCol="0">
-            <a:spAutoFit/>
-          </a:bodyPr>
-          <a:lstStyle/>
-          <a:p>
-            <a:pPr algn="l"/>
-            <a:r>
-              <a:rPr lang="zh-CN" altLang="en-US" sz="2200">
-                <a:solidFill>
-                  <a:schemeClr val="tx1"/>
-                </a:solidFill>
-                <a:latin typeface="+mn-ea"/>
-                <a:ea typeface="+mn-ea"/>
-              </a:rPr>
-              <a:t>思考：此实例中</a:t>
-            </a:r>
-            <a:r>
-              <a:rPr lang="en-US" altLang="zh-CN" sz="2200">
-                <a:solidFill>
-                  <a:schemeClr val="tx1"/>
-                </a:solidFill>
-                <a:latin typeface="+mn-ea"/>
-                <a:ea typeface="+mn-ea"/>
-              </a:rPr>
-              <a:t>bar</a:t>
-            </a:r>
-            <a:r>
-              <a:rPr lang="zh-CN" altLang="en-US" sz="2200">
-                <a:solidFill>
-                  <a:schemeClr val="tx1"/>
-                </a:solidFill>
-                <a:latin typeface="+mn-ea"/>
-                <a:ea typeface="+mn-ea"/>
-              </a:rPr>
-              <a:t>函数对象相关作用域的变量都有哪些？</a:t>
-            </a:r>
-            <a:r>
-              <a:rPr lang="en-US" altLang="zh-CN" sz="2200">
-                <a:solidFill>
-                  <a:schemeClr val="tx1"/>
-                </a:solidFill>
-                <a:latin typeface="+mn-ea"/>
-                <a:ea typeface="+mn-ea"/>
-              </a:rPr>
-              <a:t>foo</a:t>
-            </a:r>
-            <a:r>
-              <a:rPr lang="zh-CN" altLang="en-US" sz="2200">
-                <a:solidFill>
-                  <a:schemeClr val="tx1"/>
-                </a:solidFill>
-                <a:latin typeface="+mn-ea"/>
-                <a:ea typeface="+mn-ea"/>
-              </a:rPr>
-              <a:t>中的</a:t>
-            </a:r>
-            <a:r>
-              <a:rPr lang="en-US" altLang="zh-CN" sz="2200">
-                <a:solidFill>
-                  <a:schemeClr val="tx1"/>
-                </a:solidFill>
-                <a:latin typeface="+mn-ea"/>
-                <a:ea typeface="+mn-ea"/>
-              </a:rPr>
-              <a:t>tmp</a:t>
-            </a:r>
-            <a:r>
-              <a:rPr lang="zh-CN" altLang="en-US" sz="2200">
-                <a:solidFill>
-                  <a:schemeClr val="tx1"/>
-                </a:solidFill>
-                <a:latin typeface="+mn-ea"/>
-                <a:ea typeface="+mn-ea"/>
-              </a:rPr>
-              <a:t>是否调用后就释放？</a:t>
-            </a:r>
-            <a:endParaRPr lang="zh-CN" altLang="en-US" sz="2200">
-              <a:solidFill>
-                <a:schemeClr val="tx1"/>
-              </a:solidFill>
-              <a:latin typeface="+mn-ea"/>
-              <a:ea typeface="+mn-ea"/>
-            </a:endParaRPr>
-          </a:p>
-          <a:p>
-            <a:pPr algn="l"/>
-            <a:r>
-              <a:rPr lang="zh-CN" altLang="en-US" sz="2200">
-                <a:solidFill>
-                  <a:srgbClr val="FF0000"/>
-                </a:solidFill>
-                <a:latin typeface="+mn-ea"/>
-                <a:ea typeface="+mn-ea"/>
-              </a:rPr>
-              <a:t>使用断点调试查看代码的运行状况</a:t>
-            </a:r>
-            <a:endParaRPr lang="zh-CN" altLang="en-US" sz="2200">
-              <a:solidFill>
-                <a:srgbClr val="FF0000"/>
-              </a:solidFill>
-              <a:latin typeface="+mn-ea"/>
-              <a:ea typeface="+mn-ea"/>
-            </a:endParaRPr>
-          </a:p>
-        </p:txBody>
-      </p:sp>
-    </p:spTree>
-  </p:cSld>
-  <p:clrMapOvr>
-    <a:masterClrMapping/>
-  </p:clrMapOvr>
-  <p:timing>
-    <p:tnLst>
-      <p:par>
-        <p:cTn id="1" dur="indefinite" restart="never" nodeType="tmRoot">
-          <p:childTnLst>
-            <p:seq concurrent="1" nextAc="seek">
-              <p:cTn id="2" dur="indefinite" nodeType="mainSeq">
-                <p:childTnLst>
-                  <p:par>
-                    <p:cTn id="3" fill="hold">
-                      <p:stCondLst>
-                        <p:cond delay="indefinite"/>
-                        <p:cond evt="onBegin" delay="0">
-                          <p:tn val="2"/>
-                        </p:cond>
-                      </p:stCondLst>
-                      <p:childTnLst>
-                        <p:par>
-                          <p:cTn id="4" fill="hold">
-                            <p:stCondLst>
-                              <p:cond delay="0"/>
-                            </p:stCondLst>
-                            <p:childTnLst>
-                              <p:par>
-                                <p:cTn id="5" presetID="2" presetClass="entr" presetSubtype="4" fill="hold" nodeType="afterEffect">
-                                  <p:stCondLst>
-                                    <p:cond delay="0"/>
-                                  </p:stCondLst>
-                                  <p:childTnLst>
-                                    <p:set>
-                                      <p:cBhvr>
-                                        <p:cTn id="6" dur="1" fill="hold">
-                                          <p:stCondLst>
-                                            <p:cond delay="0"/>
-                                          </p:stCondLst>
-                                        </p:cTn>
-                                        <p:tgtEl>
-                                          <p:spTgt spid="3"/>
-                                        </p:tgtEl>
-                                        <p:attrNameLst>
-                                          <p:attrName>style.visibility</p:attrName>
-                                        </p:attrNameLst>
-                                      </p:cBhvr>
-                                      <p:to>
-                                        <p:strVal val="visible"/>
-                                      </p:to>
-                                    </p:set>
-                                    <p:anim calcmode="lin" valueType="num">
-                                      <p:cBhvr additive="base">
-                                        <p:cTn id="7" dur="500" fill="hold"/>
-                                        <p:tgtEl>
-                                          <p:spTgt spid="3"/>
-                                        </p:tgtEl>
-                                        <p:attrNameLst>
-                                          <p:attrName>ppt_x</p:attrName>
-                                        </p:attrNameLst>
-                                      </p:cBhvr>
-                                      <p:tavLst>
-                                        <p:tav tm="0">
-                                          <p:val>
-                                            <p:strVal val="#ppt_x"/>
-                                          </p:val>
-                                        </p:tav>
-                                        <p:tav tm="100000">
-                                          <p:val>
-                                            <p:strVal val="#ppt_x"/>
-                                          </p:val>
-                                        </p:tav>
-                                      </p:tavLst>
-                                    </p:anim>
-                                    <p:anim calcmode="lin" valueType="num">
-                                      <p:cBhvr additive="base">
-                                        <p:cTn id="8" dur="500" fill="hold"/>
-                                        <p:tgtEl>
-                                          <p:spTgt spid="3"/>
                                         </p:tgtEl>
                                         <p:attrNameLst>
                                           <p:attrName>ppt_y</p:attrName>
@@ -10829,10 +12049,11 @@
           <a:bodyPr vert="horz" wrap="square" lIns="91440" tIns="45720" rIns="91440" bIns="45720" numCol="1" anchor="t" anchorCtr="0" compatLnSpc="1"/>
           <a:lstStyle/>
           <a:p>
-            <a:pPr>
+            <a:pPr marL="0" indent="0">
               <a:lnSpc>
                 <a:spcPct val="130000"/>
               </a:lnSpc>
+              <a:buNone/>
             </a:pPr>
             <a:endParaRPr kumimoji="0" lang="zh-CN" altLang="en-US" sz="3200" dirty="0" smtClean="0">
               <a:solidFill>
@@ -10903,7 +12124,7 @@
               <a:rPr kumimoji="0" lang="zh-CN" altLang="en-US" dirty="0">
                 <a:sym typeface="+mn-ea"/>
               </a:rPr>
-              <a:t>闭包的常见形式（作为对象的方法返回）</a:t>
+              <a:t>闭包的常见形式（作为函数返回值返回）</a:t>
             </a:r>
             <a:endParaRPr kumimoji="0" lang="zh-CN" altLang="en-US" dirty="0"/>
           </a:p>
@@ -10917,8 +12138,8 @@
         </p:nvSpPr>
         <p:spPr>
           <a:xfrm>
-            <a:off x="7024370" y="6113780"/>
-            <a:ext cx="3345815" cy="429895"/>
+            <a:off x="6306820" y="6042025"/>
+            <a:ext cx="3971925" cy="429895"/>
           </a:xfrm>
           <a:prstGeom prst="rect">
             <a:avLst/>
@@ -10950,7 +12171,7 @@
                 <a:latin typeface="+mn-ea"/>
                 <a:ea typeface="+mn-ea"/>
               </a:rPr>
-              <a:t>demo13 Part1</a:t>
+              <a:t>demo12  Part2</a:t>
             </a:r>
             <a:endParaRPr lang="en-US" sz="2200">
               <a:solidFill>
@@ -10964,7 +12185,7 @@
       </p:sp>
       <p:pic>
         <p:nvPicPr>
-          <p:cNvPr id="6" name="图片 5"/>
+          <p:cNvPr id="3" name="图片 2"/>
           <p:cNvPicPr>
             <a:picLocks noChangeAspect="1"/>
           </p:cNvPicPr>
@@ -10978,8 +12199,8 @@
         </p:blipFill>
         <p:spPr>
           <a:xfrm>
-            <a:off x="947420" y="1003935"/>
-            <a:ext cx="7849870" cy="4904740"/>
+            <a:off x="1047750" y="1016635"/>
+            <a:ext cx="8599170" cy="4806950"/>
           </a:xfrm>
           <a:prstGeom prst="rect">
             <a:avLst/>
@@ -10994,8 +12215,8 @@
         </p:nvSpPr>
         <p:spPr>
           <a:xfrm>
-            <a:off x="6358255" y="4805680"/>
-            <a:ext cx="4615180" cy="768350"/>
+            <a:off x="5917565" y="4590415"/>
+            <a:ext cx="4431030" cy="1445260"/>
           </a:xfrm>
           <a:prstGeom prst="rect">
             <a:avLst/>
@@ -11020,16 +12241,66 @@
               <a:t>思考：此实例中</a:t>
             </a:r>
             <a:r>
-              <a:rPr lang="zh-CN" sz="2200">
+              <a:rPr lang="en-US" altLang="zh-CN" sz="2200">
                 <a:solidFill>
                   <a:schemeClr val="tx1"/>
                 </a:solidFill>
                 <a:latin typeface="+mn-ea"/>
                 <a:ea typeface="+mn-ea"/>
               </a:rPr>
-              <a:t>总共有几个闭包？</a:t>
-            </a:r>
-            <a:endParaRPr lang="zh-CN" sz="2200">
+              <a:t>bar</a:t>
+            </a:r>
+            <a:r>
+              <a:rPr lang="zh-CN" altLang="en-US" sz="2200">
+                <a:solidFill>
+                  <a:schemeClr val="tx1"/>
+                </a:solidFill>
+                <a:latin typeface="+mn-ea"/>
+                <a:ea typeface="+mn-ea"/>
+              </a:rPr>
+              <a:t>函数对象相关作用域的变量都有哪些？</a:t>
+            </a:r>
+            <a:r>
+              <a:rPr lang="en-US" altLang="zh-CN" sz="2200">
+                <a:solidFill>
+                  <a:schemeClr val="tx1"/>
+                </a:solidFill>
+                <a:latin typeface="+mn-ea"/>
+                <a:ea typeface="+mn-ea"/>
+              </a:rPr>
+              <a:t>foo</a:t>
+            </a:r>
+            <a:r>
+              <a:rPr lang="zh-CN" altLang="en-US" sz="2200">
+                <a:solidFill>
+                  <a:schemeClr val="tx1"/>
+                </a:solidFill>
+                <a:latin typeface="+mn-ea"/>
+                <a:ea typeface="+mn-ea"/>
+              </a:rPr>
+              <a:t>中的</a:t>
+            </a:r>
+            <a:r>
+              <a:rPr lang="en-US" altLang="zh-CN" sz="2200">
+                <a:solidFill>
+                  <a:schemeClr val="tx1"/>
+                </a:solidFill>
+                <a:latin typeface="+mn-ea"/>
+                <a:ea typeface="+mn-ea"/>
+              </a:rPr>
+              <a:t>tmp</a:t>
+            </a:r>
+            <a:r>
+              <a:rPr lang="zh-CN" altLang="en-US" sz="2200">
+                <a:solidFill>
+                  <a:schemeClr val="tx1"/>
+                </a:solidFill>
+                <a:latin typeface="+mn-ea"/>
+                <a:ea typeface="+mn-ea"/>
+              </a:rPr>
+              <a:t>是否调用后就释放？</a:t>
+            </a:r>
+            <a:endParaRPr lang="zh-CN" altLang="en-US" sz="2200">
               <a:solidFill>
                 <a:schemeClr val="tx1"/>
               </a:solidFill>
@@ -11046,13 +12317,12 @@
                 </a:solidFill>
                 <a:latin typeface="+mn-ea"/>
                 <a:ea typeface="+mn-ea"/>
-                <a:sym typeface="+mn-ea"/>
               </a:rPr>
               <a:t>使用断点调试查看代码的运行状况</a:t>
             </a:r>
-            <a:endParaRPr lang="zh-CN" sz="2200">
+            <a:endParaRPr lang="zh-CN" altLang="en-US" sz="2200">
               <a:solidFill>
-                <a:schemeClr val="tx1"/>
+                <a:srgbClr val="FF0000"/>
               </a:solidFill>
               <a:latin typeface="+mn-ea"/>
               <a:ea typeface="+mn-ea"/>
@@ -11102,7 +12372,7 @@
                                           </p:stCondLst>
                                         </p:cTn>
                                         <p:tgtEl>
-                                          <p:spTgt spid="6"/>
+                                          <p:spTgt spid="3"/>
                                         </p:tgtEl>
                                         <p:attrNameLst>
                                           <p:attrName>style.visibility</p:attrName>
@@ -11116,7 +12386,7 @@
                                       <p:cBhvr additive="base">
                                         <p:cTn id="7" dur="500" fill="hold"/>
                                         <p:tgtEl>
-                                          <p:spTgt spid="6"/>
+                                          <p:spTgt spid="3"/>
                                         </p:tgtEl>
                                         <p:attrNameLst>
                                           <p:attrName>ppt_x</p:attrName>
@@ -11139,7 +12409,7 @@
                                       <p:cBhvr additive="base">
                                         <p:cTn id="8" dur="500" fill="hold"/>
                                         <p:tgtEl>
-                                          <p:spTgt spid="6"/>
+                                          <p:spTgt spid="3"/>
                                         </p:tgtEl>
                                         <p:attrNameLst>
                                           <p:attrName>ppt_y</p:attrName>
@@ -11164,21 +12434,30 @@
                             </p:childTnLst>
                           </p:cTn>
                         </p:par>
+                      </p:childTnLst>
+                    </p:cTn>
+                  </p:par>
+                  <p:par>
+                    <p:cTn id="9" fill="hold">
+                      <p:stCondLst>
+                        <p:cond delay="indefinite"/>
+                      </p:stCondLst>
+                      <p:childTnLst>
                         <p:par>
-                          <p:cTn id="9" fill="hold">
+                          <p:cTn id="10" fill="hold">
                             <p:stCondLst>
-                              <p:cond delay="500"/>
+                              <p:cond delay="0"/>
                             </p:stCondLst>
                             <p:childTnLst>
                               <p:par>
-                                <p:cTn id="10" presetID="2" presetClass="entr" presetSubtype="4" fill="hold" grpId="0" nodeType="afterEffect">
+                                <p:cTn id="11" presetID="2" presetClass="entr" presetSubtype="4" fill="hold" grpId="0" nodeType="clickEffect">
                                   <p:stCondLst>
                                     <p:cond delay="0"/>
                                   </p:stCondLst>
                                   <p:childTnLst>
                                     <p:set>
                                       <p:cBhvr>
-                                        <p:cTn id="11" dur="1" fill="hold">
+                                        <p:cTn id="12" dur="1" fill="hold">
                                           <p:stCondLst>
                                             <p:cond delay="0"/>
                                           </p:stCondLst>
@@ -11196,7 +12475,7 @@
                                     </p:set>
                                     <p:anim calcmode="lin" valueType="num">
                                       <p:cBhvr additive="base">
-                                        <p:cTn id="12" dur="500" fill="hold"/>
+                                        <p:cTn id="13" dur="500" fill="hold"/>
                                         <p:tgtEl>
                                           <p:spTgt spid="5"/>
                                         </p:tgtEl>
@@ -11219,7 +12498,7 @@
                                     </p:anim>
                                     <p:anim calcmode="lin" valueType="num">
                                       <p:cBhvr additive="base">
-                                        <p:cTn id="13" dur="500" fill="hold"/>
+                                        <p:cTn id="14" dur="500" fill="hold"/>
                                         <p:tgtEl>
                                           <p:spTgt spid="5"/>
                                         </p:tgtEl>
@@ -11247,20 +12526,20 @@
                           </p:cTn>
                         </p:par>
                         <p:par>
-                          <p:cTn id="14" fill="hold">
+                          <p:cTn id="15" fill="hold">
                             <p:stCondLst>
-                              <p:cond delay="1000"/>
+                              <p:cond delay="500"/>
                             </p:stCondLst>
                             <p:childTnLst>
                               <p:par>
-                                <p:cTn id="15" presetID="2" presetClass="entr" presetSubtype="4" fill="hold" grpId="0" nodeType="afterEffect">
+                                <p:cTn id="16" presetID="2" presetClass="entr" presetSubtype="4" fill="hold" grpId="0" nodeType="afterEffect">
                                   <p:stCondLst>
                                     <p:cond delay="0"/>
                                   </p:stCondLst>
                                   <p:childTnLst>
                                     <p:set>
                                       <p:cBhvr>
-                                        <p:cTn id="16" dur="1" fill="hold">
+                                        <p:cTn id="17" dur="1" fill="hold">
                                           <p:stCondLst>
                                             <p:cond delay="0"/>
                                           </p:stCondLst>
@@ -11278,7 +12557,7 @@
                                     </p:set>
                                     <p:anim calcmode="lin" valueType="num">
                                       <p:cBhvr additive="base">
-                                        <p:cTn id="17" dur="500" fill="hold"/>
+                                        <p:cTn id="18" dur="500" fill="hold"/>
                                         <p:tgtEl>
                                           <p:spTgt spid="4"/>
                                         </p:tgtEl>
@@ -11301,7 +12580,7 @@
                                     </p:anim>
                                     <p:anim calcmode="lin" valueType="num">
                                       <p:cBhvr additive="base">
-                                        <p:cTn id="18" dur="500" fill="hold"/>
+                                        <p:cTn id="19" dur="500" fill="hold"/>
                                         <p:tgtEl>
                                           <p:spTgt spid="4"/>
                                         </p:tgtEl>
@@ -11491,15 +12770,68 @@
               <a:rPr kumimoji="0" lang="zh-CN" altLang="en-US" dirty="0">
                 <a:sym typeface="+mn-ea"/>
               </a:rPr>
-              <a:t>闭包的常见形式（函数作为参数）</a:t>
+              <a:t>闭包的常见形式（作为对象的方法返回）</a:t>
             </a:r>
             <a:endParaRPr kumimoji="0" lang="zh-CN" altLang="en-US" dirty="0"/>
+          </a:p>
+        </p:txBody>
+      </p:sp>
+      <p:sp>
+        <p:nvSpPr>
+          <p:cNvPr id="4" name="文本框 3"/>
+          <p:cNvSpPr txBox="1"/>
+          <p:nvPr/>
+        </p:nvSpPr>
+        <p:spPr>
+          <a:xfrm>
+            <a:off x="7024370" y="6113780"/>
+            <a:ext cx="3345815" cy="429895"/>
+          </a:xfrm>
+          <a:prstGeom prst="rect">
+            <a:avLst/>
+          </a:prstGeom>
+          <a:noFill/>
+        </p:spPr>
+        <p:txBody>
+          <a:bodyPr wrap="square" rtlCol="0">
+            <a:spAutoFit/>
+          </a:bodyPr>
+          <a:lstStyle/>
+          <a:p>
+            <a:pPr algn="l"/>
+            <a:r>
+              <a:rPr lang="zh-CN" altLang="en-US" sz="2200">
+                <a:solidFill>
+                  <a:srgbClr val="FF0000"/>
+                </a:solidFill>
+                <a:latin typeface="+mn-ea"/>
+                <a:ea typeface="+mn-ea"/>
+              </a:rPr>
+              <a:t>参见实例</a:t>
+            </a:r>
+            <a:r>
+              <a:rPr lang="en-US" altLang="zh-CN" sz="2200">
+                <a:solidFill>
+                  <a:srgbClr val="FF0000"/>
+                </a:solidFill>
+                <a:latin typeface="+mn-ea"/>
+                <a:ea typeface="+mn-ea"/>
+              </a:rPr>
+              <a:t>demo13 Part1</a:t>
+            </a:r>
+            <a:endParaRPr lang="en-US" sz="2200">
+              <a:solidFill>
+                <a:srgbClr val="FF0000"/>
+              </a:solidFill>
+              <a:latin typeface="+mn-ea"/>
+              <a:ea typeface="+mn-ea"/>
+            </a:endParaRPr>
           </a:p>
         </p:txBody>
       </p:sp>
       <p:pic>
         <p:nvPicPr>
-          <p:cNvPr id="3" name="图片 2"/>
+          <p:cNvPr id="6" name="图片 5"/>
           <p:cNvPicPr>
             <a:picLocks noChangeAspect="1"/>
           </p:cNvPicPr>
@@ -11513,8 +12845,8 @@
         </p:blipFill>
         <p:spPr>
           <a:xfrm>
-            <a:off x="999490" y="1748790"/>
-            <a:ext cx="4852035" cy="4097655"/>
+            <a:off x="947420" y="1003935"/>
+            <a:ext cx="7849870" cy="4904740"/>
           </a:xfrm>
           <a:prstGeom prst="rect">
             <a:avLst/>
@@ -11523,14 +12855,14 @@
       </p:pic>
       <p:sp>
         <p:nvSpPr>
-          <p:cNvPr id="4" name="文本框 3"/>
+          <p:cNvPr id="5" name="文本框 4"/>
           <p:cNvSpPr txBox="1"/>
           <p:nvPr/>
         </p:nvSpPr>
         <p:spPr>
           <a:xfrm>
-            <a:off x="6306820" y="6113780"/>
-            <a:ext cx="4890135" cy="429895"/>
+            <a:off x="6358255" y="4805680"/>
+            <a:ext cx="4615180" cy="768350"/>
           </a:xfrm>
           <a:prstGeom prst="rect">
             <a:avLst/>
@@ -11547,358 +12879,22 @@
             <a:r>
               <a:rPr lang="zh-CN" altLang="en-US" sz="2200">
                 <a:solidFill>
-                  <a:srgbClr val="FF0000"/>
+                  <a:schemeClr val="tx1"/>
                 </a:solidFill>
                 <a:latin typeface="+mn-ea"/>
                 <a:ea typeface="+mn-ea"/>
               </a:rPr>
-              <a:t>参见实例</a:t>
-            </a:r>
-            <a:r>
-              <a:rPr lang="en-US" altLang="zh-CN" sz="2200">
-                <a:solidFill>
-                  <a:srgbClr val="FF0000"/>
+              <a:t>思考：此实例中</a:t>
+            </a:r>
+            <a:r>
+              <a:rPr lang="zh-CN" sz="2200">
+                <a:solidFill>
+                  <a:schemeClr val="tx1"/>
                 </a:solidFill>
                 <a:latin typeface="+mn-ea"/>
                 <a:ea typeface="+mn-ea"/>
               </a:rPr>
-              <a:t>demo13 Part2</a:t>
-            </a:r>
-            <a:endParaRPr lang="en-US" sz="2200">
-              <a:solidFill>
-                <a:srgbClr val="FF0000"/>
-              </a:solidFill>
-              <a:latin typeface="+mn-ea"/>
-              <a:ea typeface="+mn-ea"/>
-            </a:endParaRPr>
-          </a:p>
-        </p:txBody>
-      </p:sp>
-      <p:sp>
-        <p:nvSpPr>
-          <p:cNvPr id="5" name="内容占位符 1"/>
-          <p:cNvSpPr>
-            <a:spLocks noGrp="1"/>
-          </p:cNvSpPr>
-          <p:nvPr/>
-        </p:nvSpPr>
-        <p:spPr bwMode="auto">
-          <a:xfrm>
-            <a:off x="947420" y="868680"/>
-            <a:ext cx="10880725" cy="5207000"/>
-          </a:xfrm>
-          <a:prstGeom prst="rect">
-            <a:avLst/>
-          </a:prstGeom>
-          <a:noFill/>
-          <a:extLst>
-            <a:ext uri="{909E8E84-426E-40DD-AFC4-6F175D3DCCD1}">
-              <a14:hiddenFill xmlns:a14="http://schemas.microsoft.com/office/drawing/2010/main">
-                <a:solidFill>
-                  <a:srgbClr val="FFFFFF"/>
-                </a:solidFill>
-              </a14:hiddenFill>
-            </a:ext>
-            <a:ext uri="{91240B29-F687-4F45-9708-019B960494DF}">
-              <a14:hiddenLine xmlns:a14="http://schemas.microsoft.com/office/drawing/2010/main" w="9525">
-                <a:solidFill>
-                  <a:srgbClr val="000000"/>
-                </a:solidFill>
-                <a:miter lim="800000"/>
-                <a:headEnd/>
-                <a:tailEnd/>
-              </a14:hiddenLine>
-            </a:ext>
-          </a:extLst>
-        </p:spPr>
-        <p:txBody>
-          <a:bodyPr vert="horz" wrap="square" lIns="91440" tIns="45720" rIns="91440" bIns="45720" numCol="1" anchor="t" anchorCtr="0" compatLnSpc="1"/>
-          <a:lstStyle>
-            <a:lvl1pPr marL="167005" indent="-167005" algn="l" defTabSz="0" rtl="0" eaLnBrk="0" fontAlgn="base" hangingPunct="0">
-              <a:spcBef>
-                <a:spcPct val="0"/>
-              </a:spcBef>
-              <a:spcAft>
-                <a:spcPct val="15000"/>
-              </a:spcAft>
-              <a:buClr>
-                <a:schemeClr val="tx2"/>
-              </a:buClr>
-              <a:buFont typeface="Arial" panose="020B0604020202020204" pitchFamily="34" charset="0"/>
-              <a:buChar char="•"/>
-              <a:defRPr kumimoji="1" sz="2800">
-                <a:solidFill>
-                  <a:srgbClr val="006F53"/>
-                </a:solidFill>
-                <a:latin typeface="微软雅黑" panose="020B0503020204020204" pitchFamily="34" charset="-122"/>
-                <a:ea typeface="微软雅黑" panose="020B0503020204020204" pitchFamily="34" charset="-122"/>
-                <a:cs typeface="微软雅黑" panose="020B0503020204020204" pitchFamily="34" charset="-122"/>
-              </a:defRPr>
-            </a:lvl1pPr>
-            <a:lvl2pPr marL="398780" indent="-230505" algn="l" defTabSz="0" rtl="0" eaLnBrk="0" fontAlgn="base" hangingPunct="0">
-              <a:spcBef>
-                <a:spcPct val="0"/>
-              </a:spcBef>
-              <a:spcAft>
-                <a:spcPct val="15000"/>
-              </a:spcAft>
-              <a:buClr>
-                <a:schemeClr val="tx2"/>
-              </a:buClr>
-              <a:buFont typeface="Arial" panose="020B0604020202020204" pitchFamily="34" charset="0"/>
-              <a:buChar char="–"/>
-              <a:defRPr kumimoji="1" sz="2000">
-                <a:solidFill>
-                  <a:schemeClr val="tx1"/>
-                </a:solidFill>
-                <a:latin typeface="微软雅黑" panose="020B0503020204020204" pitchFamily="34" charset="-122"/>
-                <a:ea typeface="微软雅黑" panose="020B0503020204020204" pitchFamily="34" charset="-122"/>
-                <a:cs typeface="微软雅黑" panose="020B0503020204020204" pitchFamily="34" charset="-122"/>
-              </a:defRPr>
-            </a:lvl2pPr>
-            <a:lvl3pPr marL="400050" indent="182880" algn="l" defTabSz="0" rtl="0" eaLnBrk="0" fontAlgn="base" hangingPunct="0">
-              <a:spcBef>
-                <a:spcPct val="0"/>
-              </a:spcBef>
-              <a:spcAft>
-                <a:spcPct val="15000"/>
-              </a:spcAft>
-              <a:buClr>
-                <a:schemeClr val="tx2"/>
-              </a:buClr>
-              <a:buFont typeface="Arial" panose="020B0604020202020204" pitchFamily="34" charset="0"/>
-              <a:buChar char="•"/>
-              <a:defRPr kumimoji="1" sz="1600">
-                <a:solidFill>
-                  <a:schemeClr val="tx1"/>
-                </a:solidFill>
-                <a:latin typeface="微软雅黑" panose="020B0503020204020204" pitchFamily="34" charset="-122"/>
-                <a:ea typeface="微软雅黑" panose="020B0503020204020204" pitchFamily="34" charset="-122"/>
-                <a:cs typeface="微软雅黑" panose="020B0503020204020204" pitchFamily="34" charset="-122"/>
-              </a:defRPr>
-            </a:lvl3pPr>
-            <a:lvl4pPr marL="825500" indent="-241300" algn="l" defTabSz="0" rtl="0" eaLnBrk="0" fontAlgn="base" hangingPunct="0">
-              <a:spcBef>
-                <a:spcPct val="0"/>
-              </a:spcBef>
-              <a:spcAft>
-                <a:spcPct val="15000"/>
-              </a:spcAft>
-              <a:buClr>
-                <a:schemeClr val="tx2"/>
-              </a:buClr>
-              <a:buFont typeface="Arial" panose="020B0604020202020204" pitchFamily="34" charset="0"/>
-              <a:buChar char="–"/>
-              <a:defRPr kumimoji="1" sz="1600">
-                <a:solidFill>
-                  <a:schemeClr val="tx1"/>
-                </a:solidFill>
-                <a:latin typeface="微软雅黑" panose="020B0503020204020204" pitchFamily="34" charset="-122"/>
-                <a:ea typeface="微软雅黑" panose="020B0503020204020204" pitchFamily="34" charset="-122"/>
-                <a:cs typeface="微软雅黑" panose="020B0503020204020204" pitchFamily="34" charset="-122"/>
-              </a:defRPr>
-            </a:lvl4pPr>
-            <a:lvl5pPr marL="2057400" indent="-228600" algn="l" defTabSz="0" rtl="0" eaLnBrk="0" fontAlgn="base" hangingPunct="0">
-              <a:spcBef>
-                <a:spcPct val="0"/>
-              </a:spcBef>
-              <a:spcAft>
-                <a:spcPct val="25000"/>
-              </a:spcAft>
-              <a:buClr>
-                <a:schemeClr val="tx2"/>
-              </a:buClr>
-              <a:buFont typeface="Arial" panose="020B0604020202020204" pitchFamily="34" charset="0"/>
-              <a:buChar char="–"/>
-              <a:defRPr kumimoji="1" sz="2000">
-                <a:solidFill>
-                  <a:schemeClr val="tx1"/>
-                </a:solidFill>
-                <a:latin typeface="+mn-lt"/>
-                <a:ea typeface="微软雅黑" panose="020B0503020204020204" pitchFamily="34" charset="-122"/>
-                <a:cs typeface="微软雅黑" panose="020B0503020204020204" pitchFamily="34" charset="-122"/>
-              </a:defRPr>
-            </a:lvl5pPr>
-            <a:lvl6pPr marL="2514600" indent="-228600" algn="l" defTabSz="0" rtl="0" eaLnBrk="0" fontAlgn="base" hangingPunct="0">
-              <a:spcBef>
-                <a:spcPct val="0"/>
-              </a:spcBef>
-              <a:spcAft>
-                <a:spcPct val="25000"/>
-              </a:spcAft>
-              <a:buClr>
-                <a:schemeClr val="tx2"/>
-              </a:buClr>
-              <a:buFont typeface="Arial" panose="020B0604020202020204" pitchFamily="34" charset="0"/>
-              <a:buChar char="–"/>
-              <a:defRPr>
-                <a:solidFill>
-                  <a:schemeClr val="tx1"/>
-                </a:solidFill>
-                <a:latin typeface="+mn-lt"/>
-              </a:defRPr>
-            </a:lvl6pPr>
-            <a:lvl7pPr marL="2971800" indent="-228600" algn="l" defTabSz="0" rtl="0" eaLnBrk="0" fontAlgn="base" hangingPunct="0">
-              <a:spcBef>
-                <a:spcPct val="0"/>
-              </a:spcBef>
-              <a:spcAft>
-                <a:spcPct val="25000"/>
-              </a:spcAft>
-              <a:buClr>
-                <a:schemeClr val="tx2"/>
-              </a:buClr>
-              <a:buFont typeface="Arial" panose="020B0604020202020204" pitchFamily="34" charset="0"/>
-              <a:buChar char="–"/>
-              <a:defRPr>
-                <a:solidFill>
-                  <a:schemeClr val="tx1"/>
-                </a:solidFill>
-                <a:latin typeface="+mn-lt"/>
-              </a:defRPr>
-            </a:lvl7pPr>
-            <a:lvl8pPr marL="3429000" indent="-228600" algn="l" defTabSz="0" rtl="0" eaLnBrk="0" fontAlgn="base" hangingPunct="0">
-              <a:spcBef>
-                <a:spcPct val="0"/>
-              </a:spcBef>
-              <a:spcAft>
-                <a:spcPct val="25000"/>
-              </a:spcAft>
-              <a:buClr>
-                <a:schemeClr val="tx2"/>
-              </a:buClr>
-              <a:buFont typeface="Arial" panose="020B0604020202020204" pitchFamily="34" charset="0"/>
-              <a:buChar char="–"/>
-              <a:defRPr>
-                <a:solidFill>
-                  <a:schemeClr val="tx1"/>
-                </a:solidFill>
-                <a:latin typeface="+mn-lt"/>
-              </a:defRPr>
-            </a:lvl8pPr>
-            <a:lvl9pPr marL="3886200" indent="-228600" algn="l" defTabSz="0" rtl="0" eaLnBrk="0" fontAlgn="base" hangingPunct="0">
-              <a:spcBef>
-                <a:spcPct val="0"/>
-              </a:spcBef>
-              <a:spcAft>
-                <a:spcPct val="25000"/>
-              </a:spcAft>
-              <a:buClr>
-                <a:schemeClr val="tx2"/>
-              </a:buClr>
-              <a:buFont typeface="Arial" panose="020B0604020202020204" pitchFamily="34" charset="0"/>
-              <a:buChar char="–"/>
-              <a:defRPr>
-                <a:solidFill>
-                  <a:schemeClr val="tx1"/>
-                </a:solidFill>
-                <a:latin typeface="+mn-lt"/>
-              </a:defRPr>
-            </a:lvl9pPr>
-          </a:lstStyle>
-          <a:p>
-            <a:pPr>
-              <a:lnSpc>
-                <a:spcPct val="130000"/>
-              </a:lnSpc>
-            </a:pPr>
-            <a:r>
-              <a:rPr kumimoji="0" lang="zh-CN" altLang="en-US" sz="3200" dirty="0" smtClean="0">
-                <a:solidFill>
-                  <a:schemeClr val="tx1"/>
-                </a:solidFill>
-                <a:sym typeface="+mn-ea"/>
-              </a:rPr>
-              <a:t>综合实例（闭包、高阶函数、静态词法作用域、IIFE）</a:t>
-            </a:r>
-            <a:endParaRPr kumimoji="0" lang="zh-CN" altLang="en-US" sz="3200" dirty="0" smtClean="0">
-              <a:solidFill>
-                <a:schemeClr val="tx1"/>
-              </a:solidFill>
-              <a:sym typeface="+mn-ea"/>
-            </a:endParaRPr>
-          </a:p>
-          <a:p>
-            <a:pPr>
-              <a:lnSpc>
-                <a:spcPct val="130000"/>
-              </a:lnSpc>
-            </a:pPr>
-            <a:endParaRPr kumimoji="0" lang="zh-CN" altLang="en-US" sz="3200" dirty="0" smtClean="0">
-              <a:solidFill>
-                <a:schemeClr val="tx1"/>
-              </a:solidFill>
-              <a:sym typeface="+mn-ea"/>
-            </a:endParaRPr>
-          </a:p>
-          <a:p>
-            <a:pPr eaLnBrk="1" hangingPunct="1">
-              <a:lnSpc>
-                <a:spcPct val="150000"/>
-              </a:lnSpc>
-            </a:pPr>
-            <a:endParaRPr kumimoji="0" lang="en-US" altLang="zh-CN" sz="3600" dirty="0" smtClean="0">
-              <a:solidFill>
-                <a:schemeClr val="tx1"/>
-              </a:solidFill>
-            </a:endParaRPr>
-          </a:p>
-          <a:p>
-            <a:pPr eaLnBrk="1" hangingPunct="1">
-              <a:lnSpc>
-                <a:spcPct val="150000"/>
-              </a:lnSpc>
-            </a:pPr>
-            <a:endParaRPr kumimoji="0" lang="zh-CN" altLang="en-US" dirty="0" smtClean="0">
-              <a:solidFill>
-                <a:schemeClr val="tx1"/>
-              </a:solidFill>
-            </a:endParaRPr>
-          </a:p>
-        </p:txBody>
-      </p:sp>
-      <p:sp>
-        <p:nvSpPr>
-          <p:cNvPr id="6" name="文本框 5"/>
-          <p:cNvSpPr txBox="1"/>
-          <p:nvPr/>
-        </p:nvSpPr>
-        <p:spPr>
-          <a:xfrm>
-            <a:off x="6385560" y="4805680"/>
-            <a:ext cx="2897505" cy="1106805"/>
-          </a:xfrm>
-          <a:prstGeom prst="rect">
-            <a:avLst/>
-          </a:prstGeom>
-          <a:noFill/>
-        </p:spPr>
-        <p:txBody>
-          <a:bodyPr wrap="square" rtlCol="0">
-            <a:spAutoFit/>
-          </a:bodyPr>
-          <a:lstStyle/>
-          <a:p>
-            <a:pPr algn="l"/>
-            <a:r>
-              <a:rPr lang="zh-CN" altLang="en-US" sz="2200">
-                <a:solidFill>
-                  <a:schemeClr val="tx1"/>
-                </a:solidFill>
-                <a:latin typeface="+mn-ea"/>
-                <a:ea typeface="+mn-ea"/>
-              </a:rPr>
-              <a:t>左侧实例输出什么</a:t>
-            </a:r>
-            <a:r>
-              <a:rPr lang="zh-CN" sz="2200">
-                <a:solidFill>
-                  <a:schemeClr val="tx1"/>
-                </a:solidFill>
-                <a:latin typeface="+mn-ea"/>
-                <a:ea typeface="+mn-ea"/>
-              </a:rPr>
-              <a:t>？</a:t>
+              <a:t>总共有几个闭包？</a:t>
             </a:r>
             <a:endParaRPr lang="zh-CN" sz="2200">
               <a:solidFill>
@@ -11948,6 +12944,9 @@
                     <p:cTn id="3" fill="hold">
                       <p:stCondLst>
                         <p:cond delay="indefinite"/>
+                        <p:cond evt="onBegin" delay="0">
+                          <p:tn val="2"/>
+                        </p:cond>
                       </p:stCondLst>
                       <p:childTnLst>
                         <p:par>
@@ -11957,7 +12956,7 @@
                             </p:stCondLst>
                             <p:childTnLst>
                               <p:par>
-                                <p:cTn id="5" presetID="2" presetClass="entr" presetSubtype="4" fill="hold" nodeType="clickEffect">
+                                <p:cTn id="5" presetID="2" presetClass="entr" presetSubtype="4" fill="hold" nodeType="afterEffect">
                                   <p:stCondLst>
                                     <p:cond delay="0"/>
                                   </p:stCondLst>
@@ -11970,7 +12969,7 @@
                                           </p:stCondLst>
                                         </p:cTn>
                                         <p:tgtEl>
-                                          <p:spTgt spid="3"/>
+                                          <p:spTgt spid="6"/>
                                         </p:tgtEl>
                                         <p:attrNameLst>
                                           <p:attrName>style.visibility</p:attrName>
@@ -11984,7 +12983,7 @@
                                       <p:cBhvr additive="base">
                                         <p:cTn id="7" dur="500" fill="hold"/>
                                         <p:tgtEl>
-                                          <p:spTgt spid="3"/>
+                                          <p:spTgt spid="6"/>
                                         </p:tgtEl>
                                         <p:attrNameLst>
                                           <p:attrName>ppt_x</p:attrName>
@@ -12007,7 +13006,7 @@
                                       <p:cBhvr additive="base">
                                         <p:cTn id="8" dur="500" fill="hold"/>
                                         <p:tgtEl>
-                                          <p:spTgt spid="3"/>
+                                          <p:spTgt spid="6"/>
                                         </p:tgtEl>
                                         <p:attrNameLst>
                                           <p:attrName>ppt_y</p:attrName>
@@ -12052,7 +13051,7 @@
                                           </p:stCondLst>
                                         </p:cTn>
                                         <p:tgtEl>
-                                          <p:spTgt spid="4"/>
+                                          <p:spTgt spid="5"/>
                                         </p:tgtEl>
                                         <p:attrNameLst>
                                           <p:attrName>style.visibility</p:attrName>
@@ -12066,7 +13065,7 @@
                                       <p:cBhvr additive="base">
                                         <p:cTn id="12" dur="500" fill="hold"/>
                                         <p:tgtEl>
-                                          <p:spTgt spid="4"/>
+                                          <p:spTgt spid="5"/>
                                         </p:tgtEl>
                                         <p:attrNameLst>
                                           <p:attrName>ppt_x</p:attrName>
@@ -12089,7 +13088,7 @@
                                       <p:cBhvr additive="base">
                                         <p:cTn id="13" dur="500" fill="hold"/>
                                         <p:tgtEl>
-                                          <p:spTgt spid="4"/>
+                                          <p:spTgt spid="5"/>
                                         </p:tgtEl>
                                         <p:attrNameLst>
                                           <p:attrName>ppt_y</p:attrName>
@@ -12134,7 +13133,7 @@
                                           </p:stCondLst>
                                         </p:cTn>
                                         <p:tgtEl>
-                                          <p:spTgt spid="6"/>
+                                          <p:spTgt spid="4"/>
                                         </p:tgtEl>
                                         <p:attrNameLst>
                                           <p:attrName>style.visibility</p:attrName>
@@ -12148,7 +13147,7 @@
                                       <p:cBhvr additive="base">
                                         <p:cTn id="17" dur="500" fill="hold"/>
                                         <p:tgtEl>
-                                          <p:spTgt spid="6"/>
+                                          <p:spTgt spid="4"/>
                                         </p:tgtEl>
                                         <p:attrNameLst>
                                           <p:attrName>ppt_x</p:attrName>
@@ -12171,7 +13170,7 @@
                                       <p:cBhvr additive="base">
                                         <p:cTn id="18" dur="500" fill="hold"/>
                                         <p:tgtEl>
-                                          <p:spTgt spid="6"/>
+                                          <p:spTgt spid="4"/>
                                         </p:tgtEl>
                                         <p:attrNameLst>
                                           <p:attrName>ppt_y</p:attrName>
@@ -12222,7 +13221,7 @@
     </p:tnLst>
     <p:bldLst>
       <p:bldP spid="4" grpId="0"/>
-      <p:bldP spid="6" grpId="0"/>
+      <p:bldP spid="5" grpId="0"/>
     </p:bldLst>
   </p:timing>
 </p:sld>

--- a/课程PPT/12.JS闭包.pptx
+++ b/课程PPT/12.JS闭包.pptx
@@ -8421,7 +8421,7 @@
                 <a:latin typeface="+mn-ea"/>
                 <a:ea typeface="+mn-ea"/>
               </a:rPr>
-              <a:t>思考上述两段代码的区别，哪一个</a:t>
+              <a:t>思考上述两段代码的区别，观察</a:t>
             </a:r>
             <a:r>
               <a:rPr lang="en-US" altLang="zh-CN" sz="2200">
@@ -8431,7 +8431,7 @@
                 <a:latin typeface="+mn-ea"/>
                 <a:ea typeface="+mn-ea"/>
               </a:rPr>
-              <a:t>x</a:t>
+              <a:t>f1</a:t>
             </a:r>
             <a:r>
               <a:rPr lang="zh-CN" altLang="en-US" sz="2200">
@@ -8441,17 +8441,37 @@
                 <a:latin typeface="+mn-ea"/>
                 <a:ea typeface="+mn-ea"/>
               </a:rPr>
-              <a:t>未</a:t>
-            </a:r>
-            <a:r>
-              <a:rPr lang="zh-CN" altLang="en-US" sz="2200">
+              <a:t>中的</a:t>
+            </a:r>
+            <a:r>
+              <a:rPr lang="en-US" altLang="zh-CN" sz="2200">
                 <a:solidFill>
                   <a:srgbClr val="FF0000"/>
                 </a:solidFill>
                 <a:latin typeface="+mn-ea"/>
                 <a:ea typeface="+mn-ea"/>
               </a:rPr>
-              <a:t>被释放，在</a:t>
+              <a:t>x</a:t>
+            </a:r>
+            <a:r>
+              <a:rPr lang="zh-CN" altLang="en-US" sz="2200">
+                <a:solidFill>
+                  <a:srgbClr val="FF0000"/>
+                </a:solidFill>
+                <a:latin typeface="+mn-ea"/>
+                <a:ea typeface="+mn-ea"/>
+              </a:rPr>
+              <a:t>变量</a:t>
+            </a:r>
+            <a:r>
+              <a:rPr lang="zh-CN" altLang="en-US" sz="2200">
+                <a:solidFill>
+                  <a:srgbClr val="FF0000"/>
+                </a:solidFill>
+                <a:latin typeface="+mn-ea"/>
+                <a:ea typeface="+mn-ea"/>
+              </a:rPr>
+              <a:t>，在</a:t>
             </a:r>
             <a:r>
               <a:rPr lang="en-US" altLang="zh-CN" sz="2200">

--- a/课程PPT/12.JS闭包.pptx
+++ b/课程PPT/12.JS闭包.pptx
@@ -11588,8 +11588,8 @@
         </p:nvSpPr>
         <p:spPr>
           <a:xfrm>
-            <a:off x="5917565" y="4590415"/>
-            <a:ext cx="4431030" cy="1445260"/>
+            <a:off x="5247640" y="4558665"/>
+            <a:ext cx="5253355" cy="1445260"/>
           </a:xfrm>
           <a:prstGeom prst="rect">
             <a:avLst/>
@@ -11631,7 +11631,7 @@
                 <a:latin typeface="+mn-ea"/>
                 <a:ea typeface="+mn-ea"/>
               </a:rPr>
-              <a:t>函数对象相关作用域的变量都有哪些？</a:t>
+              <a:t>函数对象相关作用域的变量都有哪些？形成的闭包是否包含</a:t>
             </a:r>
             <a:r>
               <a:rPr lang="en-US" altLang="zh-CN" sz="2200">
@@ -11651,47 +11651,119 @@
                 <a:latin typeface="+mn-ea"/>
                 <a:ea typeface="+mn-ea"/>
               </a:rPr>
-              <a:t>中的</a:t>
-            </a:r>
-            <a:r>
-              <a:rPr lang="en-US" altLang="zh-CN" sz="2200">
+              <a:t>函数</a:t>
+            </a:r>
+            <a:r>
+              <a:rPr lang="zh-CN" altLang="en-US" sz="2200">
                 <a:solidFill>
                   <a:schemeClr val="tx1"/>
                 </a:solidFill>
                 <a:latin typeface="+mn-ea"/>
                 <a:ea typeface="+mn-ea"/>
               </a:rPr>
-              <a:t>tmp</a:t>
-            </a:r>
-            <a:r>
-              <a:rPr lang="zh-CN" altLang="en-US" sz="2200">
+              <a:t>之外（即第一行）的自由变量</a:t>
+            </a:r>
+            <a:r>
+              <a:rPr lang="en-US" altLang="zh-CN" sz="2200">
                 <a:solidFill>
                   <a:schemeClr val="tx1"/>
                 </a:solidFill>
                 <a:latin typeface="+mn-ea"/>
                 <a:ea typeface="+mn-ea"/>
               </a:rPr>
+              <a:t>tmp</a:t>
+            </a:r>
+            <a:r>
+              <a:rPr lang="zh-CN" altLang="en-US" sz="2200">
+                <a:solidFill>
+                  <a:schemeClr val="tx1"/>
+                </a:solidFill>
+                <a:latin typeface="+mn-ea"/>
+                <a:ea typeface="+mn-ea"/>
+              </a:rPr>
+              <a:t>？</a:t>
+            </a:r>
+            <a:r>
+              <a:rPr lang="en-US" altLang="zh-CN" sz="2200">
+                <a:solidFill>
+                  <a:schemeClr val="tx1"/>
+                </a:solidFill>
+                <a:latin typeface="+mn-ea"/>
+                <a:ea typeface="+mn-ea"/>
+              </a:rPr>
+              <a:t>foo</a:t>
+            </a:r>
+            <a:r>
+              <a:rPr lang="zh-CN" altLang="en-US" sz="2200">
+                <a:solidFill>
+                  <a:schemeClr val="tx1"/>
+                </a:solidFill>
+                <a:latin typeface="+mn-ea"/>
+                <a:ea typeface="+mn-ea"/>
+              </a:rPr>
+              <a:t>中的</a:t>
+            </a:r>
+            <a:r>
+              <a:rPr lang="en-US" altLang="zh-CN" sz="2200">
+                <a:solidFill>
+                  <a:schemeClr val="tx1"/>
+                </a:solidFill>
+                <a:latin typeface="+mn-ea"/>
+                <a:ea typeface="+mn-ea"/>
+              </a:rPr>
+              <a:t>tmp</a:t>
+            </a:r>
+            <a:r>
+              <a:rPr lang="zh-CN" altLang="en-US" sz="2200">
+                <a:solidFill>
+                  <a:schemeClr val="tx1"/>
+                </a:solidFill>
+                <a:latin typeface="+mn-ea"/>
+                <a:ea typeface="+mn-ea"/>
+              </a:rPr>
               <a:t>是否调用后就释放？</a:t>
             </a:r>
             <a:endParaRPr lang="zh-CN" altLang="en-US" sz="2200">
               <a:solidFill>
-                <a:schemeClr val="tx1"/>
+                <a:srgbClr val="FF0000"/>
               </a:solidFill>
               <a:latin typeface="+mn-ea"/>
               <a:ea typeface="+mn-ea"/>
             </a:endParaRPr>
           </a:p>
+        </p:txBody>
+      </p:sp>
+      <p:sp>
+        <p:nvSpPr>
+          <p:cNvPr id="3" name="文本框 2"/>
+          <p:cNvSpPr txBox="1"/>
+          <p:nvPr/>
+        </p:nvSpPr>
+        <p:spPr>
+          <a:xfrm>
+            <a:off x="7957185" y="1834515"/>
+            <a:ext cx="2769870" cy="768350"/>
+          </a:xfrm>
+          <a:prstGeom prst="rect">
+            <a:avLst/>
+          </a:prstGeom>
+          <a:noFill/>
+        </p:spPr>
+        <p:txBody>
+          <a:bodyPr wrap="square" rtlCol="0">
+            <a:spAutoFit/>
+          </a:bodyPr>
           <a:p>
             <a:pPr algn="l"/>
             <a:r>
               <a:rPr lang="zh-CN" altLang="en-US" sz="2200">
                 <a:solidFill>
-                  <a:srgbClr val="FF0000"/>
+                  <a:schemeClr val="tx1"/>
                 </a:solidFill>
                 <a:latin typeface="+mn-ea"/>
                 <a:ea typeface="+mn-ea"/>
               </a:rPr>
-              <a:t>使用断点调试查看代码的运行状况</a:t>
+              <a:t>思考：若屏蔽此行，则又会输出多少？</a:t>
             </a:r>
             <a:endParaRPr lang="zh-CN" altLang="en-US" sz="2200">
               <a:solidFill>
@@ -11836,7 +11908,7 @@
                                           </p:stCondLst>
                                         </p:cTn>
                                         <p:tgtEl>
-                                          <p:spTgt spid="5"/>
+                                          <p:spTgt spid="3"/>
                                         </p:tgtEl>
                                         <p:attrNameLst>
                                           <p:attrName>style.visibility</p:attrName>
@@ -11850,6 +11922,97 @@
                                       <p:cBhvr additive="base">
                                         <p:cTn id="13" dur="500" fill="hold"/>
                                         <p:tgtEl>
+                                          <p:spTgt spid="3"/>
+                                        </p:tgtEl>
+                                        <p:attrNameLst>
+                                          <p:attrName>ppt_x</p:attrName>
+                                        </p:attrNameLst>
+                                      </p:cBhvr>
+                                      <p:tavLst>
+                                        <p:tav tm="0">
+                                          <p:val>
+                                            <p:strVal val="#ppt_x"/>
+                                          </p:val>
+                                        </p:tav>
+                                        <p:tav tm="100000">
+                                          <p:val>
+                                            <p:strVal val="#ppt_x"/>
+                                          </p:val>
+                                        </p:tav>
+                                      </p:tavLst>
+                                    </p:anim>
+                                    <p:anim calcmode="lin" valueType="num">
+                                      <p:cBhvr additive="base">
+                                        <p:cTn id="14" dur="500" fill="hold"/>
+                                        <p:tgtEl>
+                                          <p:spTgt spid="3"/>
+                                        </p:tgtEl>
+                                        <p:attrNameLst>
+                                          <p:attrName>ppt_y</p:attrName>
+                                        </p:attrNameLst>
+                                      </p:cBhvr>
+                                      <p:tavLst>
+                                        <p:tav tm="0">
+                                          <p:val>
+                                            <p:strVal val="1+#ppt_h/2"/>
+                                          </p:val>
+                                        </p:tav>
+                                        <p:tav tm="100000">
+                                          <p:val>
+                                            <p:strVal val="#ppt_y"/>
+                                          </p:val>
+                                        </p:tav>
+                                      </p:tavLst>
+                                    </p:anim>
+                                  </p:childTnLst>
+                                </p:cTn>
+                              </p:par>
+                            </p:childTnLst>
+                          </p:cTn>
+                        </p:par>
+                      </p:childTnLst>
+                    </p:cTn>
+                  </p:par>
+                  <p:par>
+                    <p:cTn id="15" fill="hold">
+                      <p:stCondLst>
+                        <p:cond delay="indefinite"/>
+                      </p:stCondLst>
+                      <p:childTnLst>
+                        <p:par>
+                          <p:cTn id="16" fill="hold">
+                            <p:stCondLst>
+                              <p:cond delay="0"/>
+                            </p:stCondLst>
+                            <p:childTnLst>
+                              <p:par>
+                                <p:cTn id="17" presetID="2" presetClass="entr" presetSubtype="4" fill="hold" grpId="0" nodeType="clickEffect">
+                                  <p:stCondLst>
+                                    <p:cond delay="0"/>
+                                  </p:stCondLst>
+                                  <p:childTnLst>
+                                    <p:set>
+                                      <p:cBhvr>
+                                        <p:cTn id="18" dur="1" fill="hold">
+                                          <p:stCondLst>
+                                            <p:cond delay="0"/>
+                                          </p:stCondLst>
+                                        </p:cTn>
+                                        <p:tgtEl>
+                                          <p:spTgt spid="5"/>
+                                        </p:tgtEl>
+                                        <p:attrNameLst>
+                                          <p:attrName>style.visibility</p:attrName>
+                                        </p:attrNameLst>
+                                      </p:cBhvr>
+                                      <p:to>
+                                        <p:strVal val="visible"/>
+                                      </p:to>
+                                    </p:set>
+                                    <p:anim calcmode="lin" valueType="num">
+                                      <p:cBhvr additive="base">
+                                        <p:cTn id="19" dur="500" fill="hold"/>
+                                        <p:tgtEl>
                                           <p:spTgt spid="5"/>
                                         </p:tgtEl>
                                         <p:attrNameLst>
@@ -11871,7 +12034,7 @@
                                     </p:anim>
                                     <p:anim calcmode="lin" valueType="num">
                                       <p:cBhvr additive="base">
-                                        <p:cTn id="14" dur="500" fill="hold"/>
+                                        <p:cTn id="20" dur="500" fill="hold"/>
                                         <p:tgtEl>
                                           <p:spTgt spid="5"/>
                                         </p:tgtEl>
@@ -11899,20 +12062,20 @@
                           </p:cTn>
                         </p:par>
                         <p:par>
-                          <p:cTn id="15" fill="hold">
+                          <p:cTn id="21" fill="hold">
                             <p:stCondLst>
                               <p:cond delay="500"/>
                             </p:stCondLst>
                             <p:childTnLst>
                               <p:par>
-                                <p:cTn id="16" presetID="2" presetClass="entr" presetSubtype="4" fill="hold" grpId="0" nodeType="afterEffect">
+                                <p:cTn id="22" presetID="2" presetClass="entr" presetSubtype="4" fill="hold" grpId="0" nodeType="afterEffect">
                                   <p:stCondLst>
                                     <p:cond delay="0"/>
                                   </p:stCondLst>
                                   <p:childTnLst>
                                     <p:set>
                                       <p:cBhvr>
-                                        <p:cTn id="17" dur="1" fill="hold">
+                                        <p:cTn id="23" dur="1" fill="hold">
                                           <p:stCondLst>
                                             <p:cond delay="0"/>
                                           </p:stCondLst>
@@ -11930,7 +12093,7 @@
                                     </p:set>
                                     <p:anim calcmode="lin" valueType="num">
                                       <p:cBhvr additive="base">
-                                        <p:cTn id="18" dur="500" fill="hold"/>
+                                        <p:cTn id="24" dur="500" fill="hold"/>
                                         <p:tgtEl>
                                           <p:spTgt spid="4"/>
                                         </p:tgtEl>
@@ -11953,7 +12116,7 @@
                                     </p:anim>
                                     <p:anim calcmode="lin" valueType="num">
                                       <p:cBhvr additive="base">
-                                        <p:cTn id="19" dur="500" fill="hold"/>
+                                        <p:cTn id="25" dur="500" fill="hold"/>
                                         <p:tgtEl>
                                           <p:spTgt spid="4"/>
                                         </p:tgtEl>
@@ -12007,6 +12170,7 @@
     <p:bldLst>
       <p:bldP spid="4" grpId="0"/>
       <p:bldP spid="5" grpId="0"/>
+      <p:bldP spid="3" grpId="0"/>
     </p:bldLst>
   </p:timing>
 </p:sld>

--- a/课程PPT/12.JS闭包.pptx
+++ b/课程PPT/12.JS闭包.pptx
@@ -17,13 +17,12 @@
     <p:sldId id="1454" r:id="rId10"/>
     <p:sldId id="1476" r:id="rId11"/>
     <p:sldId id="1455" r:id="rId12"/>
-    <p:sldId id="1457" r:id="rId13"/>
-    <p:sldId id="1230" r:id="rId14"/>
-    <p:sldId id="1232" r:id="rId15"/>
-    <p:sldId id="1478" r:id="rId16"/>
-    <p:sldId id="1456" r:id="rId17"/>
-    <p:sldId id="1233" r:id="rId18"/>
-    <p:sldId id="1484" r:id="rId19"/>
+    <p:sldId id="1230" r:id="rId13"/>
+    <p:sldId id="1232" r:id="rId14"/>
+    <p:sldId id="1478" r:id="rId15"/>
+    <p:sldId id="1456" r:id="rId16"/>
+    <p:sldId id="1233" r:id="rId17"/>
+    <p:sldId id="1484" r:id="rId18"/>
   </p:sldIdLst>
   <p:sldSz cx="12192000" cy="6858000"/>
   <p:notesSz cx="6797675" cy="9928225"/>
@@ -724,62 +723,6 @@
 </p:notes>
 </file>
 
-<file path=ppt/notesSlides/notesSlide11.xml><?xml version="1.0" encoding="utf-8"?>
-<p:notes xmlns:a="http://schemas.openxmlformats.org/drawingml/2006/main" xmlns:r="http://schemas.openxmlformats.org/officeDocument/2006/relationships" xmlns:p="http://schemas.openxmlformats.org/presentationml/2006/main">
-  <p:cSld>
-    <p:spTree>
-      <p:nvGrpSpPr>
-        <p:cNvPr id="1" name=""/>
-        <p:cNvGrpSpPr/>
-        <p:nvPr/>
-      </p:nvGrpSpPr>
-      <p:grpSpPr>
-        <a:xfrm>
-          <a:off x="0" y="0"/>
-          <a:ext cx="0" cy="0"/>
-          <a:chOff x="0" y="0"/>
-          <a:chExt cx="0" cy="0"/>
-        </a:xfrm>
-      </p:grpSpPr>
-      <p:sp>
-        <p:nvSpPr>
-          <p:cNvPr id="2" name="幻灯片图像占位符 1"/>
-          <p:cNvSpPr>
-            <a:spLocks noGrp="1" noRot="1" noChangeAspect="1"/>
-          </p:cNvSpPr>
-          <p:nvPr>
-            <p:ph type="sldImg" idx="2"/>
-          </p:nvPr>
-        </p:nvSpPr>
-        <p:spPr/>
-      </p:sp>
-      <p:sp>
-        <p:nvSpPr>
-          <p:cNvPr id="3" name="文本占位符 2"/>
-          <p:cNvSpPr>
-            <a:spLocks noGrp="1"/>
-          </p:cNvSpPr>
-          <p:nvPr>
-            <p:ph type="body" idx="3"/>
-          </p:nvPr>
-        </p:nvSpPr>
-        <p:spPr/>
-        <p:txBody>
-          <a:bodyPr/>
-          <a:lstStyle/>
-          <a:p>
-            <a:endParaRPr lang="zh-CN" altLang="en-US" dirty="0"/>
-          </a:p>
-        </p:txBody>
-      </p:sp>
-    </p:spTree>
-  </p:cSld>
-  <p:clrMapOvr>
-    <a:masterClrMapping/>
-  </p:clrMapOvr>
-</p:notes>
-</file>
-
 <file path=ppt/notesSlides/notesSlide2.xml><?xml version="1.0" encoding="utf-8"?>
 <p:notes xmlns:a="http://schemas.openxmlformats.org/drawingml/2006/main" xmlns:r="http://schemas.openxmlformats.org/officeDocument/2006/relationships" xmlns:p="http://schemas.openxmlformats.org/presentationml/2006/main">
   <p:cSld>
@@ -1194,19 +1137,19 @@
             <a:spLocks noGrp="1" noRot="1" noChangeAspect="1"/>
           </p:cNvSpPr>
           <p:nvPr>
-            <p:ph type="sldImg"/>
+            <p:ph type="sldImg" idx="2"/>
           </p:nvPr>
         </p:nvSpPr>
         <p:spPr/>
       </p:sp>
       <p:sp>
         <p:nvSpPr>
-          <p:cNvPr id="3" name="备注占位符 2"/>
+          <p:cNvPr id="3" name="文本占位符 2"/>
           <p:cNvSpPr>
             <a:spLocks noGrp="1"/>
           </p:cNvSpPr>
           <p:nvPr>
-            <p:ph type="body" idx="1"/>
+            <p:ph type="body" idx="3"/>
           </p:nvPr>
         </p:nvSpPr>
         <p:spPr/>
@@ -1215,28 +1158,6 @@
           <a:lstStyle/>
           <a:p>
             <a:endParaRPr lang="zh-CN" altLang="en-US" dirty="0"/>
-          </a:p>
-        </p:txBody>
-      </p:sp>
-      <p:sp>
-        <p:nvSpPr>
-          <p:cNvPr id="4" name="灯片编号占位符 3"/>
-          <p:cNvSpPr>
-            <a:spLocks noGrp="1"/>
-          </p:cNvSpPr>
-          <p:nvPr>
-            <p:ph type="sldNum" sz="quarter" idx="10"/>
-          </p:nvPr>
-        </p:nvSpPr>
-        <p:spPr/>
-        <p:txBody>
-          <a:bodyPr/>
-          <a:lstStyle/>
-          <a:p>
-            <a:fld id="{D9AFD278-84AA-4CAA-9049-809825956FE0}" type="slidenum">
-              <a:rPr lang="en-US" altLang="zh-CN" smtClean="0"/>
-            </a:fld>
-            <a:endParaRPr lang="zh-CN" altLang="zh-CN"/>
           </a:p>
         </p:txBody>
       </p:sp>
@@ -3784,874 +3705,6 @@
       </p:grpSpPr>
       <p:sp>
         <p:nvSpPr>
-          <p:cNvPr id="11266" name="内容占位符 1"/>
-          <p:cNvSpPr>
-            <a:spLocks noGrp="1"/>
-          </p:cNvSpPr>
-          <p:nvPr>
-            <p:ph sz="quarter" idx="10"/>
-          </p:nvPr>
-        </p:nvSpPr>
-        <p:spPr bwMode="auto">
-          <a:xfrm>
-            <a:off x="947420" y="868680"/>
-            <a:ext cx="10248900" cy="5207000"/>
-          </a:xfrm>
-          <a:noFill/>
-          <a:extLst>
-            <a:ext uri="{909E8E84-426E-40DD-AFC4-6F175D3DCCD1}">
-              <a14:hiddenFill xmlns:a14="http://schemas.microsoft.com/office/drawing/2010/main">
-                <a:solidFill>
-                  <a:srgbClr val="FFFFFF"/>
-                </a:solidFill>
-              </a14:hiddenFill>
-            </a:ext>
-            <a:ext uri="{91240B29-F687-4F45-9708-019B960494DF}">
-              <a14:hiddenLine xmlns:a14="http://schemas.microsoft.com/office/drawing/2010/main" w="9525">
-                <a:solidFill>
-                  <a:srgbClr val="000000"/>
-                </a:solidFill>
-                <a:miter lim="800000"/>
-                <a:headEnd/>
-                <a:tailEnd/>
-              </a14:hiddenLine>
-            </a:ext>
-          </a:extLst>
-        </p:spPr>
-        <p:txBody>
-          <a:bodyPr vert="horz" wrap="square" lIns="91440" tIns="45720" rIns="91440" bIns="45720" numCol="1" anchor="t" anchorCtr="0" compatLnSpc="1"/>
-          <a:lstStyle/>
-          <a:p>
-            <a:pPr>
-              <a:lnSpc>
-                <a:spcPct val="130000"/>
-              </a:lnSpc>
-            </a:pPr>
-            <a:endParaRPr kumimoji="0" lang="zh-CN" altLang="en-US" sz="3200" dirty="0" smtClean="0">
-              <a:solidFill>
-                <a:schemeClr val="accent3"/>
-              </a:solidFill>
-              <a:sym typeface="+mn-ea"/>
-            </a:endParaRPr>
-          </a:p>
-          <a:p>
-            <a:pPr>
-              <a:lnSpc>
-                <a:spcPct val="130000"/>
-              </a:lnSpc>
-            </a:pPr>
-            <a:endParaRPr kumimoji="0" lang="zh-CN" altLang="en-US" sz="3200" dirty="0" smtClean="0">
-              <a:solidFill>
-                <a:schemeClr val="tx1"/>
-              </a:solidFill>
-            </a:endParaRPr>
-          </a:p>
-          <a:p>
-            <a:pPr eaLnBrk="1" hangingPunct="1">
-              <a:lnSpc>
-                <a:spcPct val="150000"/>
-              </a:lnSpc>
-            </a:pPr>
-            <a:endParaRPr kumimoji="0" lang="en-US" altLang="zh-CN" sz="3600" dirty="0" smtClean="0">
-              <a:solidFill>
-                <a:schemeClr val="tx1"/>
-              </a:solidFill>
-            </a:endParaRPr>
-          </a:p>
-          <a:p>
-            <a:pPr eaLnBrk="1" hangingPunct="1">
-              <a:lnSpc>
-                <a:spcPct val="150000"/>
-              </a:lnSpc>
-            </a:pPr>
-            <a:endParaRPr kumimoji="0" lang="zh-CN" altLang="en-US" dirty="0" smtClean="0">
-              <a:solidFill>
-                <a:schemeClr val="tx1"/>
-              </a:solidFill>
-            </a:endParaRPr>
-          </a:p>
-        </p:txBody>
-      </p:sp>
-      <p:sp>
-        <p:nvSpPr>
-          <p:cNvPr id="2" name="内容占位符 1"/>
-          <p:cNvSpPr>
-            <a:spLocks noGrp="1"/>
-          </p:cNvSpPr>
-          <p:nvPr>
-            <p:ph sz="quarter" idx="11"/>
-          </p:nvPr>
-        </p:nvSpPr>
-        <p:spPr>
-          <a:xfrm>
-            <a:off x="947204" y="308698"/>
-            <a:ext cx="8191557" cy="490476"/>
-          </a:xfrm>
-        </p:spPr>
-        <p:txBody>
-          <a:bodyPr/>
-          <a:lstStyle/>
-          <a:p>
-            <a:r>
-              <a:rPr kumimoji="0" lang="zh-CN" altLang="en-US" dirty="0">
-                <a:sym typeface="+mn-ea"/>
-              </a:rPr>
-              <a:t>闭包的常见形式（函数作为参数）</a:t>
-            </a:r>
-            <a:endParaRPr kumimoji="0" lang="zh-CN" altLang="en-US" dirty="0"/>
-          </a:p>
-        </p:txBody>
-      </p:sp>
-      <p:pic>
-        <p:nvPicPr>
-          <p:cNvPr id="3" name="图片 2"/>
-          <p:cNvPicPr>
-            <a:picLocks noChangeAspect="1"/>
-          </p:cNvPicPr>
-          <p:nvPr/>
-        </p:nvPicPr>
-        <p:blipFill>
-          <a:blip r:embed="rId1"/>
-          <a:stretch>
-            <a:fillRect/>
-          </a:stretch>
-        </p:blipFill>
-        <p:spPr>
-          <a:xfrm>
-            <a:off x="999490" y="1748790"/>
-            <a:ext cx="4852035" cy="4097655"/>
-          </a:xfrm>
-          <a:prstGeom prst="rect">
-            <a:avLst/>
-          </a:prstGeom>
-        </p:spPr>
-      </p:pic>
-      <p:sp>
-        <p:nvSpPr>
-          <p:cNvPr id="4" name="文本框 3"/>
-          <p:cNvSpPr txBox="1"/>
-          <p:nvPr/>
-        </p:nvSpPr>
-        <p:spPr>
-          <a:xfrm>
-            <a:off x="6306820" y="6113780"/>
-            <a:ext cx="4890135" cy="429895"/>
-          </a:xfrm>
-          <a:prstGeom prst="rect">
-            <a:avLst/>
-          </a:prstGeom>
-          <a:noFill/>
-        </p:spPr>
-        <p:txBody>
-          <a:bodyPr wrap="square" rtlCol="0">
-            <a:spAutoFit/>
-          </a:bodyPr>
-          <a:lstStyle/>
-          <a:p>
-            <a:pPr algn="l"/>
-            <a:r>
-              <a:rPr lang="zh-CN" altLang="en-US" sz="2200">
-                <a:solidFill>
-                  <a:srgbClr val="FF0000"/>
-                </a:solidFill>
-                <a:latin typeface="+mn-ea"/>
-                <a:ea typeface="+mn-ea"/>
-              </a:rPr>
-              <a:t>参见实例</a:t>
-            </a:r>
-            <a:r>
-              <a:rPr lang="en-US" altLang="zh-CN" sz="2200">
-                <a:solidFill>
-                  <a:srgbClr val="FF0000"/>
-                </a:solidFill>
-                <a:latin typeface="+mn-ea"/>
-                <a:ea typeface="+mn-ea"/>
-              </a:rPr>
-              <a:t>demo13 Part2</a:t>
-            </a:r>
-            <a:endParaRPr lang="en-US" sz="2200">
-              <a:solidFill>
-                <a:srgbClr val="FF0000"/>
-              </a:solidFill>
-              <a:latin typeface="+mn-ea"/>
-              <a:ea typeface="+mn-ea"/>
-            </a:endParaRPr>
-          </a:p>
-        </p:txBody>
-      </p:sp>
-      <p:sp>
-        <p:nvSpPr>
-          <p:cNvPr id="5" name="内容占位符 1"/>
-          <p:cNvSpPr>
-            <a:spLocks noGrp="1"/>
-          </p:cNvSpPr>
-          <p:nvPr/>
-        </p:nvSpPr>
-        <p:spPr bwMode="auto">
-          <a:xfrm>
-            <a:off x="947420" y="868680"/>
-            <a:ext cx="10880725" cy="5207000"/>
-          </a:xfrm>
-          <a:prstGeom prst="rect">
-            <a:avLst/>
-          </a:prstGeom>
-          <a:noFill/>
-          <a:extLst>
-            <a:ext uri="{909E8E84-426E-40DD-AFC4-6F175D3DCCD1}">
-              <a14:hiddenFill xmlns:a14="http://schemas.microsoft.com/office/drawing/2010/main">
-                <a:solidFill>
-                  <a:srgbClr val="FFFFFF"/>
-                </a:solidFill>
-              </a14:hiddenFill>
-            </a:ext>
-            <a:ext uri="{91240B29-F687-4F45-9708-019B960494DF}">
-              <a14:hiddenLine xmlns:a14="http://schemas.microsoft.com/office/drawing/2010/main" w="9525">
-                <a:solidFill>
-                  <a:srgbClr val="000000"/>
-                </a:solidFill>
-                <a:miter lim="800000"/>
-                <a:headEnd/>
-                <a:tailEnd/>
-              </a14:hiddenLine>
-            </a:ext>
-          </a:extLst>
-        </p:spPr>
-        <p:txBody>
-          <a:bodyPr vert="horz" wrap="square" lIns="91440" tIns="45720" rIns="91440" bIns="45720" numCol="1" anchor="t" anchorCtr="0" compatLnSpc="1"/>
-          <a:lstStyle>
-            <a:lvl1pPr marL="167005" indent="-167005" algn="l" defTabSz="0" rtl="0" eaLnBrk="0" fontAlgn="base" hangingPunct="0">
-              <a:spcBef>
-                <a:spcPct val="0"/>
-              </a:spcBef>
-              <a:spcAft>
-                <a:spcPct val="15000"/>
-              </a:spcAft>
-              <a:buClr>
-                <a:schemeClr val="tx2"/>
-              </a:buClr>
-              <a:buFont typeface="Arial" panose="020B0604020202020204" pitchFamily="34" charset="0"/>
-              <a:buChar char="•"/>
-              <a:defRPr kumimoji="1" sz="2800">
-                <a:solidFill>
-                  <a:srgbClr val="006F53"/>
-                </a:solidFill>
-                <a:latin typeface="微软雅黑" panose="020B0503020204020204" pitchFamily="34" charset="-122"/>
-                <a:ea typeface="微软雅黑" panose="020B0503020204020204" pitchFamily="34" charset="-122"/>
-                <a:cs typeface="微软雅黑" panose="020B0503020204020204" pitchFamily="34" charset="-122"/>
-              </a:defRPr>
-            </a:lvl1pPr>
-            <a:lvl2pPr marL="398780" indent="-230505" algn="l" defTabSz="0" rtl="0" eaLnBrk="0" fontAlgn="base" hangingPunct="0">
-              <a:spcBef>
-                <a:spcPct val="0"/>
-              </a:spcBef>
-              <a:spcAft>
-                <a:spcPct val="15000"/>
-              </a:spcAft>
-              <a:buClr>
-                <a:schemeClr val="tx2"/>
-              </a:buClr>
-              <a:buFont typeface="Arial" panose="020B0604020202020204" pitchFamily="34" charset="0"/>
-              <a:buChar char="–"/>
-              <a:defRPr kumimoji="1" sz="2000">
-                <a:solidFill>
-                  <a:schemeClr val="tx1"/>
-                </a:solidFill>
-                <a:latin typeface="微软雅黑" panose="020B0503020204020204" pitchFamily="34" charset="-122"/>
-                <a:ea typeface="微软雅黑" panose="020B0503020204020204" pitchFamily="34" charset="-122"/>
-                <a:cs typeface="微软雅黑" panose="020B0503020204020204" pitchFamily="34" charset="-122"/>
-              </a:defRPr>
-            </a:lvl2pPr>
-            <a:lvl3pPr marL="400050" indent="182880" algn="l" defTabSz="0" rtl="0" eaLnBrk="0" fontAlgn="base" hangingPunct="0">
-              <a:spcBef>
-                <a:spcPct val="0"/>
-              </a:spcBef>
-              <a:spcAft>
-                <a:spcPct val="15000"/>
-              </a:spcAft>
-              <a:buClr>
-                <a:schemeClr val="tx2"/>
-              </a:buClr>
-              <a:buFont typeface="Arial" panose="020B0604020202020204" pitchFamily="34" charset="0"/>
-              <a:buChar char="•"/>
-              <a:defRPr kumimoji="1" sz="1600">
-                <a:solidFill>
-                  <a:schemeClr val="tx1"/>
-                </a:solidFill>
-                <a:latin typeface="微软雅黑" panose="020B0503020204020204" pitchFamily="34" charset="-122"/>
-                <a:ea typeface="微软雅黑" panose="020B0503020204020204" pitchFamily="34" charset="-122"/>
-                <a:cs typeface="微软雅黑" panose="020B0503020204020204" pitchFamily="34" charset="-122"/>
-              </a:defRPr>
-            </a:lvl3pPr>
-            <a:lvl4pPr marL="825500" indent="-241300" algn="l" defTabSz="0" rtl="0" eaLnBrk="0" fontAlgn="base" hangingPunct="0">
-              <a:spcBef>
-                <a:spcPct val="0"/>
-              </a:spcBef>
-              <a:spcAft>
-                <a:spcPct val="15000"/>
-              </a:spcAft>
-              <a:buClr>
-                <a:schemeClr val="tx2"/>
-              </a:buClr>
-              <a:buFont typeface="Arial" panose="020B0604020202020204" pitchFamily="34" charset="0"/>
-              <a:buChar char="–"/>
-              <a:defRPr kumimoji="1" sz="1600">
-                <a:solidFill>
-                  <a:schemeClr val="tx1"/>
-                </a:solidFill>
-                <a:latin typeface="微软雅黑" panose="020B0503020204020204" pitchFamily="34" charset="-122"/>
-                <a:ea typeface="微软雅黑" panose="020B0503020204020204" pitchFamily="34" charset="-122"/>
-                <a:cs typeface="微软雅黑" panose="020B0503020204020204" pitchFamily="34" charset="-122"/>
-              </a:defRPr>
-            </a:lvl4pPr>
-            <a:lvl5pPr marL="2057400" indent="-228600" algn="l" defTabSz="0" rtl="0" eaLnBrk="0" fontAlgn="base" hangingPunct="0">
-              <a:spcBef>
-                <a:spcPct val="0"/>
-              </a:spcBef>
-              <a:spcAft>
-                <a:spcPct val="25000"/>
-              </a:spcAft>
-              <a:buClr>
-                <a:schemeClr val="tx2"/>
-              </a:buClr>
-              <a:buFont typeface="Arial" panose="020B0604020202020204" pitchFamily="34" charset="0"/>
-              <a:buChar char="–"/>
-              <a:defRPr kumimoji="1" sz="2000">
-                <a:solidFill>
-                  <a:schemeClr val="tx1"/>
-                </a:solidFill>
-                <a:latin typeface="+mn-lt"/>
-                <a:ea typeface="微软雅黑" panose="020B0503020204020204" pitchFamily="34" charset="-122"/>
-                <a:cs typeface="微软雅黑" panose="020B0503020204020204" pitchFamily="34" charset="-122"/>
-              </a:defRPr>
-            </a:lvl5pPr>
-            <a:lvl6pPr marL="2514600" indent="-228600" algn="l" defTabSz="0" rtl="0" eaLnBrk="0" fontAlgn="base" hangingPunct="0">
-              <a:spcBef>
-                <a:spcPct val="0"/>
-              </a:spcBef>
-              <a:spcAft>
-                <a:spcPct val="25000"/>
-              </a:spcAft>
-              <a:buClr>
-                <a:schemeClr val="tx2"/>
-              </a:buClr>
-              <a:buFont typeface="Arial" panose="020B0604020202020204" pitchFamily="34" charset="0"/>
-              <a:buChar char="–"/>
-              <a:defRPr>
-                <a:solidFill>
-                  <a:schemeClr val="tx1"/>
-                </a:solidFill>
-                <a:latin typeface="+mn-lt"/>
-              </a:defRPr>
-            </a:lvl6pPr>
-            <a:lvl7pPr marL="2971800" indent="-228600" algn="l" defTabSz="0" rtl="0" eaLnBrk="0" fontAlgn="base" hangingPunct="0">
-              <a:spcBef>
-                <a:spcPct val="0"/>
-              </a:spcBef>
-              <a:spcAft>
-                <a:spcPct val="25000"/>
-              </a:spcAft>
-              <a:buClr>
-                <a:schemeClr val="tx2"/>
-              </a:buClr>
-              <a:buFont typeface="Arial" panose="020B0604020202020204" pitchFamily="34" charset="0"/>
-              <a:buChar char="–"/>
-              <a:defRPr>
-                <a:solidFill>
-                  <a:schemeClr val="tx1"/>
-                </a:solidFill>
-                <a:latin typeface="+mn-lt"/>
-              </a:defRPr>
-            </a:lvl7pPr>
-            <a:lvl8pPr marL="3429000" indent="-228600" algn="l" defTabSz="0" rtl="0" eaLnBrk="0" fontAlgn="base" hangingPunct="0">
-              <a:spcBef>
-                <a:spcPct val="0"/>
-              </a:spcBef>
-              <a:spcAft>
-                <a:spcPct val="25000"/>
-              </a:spcAft>
-              <a:buClr>
-                <a:schemeClr val="tx2"/>
-              </a:buClr>
-              <a:buFont typeface="Arial" panose="020B0604020202020204" pitchFamily="34" charset="0"/>
-              <a:buChar char="–"/>
-              <a:defRPr>
-                <a:solidFill>
-                  <a:schemeClr val="tx1"/>
-                </a:solidFill>
-                <a:latin typeface="+mn-lt"/>
-              </a:defRPr>
-            </a:lvl8pPr>
-            <a:lvl9pPr marL="3886200" indent="-228600" algn="l" defTabSz="0" rtl="0" eaLnBrk="0" fontAlgn="base" hangingPunct="0">
-              <a:spcBef>
-                <a:spcPct val="0"/>
-              </a:spcBef>
-              <a:spcAft>
-                <a:spcPct val="25000"/>
-              </a:spcAft>
-              <a:buClr>
-                <a:schemeClr val="tx2"/>
-              </a:buClr>
-              <a:buFont typeface="Arial" panose="020B0604020202020204" pitchFamily="34" charset="0"/>
-              <a:buChar char="–"/>
-              <a:defRPr>
-                <a:solidFill>
-                  <a:schemeClr val="tx1"/>
-                </a:solidFill>
-                <a:latin typeface="+mn-lt"/>
-              </a:defRPr>
-            </a:lvl9pPr>
-          </a:lstStyle>
-          <a:p>
-            <a:pPr>
-              <a:lnSpc>
-                <a:spcPct val="130000"/>
-              </a:lnSpc>
-            </a:pPr>
-            <a:r>
-              <a:rPr kumimoji="0" lang="zh-CN" altLang="en-US" sz="3200" dirty="0" smtClean="0">
-                <a:solidFill>
-                  <a:schemeClr val="tx1"/>
-                </a:solidFill>
-                <a:sym typeface="+mn-ea"/>
-              </a:rPr>
-              <a:t>综合实例（闭包、高阶函数、静态词法作用域、IIFE）</a:t>
-            </a:r>
-            <a:endParaRPr kumimoji="0" lang="zh-CN" altLang="en-US" sz="3200" dirty="0" smtClean="0">
-              <a:solidFill>
-                <a:schemeClr val="tx1"/>
-              </a:solidFill>
-              <a:sym typeface="+mn-ea"/>
-            </a:endParaRPr>
-          </a:p>
-          <a:p>
-            <a:pPr>
-              <a:lnSpc>
-                <a:spcPct val="130000"/>
-              </a:lnSpc>
-            </a:pPr>
-            <a:endParaRPr kumimoji="0" lang="zh-CN" altLang="en-US" sz="3200" dirty="0" smtClean="0">
-              <a:solidFill>
-                <a:schemeClr val="tx1"/>
-              </a:solidFill>
-              <a:sym typeface="+mn-ea"/>
-            </a:endParaRPr>
-          </a:p>
-          <a:p>
-            <a:pPr eaLnBrk="1" hangingPunct="1">
-              <a:lnSpc>
-                <a:spcPct val="150000"/>
-              </a:lnSpc>
-            </a:pPr>
-            <a:endParaRPr kumimoji="0" lang="en-US" altLang="zh-CN" sz="3600" dirty="0" smtClean="0">
-              <a:solidFill>
-                <a:schemeClr val="tx1"/>
-              </a:solidFill>
-            </a:endParaRPr>
-          </a:p>
-          <a:p>
-            <a:pPr eaLnBrk="1" hangingPunct="1">
-              <a:lnSpc>
-                <a:spcPct val="150000"/>
-              </a:lnSpc>
-            </a:pPr>
-            <a:endParaRPr kumimoji="0" lang="zh-CN" altLang="en-US" dirty="0" smtClean="0">
-              <a:solidFill>
-                <a:schemeClr val="tx1"/>
-              </a:solidFill>
-            </a:endParaRPr>
-          </a:p>
-        </p:txBody>
-      </p:sp>
-      <p:sp>
-        <p:nvSpPr>
-          <p:cNvPr id="6" name="文本框 5"/>
-          <p:cNvSpPr txBox="1"/>
-          <p:nvPr/>
-        </p:nvSpPr>
-        <p:spPr>
-          <a:xfrm>
-            <a:off x="6385560" y="4805680"/>
-            <a:ext cx="2897505" cy="1106805"/>
-          </a:xfrm>
-          <a:prstGeom prst="rect">
-            <a:avLst/>
-          </a:prstGeom>
-          <a:noFill/>
-        </p:spPr>
-        <p:txBody>
-          <a:bodyPr wrap="square" rtlCol="0">
-            <a:spAutoFit/>
-          </a:bodyPr>
-          <a:lstStyle/>
-          <a:p>
-            <a:pPr algn="l"/>
-            <a:r>
-              <a:rPr lang="zh-CN" altLang="en-US" sz="2200">
-                <a:solidFill>
-                  <a:schemeClr val="tx1"/>
-                </a:solidFill>
-                <a:latin typeface="+mn-ea"/>
-                <a:ea typeface="+mn-ea"/>
-              </a:rPr>
-              <a:t>左侧实例输出什么</a:t>
-            </a:r>
-            <a:r>
-              <a:rPr lang="zh-CN" sz="2200">
-                <a:solidFill>
-                  <a:schemeClr val="tx1"/>
-                </a:solidFill>
-                <a:latin typeface="+mn-ea"/>
-                <a:ea typeface="+mn-ea"/>
-              </a:rPr>
-              <a:t>？</a:t>
-            </a:r>
-            <a:endParaRPr lang="zh-CN" sz="2200">
-              <a:solidFill>
-                <a:schemeClr val="tx1"/>
-              </a:solidFill>
-              <a:latin typeface="+mn-ea"/>
-              <a:ea typeface="+mn-ea"/>
-            </a:endParaRPr>
-          </a:p>
-          <a:p>
-            <a:pPr algn="l"/>
-            <a:r>
-              <a:rPr lang="zh-CN" altLang="en-US" sz="2200">
-                <a:solidFill>
-                  <a:srgbClr val="FF0000"/>
-                </a:solidFill>
-                <a:latin typeface="+mn-ea"/>
-                <a:ea typeface="+mn-ea"/>
-                <a:sym typeface="+mn-ea"/>
-              </a:rPr>
-              <a:t>使用断点调试查看代码的运行状况</a:t>
-            </a:r>
-            <a:endParaRPr lang="zh-CN" sz="2200">
-              <a:solidFill>
-                <a:schemeClr val="tx1"/>
-              </a:solidFill>
-              <a:latin typeface="+mn-ea"/>
-              <a:ea typeface="+mn-ea"/>
-            </a:endParaRPr>
-          </a:p>
-        </p:txBody>
-      </p:sp>
-    </p:spTree>
-  </p:cSld>
-  <p:clrMapOvr>
-    <a:masterClrMapping/>
-  </p:clrMapOvr>
-  <p:timing>
-    <p:tnLst>
-      <p:par>
-        <p:cTn id="1" dur="indefinite" restart="never" nodeType="tmRoot">
-          <p:childTnLst>
-            <p:seq concurrent="1" nextAc="seek">
-              <p:cTn id="2" dur="indefinite" nodeType="mainSeq">
-                <p:childTnLst>
-                  <p:par>
-                    <p:cTn id="3" fill="hold">
-                      <p:stCondLst>
-                        <p:cond delay="indefinite"/>
-                      </p:stCondLst>
-                      <p:childTnLst>
-                        <p:par>
-                          <p:cTn id="4" fill="hold">
-                            <p:stCondLst>
-                              <p:cond delay="0"/>
-                            </p:stCondLst>
-                            <p:childTnLst>
-                              <p:par>
-                                <p:cTn id="5" presetID="2" presetClass="entr" presetSubtype="4" fill="hold" nodeType="clickEffect">
-                                  <p:stCondLst>
-                                    <p:cond delay="0"/>
-                                  </p:stCondLst>
-                                  <p:childTnLst>
-                                    <p:set>
-                                      <p:cBhvr>
-                                        <p:cTn id="6" dur="1" fill="hold">
-                                          <p:stCondLst>
-                                            <p:cond delay="0"/>
-                                          </p:stCondLst>
-                                        </p:cTn>
-                                        <p:tgtEl>
-                                          <p:spTgt spid="3"/>
-                                        </p:tgtEl>
-                                        <p:attrNameLst>
-                                          <p:attrName>style.visibility</p:attrName>
-                                        </p:attrNameLst>
-                                      </p:cBhvr>
-                                      <p:to>
-                                        <p:strVal val="visible"/>
-                                      </p:to>
-                                    </p:set>
-                                    <p:anim calcmode="lin" valueType="num">
-                                      <p:cBhvr additive="base">
-                                        <p:cTn id="7" dur="500" fill="hold"/>
-                                        <p:tgtEl>
-                                          <p:spTgt spid="3"/>
-                                        </p:tgtEl>
-                                        <p:attrNameLst>
-                                          <p:attrName>ppt_x</p:attrName>
-                                        </p:attrNameLst>
-                                      </p:cBhvr>
-                                      <p:tavLst>
-                                        <p:tav tm="0">
-                                          <p:val>
-                                            <p:strVal val="#ppt_x"/>
-                                          </p:val>
-                                        </p:tav>
-                                        <p:tav tm="100000">
-                                          <p:val>
-                                            <p:strVal val="#ppt_x"/>
-                                          </p:val>
-                                        </p:tav>
-                                      </p:tavLst>
-                                    </p:anim>
-                                    <p:anim calcmode="lin" valueType="num">
-                                      <p:cBhvr additive="base">
-                                        <p:cTn id="8" dur="500" fill="hold"/>
-                                        <p:tgtEl>
-                                          <p:spTgt spid="3"/>
-                                        </p:tgtEl>
-                                        <p:attrNameLst>
-                                          <p:attrName>ppt_y</p:attrName>
-                                        </p:attrNameLst>
-                                      </p:cBhvr>
-                                      <p:tavLst>
-                                        <p:tav tm="0">
-                                          <p:val>
-                                            <p:strVal val="1+#ppt_h/2"/>
-                                          </p:val>
-                                        </p:tav>
-                                        <p:tav tm="100000">
-                                          <p:val>
-                                            <p:strVal val="#ppt_y"/>
-                                          </p:val>
-                                        </p:tav>
-                                      </p:tavLst>
-                                    </p:anim>
-                                  </p:childTnLst>
-                                </p:cTn>
-                              </p:par>
-                            </p:childTnLst>
-                          </p:cTn>
-                        </p:par>
-                        <p:par>
-                          <p:cTn id="9" fill="hold">
-                            <p:stCondLst>
-                              <p:cond delay="500"/>
-                            </p:stCondLst>
-                            <p:childTnLst>
-                              <p:par>
-                                <p:cTn id="10" presetID="2" presetClass="entr" presetSubtype="4" fill="hold" grpId="0" nodeType="afterEffect">
-                                  <p:stCondLst>
-                                    <p:cond delay="0"/>
-                                  </p:stCondLst>
-                                  <p:childTnLst>
-                                    <p:set>
-                                      <p:cBhvr>
-                                        <p:cTn id="11" dur="1" fill="hold">
-                                          <p:stCondLst>
-                                            <p:cond delay="0"/>
-                                          </p:stCondLst>
-                                        </p:cTn>
-                                        <p:tgtEl>
-                                          <p:spTgt spid="4"/>
-                                        </p:tgtEl>
-                                        <p:attrNameLst>
-                                          <p:attrName>style.visibility</p:attrName>
-                                        </p:attrNameLst>
-                                      </p:cBhvr>
-                                      <p:to>
-                                        <p:strVal val="visible"/>
-                                      </p:to>
-                                    </p:set>
-                                    <p:anim calcmode="lin" valueType="num">
-                                      <p:cBhvr additive="base">
-                                        <p:cTn id="12" dur="500" fill="hold"/>
-                                        <p:tgtEl>
-                                          <p:spTgt spid="4"/>
-                                        </p:tgtEl>
-                                        <p:attrNameLst>
-                                          <p:attrName>ppt_x</p:attrName>
-                                        </p:attrNameLst>
-                                      </p:cBhvr>
-                                      <p:tavLst>
-                                        <p:tav tm="0">
-                                          <p:val>
-                                            <p:strVal val="#ppt_x"/>
-                                          </p:val>
-                                        </p:tav>
-                                        <p:tav tm="100000">
-                                          <p:val>
-                                            <p:strVal val="#ppt_x"/>
-                                          </p:val>
-                                        </p:tav>
-                                      </p:tavLst>
-                                    </p:anim>
-                                    <p:anim calcmode="lin" valueType="num">
-                                      <p:cBhvr additive="base">
-                                        <p:cTn id="13" dur="500" fill="hold"/>
-                                        <p:tgtEl>
-                                          <p:spTgt spid="4"/>
-                                        </p:tgtEl>
-                                        <p:attrNameLst>
-                                          <p:attrName>ppt_y</p:attrName>
-                                        </p:attrNameLst>
-                                      </p:cBhvr>
-                                      <p:tavLst>
-                                        <p:tav tm="0">
-                                          <p:val>
-                                            <p:strVal val="1+#ppt_h/2"/>
-                                          </p:val>
-                                        </p:tav>
-                                        <p:tav tm="100000">
-                                          <p:val>
-                                            <p:strVal val="#ppt_y"/>
-                                          </p:val>
-                                        </p:tav>
-                                      </p:tavLst>
-                                    </p:anim>
-                                  </p:childTnLst>
-                                </p:cTn>
-                              </p:par>
-                            </p:childTnLst>
-                          </p:cTn>
-                        </p:par>
-                        <p:par>
-                          <p:cTn id="14" fill="hold">
-                            <p:stCondLst>
-                              <p:cond delay="1000"/>
-                            </p:stCondLst>
-                            <p:childTnLst>
-                              <p:par>
-                                <p:cTn id="15" presetID="2" presetClass="entr" presetSubtype="4" fill="hold" grpId="0" nodeType="afterEffect">
-                                  <p:stCondLst>
-                                    <p:cond delay="0"/>
-                                  </p:stCondLst>
-                                  <p:childTnLst>
-                                    <p:set>
-                                      <p:cBhvr>
-                                        <p:cTn id="16" dur="1" fill="hold">
-                                          <p:stCondLst>
-                                            <p:cond delay="0"/>
-                                          </p:stCondLst>
-                                        </p:cTn>
-                                        <p:tgtEl>
-                                          <p:spTgt spid="6"/>
-                                        </p:tgtEl>
-                                        <p:attrNameLst>
-                                          <p:attrName>style.visibility</p:attrName>
-                                        </p:attrNameLst>
-                                      </p:cBhvr>
-                                      <p:to>
-                                        <p:strVal val="visible"/>
-                                      </p:to>
-                                    </p:set>
-                                    <p:anim calcmode="lin" valueType="num">
-                                      <p:cBhvr additive="base">
-                                        <p:cTn id="17" dur="500" fill="hold"/>
-                                        <p:tgtEl>
-                                          <p:spTgt spid="6"/>
-                                        </p:tgtEl>
-                                        <p:attrNameLst>
-                                          <p:attrName>ppt_x</p:attrName>
-                                        </p:attrNameLst>
-                                      </p:cBhvr>
-                                      <p:tavLst>
-                                        <p:tav tm="0">
-                                          <p:val>
-                                            <p:strVal val="#ppt_x"/>
-                                          </p:val>
-                                        </p:tav>
-                                        <p:tav tm="100000">
-                                          <p:val>
-                                            <p:strVal val="#ppt_x"/>
-                                          </p:val>
-                                        </p:tav>
-                                      </p:tavLst>
-                                    </p:anim>
-                                    <p:anim calcmode="lin" valueType="num">
-                                      <p:cBhvr additive="base">
-                                        <p:cTn id="18" dur="500" fill="hold"/>
-                                        <p:tgtEl>
-                                          <p:spTgt spid="6"/>
-                                        </p:tgtEl>
-                                        <p:attrNameLst>
-                                          <p:attrName>ppt_y</p:attrName>
-                                        </p:attrNameLst>
-                                      </p:cBhvr>
-                                      <p:tavLst>
-                                        <p:tav tm="0">
-                                          <p:val>
-                                            <p:strVal val="1+#ppt_h/2"/>
-                                          </p:val>
-                                        </p:tav>
-                                        <p:tav tm="100000">
-                                          <p:val>
-                                            <p:strVal val="#ppt_y"/>
-                                          </p:val>
-                                        </p:tav>
-                                      </p:tavLst>
-                                    </p:anim>
-                                  </p:childTnLst>
-                                </p:cTn>
-                              </p:par>
-                            </p:childTnLst>
-                          </p:cTn>
-                        </p:par>
-                      </p:childTnLst>
-                    </p:cTn>
-                  </p:par>
-                </p:childTnLst>
-              </p:cTn>
-              <p:prevCondLst>
-                <p:cond evt="onPrev" delay="0">
-                  <p:tgtEl>
-                    <p:sldTgt/>
-                  </p:tgtEl>
-                </p:cond>
-              </p:prevCondLst>
-              <p:nextCondLst>
-                <p:cond evt="onNext" delay="0">
-                  <p:tgtEl>
-                    <p:sldTgt/>
-                  </p:tgtEl>
-                </p:cond>
-              </p:nextCondLst>
-            </p:seq>
-          </p:childTnLst>
-        </p:cTn>
-      </p:par>
-    </p:tnLst>
-    <p:bldLst>
-      <p:bldP spid="4" grpId="0"/>
-      <p:bldP spid="6" grpId="0"/>
-    </p:bldLst>
-  </p:timing>
-</p:sld>
-</file>
-
-<file path=ppt/slides/slide11.xml><?xml version="1.0" encoding="utf-8"?>
-<p:sld xmlns:a="http://schemas.openxmlformats.org/drawingml/2006/main" xmlns:r="http://schemas.openxmlformats.org/officeDocument/2006/relationships" xmlns:p="http://schemas.openxmlformats.org/presentationml/2006/main">
-  <p:cSld>
-    <p:spTree>
-      <p:nvGrpSpPr>
-        <p:cNvPr id="1" name=""/>
-        <p:cNvGrpSpPr/>
-        <p:nvPr/>
-      </p:nvGrpSpPr>
-      <p:grpSpPr>
-        <a:xfrm>
-          <a:off x="0" y="0"/>
-          <a:ext cx="0" cy="0"/>
-          <a:chOff x="0" y="0"/>
-          <a:chExt cx="0" cy="0"/>
-        </a:xfrm>
-      </p:grpSpPr>
-      <p:sp>
-        <p:nvSpPr>
           <p:cNvPr id="5123" name="AutoShape 6"/>
           <p:cNvSpPr>
             <a:spLocks noChangeArrowheads="1"/>
@@ -5131,7 +4184,7 @@
 </p:sld>
 </file>
 
-<file path=ppt/slides/slide12.xml><?xml version="1.0" encoding="utf-8"?>
+<file path=ppt/slides/slide11.xml><?xml version="1.0" encoding="utf-8"?>
 <p:sld xmlns:a="http://schemas.openxmlformats.org/drawingml/2006/main" xmlns:r="http://schemas.openxmlformats.org/officeDocument/2006/relationships" xmlns:p="http://schemas.openxmlformats.org/presentationml/2006/main">
   <p:cSld>
     <p:spTree>
@@ -6040,7 +5093,7 @@
 </p:sld>
 </file>
 
-<file path=ppt/slides/slide13.xml><?xml version="1.0" encoding="utf-8"?>
+<file path=ppt/slides/slide12.xml><?xml version="1.0" encoding="utf-8"?>
 <p:sld xmlns:a="http://schemas.openxmlformats.org/drawingml/2006/main" xmlns:r="http://schemas.openxmlformats.org/officeDocument/2006/relationships" xmlns:p="http://schemas.openxmlformats.org/presentationml/2006/main">
   <p:cSld>
     <p:spTree>
@@ -6904,7 +5957,7 @@
 </p:sld>
 </file>
 
-<file path=ppt/slides/slide14.xml><?xml version="1.0" encoding="utf-8"?>
+<file path=ppt/slides/slide13.xml><?xml version="1.0" encoding="utf-8"?>
 <p:sld xmlns:a="http://schemas.openxmlformats.org/drawingml/2006/main" xmlns:r="http://schemas.openxmlformats.org/officeDocument/2006/relationships" xmlns:p="http://schemas.openxmlformats.org/presentationml/2006/main">
   <p:cSld>
     <p:spTree>
@@ -7263,7 +6316,7 @@
 </p:sld>
 </file>
 
-<file path=ppt/slides/slide15.xml><?xml version="1.0" encoding="utf-8"?>
+<file path=ppt/slides/slide14.xml><?xml version="1.0" encoding="utf-8"?>
 <p:sld xmlns:a="http://schemas.openxmlformats.org/drawingml/2006/main" xmlns:r="http://schemas.openxmlformats.org/officeDocument/2006/relationships" xmlns:p="http://schemas.openxmlformats.org/presentationml/2006/main">
   <p:cSld>
     <p:spTree>
@@ -7467,7 +6520,7 @@
 </p:sld>
 </file>
 
-<file path=ppt/slides/slide16.xml><?xml version="1.0" encoding="utf-8"?>
+<file path=ppt/slides/slide15.xml><?xml version="1.0" encoding="utf-8"?>
 <p:sld xmlns:a="http://schemas.openxmlformats.org/drawingml/2006/main" xmlns:r="http://schemas.openxmlformats.org/officeDocument/2006/relationships" xmlns:p="http://schemas.openxmlformats.org/presentationml/2006/main">
   <p:cSld>
     <p:spTree>
@@ -11496,7 +10549,7 @@
               <a:rPr kumimoji="0" lang="zh-CN" altLang="en-US" dirty="0">
                 <a:sym typeface="+mn-ea"/>
               </a:rPr>
-              <a:t>闭包的常见形式（作为函数返回值返回）</a:t>
+              <a:t>闭包的常见形式（以函数对象形式返回）</a:t>
             </a:r>
             <a:endParaRPr kumimoji="0" lang="zh-CN" altLang="en-US" dirty="0"/>
           </a:p>
@@ -12308,7 +11361,19 @@
               <a:rPr kumimoji="0" lang="zh-CN" altLang="en-US" dirty="0">
                 <a:sym typeface="+mn-ea"/>
               </a:rPr>
-              <a:t>闭包的常见形式（作为函数返回值返回）</a:t>
+              <a:t>闭包的常见形式（</a:t>
+            </a:r>
+            <a:r>
+              <a:rPr kumimoji="0" lang="zh-CN" altLang="en-US" dirty="0">
+                <a:sym typeface="+mn-ea"/>
+              </a:rPr>
+              <a:t>以函数对象形式返回</a:t>
+            </a:r>
+            <a:r>
+              <a:rPr kumimoji="0" lang="zh-CN" altLang="en-US" dirty="0">
+                <a:sym typeface="+mn-ea"/>
+              </a:rPr>
+              <a:t>）</a:t>
             </a:r>
             <a:endParaRPr kumimoji="0" lang="zh-CN" altLang="en-US" dirty="0"/>
           </a:p>
